--- a/notes/SpringbootPPT.pptx
+++ b/notes/SpringbootPPT.pptx
@@ -12,6 +12,16 @@
     <p:sldId id="260" r:id="rId6"/>
     <p:sldId id="261" r:id="rId7"/>
     <p:sldId id="262" r:id="rId8"/>
+    <p:sldId id="263" r:id="rId9"/>
+    <p:sldId id="264" r:id="rId10"/>
+    <p:sldId id="265" r:id="rId11"/>
+    <p:sldId id="266" r:id="rId12"/>
+    <p:sldId id="267" r:id="rId13"/>
+    <p:sldId id="268" r:id="rId14"/>
+    <p:sldId id="269" r:id="rId15"/>
+    <p:sldId id="270" r:id="rId16"/>
+    <p:sldId id="271" r:id="rId17"/>
+    <p:sldId id="272" r:id="rId18"/>
   </p:sldIdLst>
   <p:sldSz cx="9144000" cy="6858000" type="screen4x3"/>
   <p:notesSz cx="6858000" cy="9144000"/>
@@ -294,7 +304,7 @@
           <a:p>
             <a:fld id="{81D79722-A795-4EB0-A1B6-ECFB98BA3801}" type="datetimeFigureOut">
               <a:rPr lang="en-IN" smtClean="0"/>
-              <a:t>21-03-2024</a:t>
+              <a:t>25-03-2024</a:t>
             </a:fld>
             <a:endParaRPr lang="en-IN"/>
           </a:p>
@@ -464,7 +474,7 @@
           <a:p>
             <a:fld id="{81D79722-A795-4EB0-A1B6-ECFB98BA3801}" type="datetimeFigureOut">
               <a:rPr lang="en-IN" smtClean="0"/>
-              <a:t>21-03-2024</a:t>
+              <a:t>25-03-2024</a:t>
             </a:fld>
             <a:endParaRPr lang="en-IN"/>
           </a:p>
@@ -644,7 +654,7 @@
           <a:p>
             <a:fld id="{81D79722-A795-4EB0-A1B6-ECFB98BA3801}" type="datetimeFigureOut">
               <a:rPr lang="en-IN" smtClean="0"/>
-              <a:t>21-03-2024</a:t>
+              <a:t>25-03-2024</a:t>
             </a:fld>
             <a:endParaRPr lang="en-IN"/>
           </a:p>
@@ -814,7 +824,7 @@
           <a:p>
             <a:fld id="{81D79722-A795-4EB0-A1B6-ECFB98BA3801}" type="datetimeFigureOut">
               <a:rPr lang="en-IN" smtClean="0"/>
-              <a:t>21-03-2024</a:t>
+              <a:t>25-03-2024</a:t>
             </a:fld>
             <a:endParaRPr lang="en-IN"/>
           </a:p>
@@ -1060,7 +1070,7 @@
           <a:p>
             <a:fld id="{81D79722-A795-4EB0-A1B6-ECFB98BA3801}" type="datetimeFigureOut">
               <a:rPr lang="en-IN" smtClean="0"/>
-              <a:t>21-03-2024</a:t>
+              <a:t>25-03-2024</a:t>
             </a:fld>
             <a:endParaRPr lang="en-IN"/>
           </a:p>
@@ -1348,7 +1358,7 @@
           <a:p>
             <a:fld id="{81D79722-A795-4EB0-A1B6-ECFB98BA3801}" type="datetimeFigureOut">
               <a:rPr lang="en-IN" smtClean="0"/>
-              <a:t>21-03-2024</a:t>
+              <a:t>25-03-2024</a:t>
             </a:fld>
             <a:endParaRPr lang="en-IN"/>
           </a:p>
@@ -1770,7 +1780,7 @@
           <a:p>
             <a:fld id="{81D79722-A795-4EB0-A1B6-ECFB98BA3801}" type="datetimeFigureOut">
               <a:rPr lang="en-IN" smtClean="0"/>
-              <a:t>21-03-2024</a:t>
+              <a:t>25-03-2024</a:t>
             </a:fld>
             <a:endParaRPr lang="en-IN"/>
           </a:p>
@@ -1888,7 +1898,7 @@
           <a:p>
             <a:fld id="{81D79722-A795-4EB0-A1B6-ECFB98BA3801}" type="datetimeFigureOut">
               <a:rPr lang="en-IN" smtClean="0"/>
-              <a:t>21-03-2024</a:t>
+              <a:t>25-03-2024</a:t>
             </a:fld>
             <a:endParaRPr lang="en-IN"/>
           </a:p>
@@ -1983,7 +1993,7 @@
           <a:p>
             <a:fld id="{81D79722-A795-4EB0-A1B6-ECFB98BA3801}" type="datetimeFigureOut">
               <a:rPr lang="en-IN" smtClean="0"/>
-              <a:t>21-03-2024</a:t>
+              <a:t>25-03-2024</a:t>
             </a:fld>
             <a:endParaRPr lang="en-IN"/>
           </a:p>
@@ -2260,7 +2270,7 @@
           <a:p>
             <a:fld id="{81D79722-A795-4EB0-A1B6-ECFB98BA3801}" type="datetimeFigureOut">
               <a:rPr lang="en-IN" smtClean="0"/>
-              <a:t>21-03-2024</a:t>
+              <a:t>25-03-2024</a:t>
             </a:fld>
             <a:endParaRPr lang="en-IN"/>
           </a:p>
@@ -2513,7 +2523,7 @@
           <a:p>
             <a:fld id="{81D79722-A795-4EB0-A1B6-ECFB98BA3801}" type="datetimeFigureOut">
               <a:rPr lang="en-IN" smtClean="0"/>
-              <a:t>21-03-2024</a:t>
+              <a:t>25-03-2024</a:t>
             </a:fld>
             <a:endParaRPr lang="en-IN"/>
           </a:p>
@@ -2726,7 +2736,7 @@
           <a:p>
             <a:fld id="{81D79722-A795-4EB0-A1B6-ECFB98BA3801}" type="datetimeFigureOut">
               <a:rPr lang="en-IN" smtClean="0"/>
-              <a:t>21-03-2024</a:t>
+              <a:t>25-03-2024</a:t>
             </a:fld>
             <a:endParaRPr lang="en-IN"/>
           </a:p>
@@ -3721,6 +3731,2453 @@
 </p:sld>
 </file>
 
+<file path=ppt/slides/slide10.xml><?xml version="1.0" encoding="utf-8"?>
+<p:sld xmlns:a="http://schemas.openxmlformats.org/drawingml/2006/main" xmlns:r="http://schemas.openxmlformats.org/officeDocument/2006/relationships" xmlns:p="http://schemas.openxmlformats.org/presentationml/2006/main">
+  <p:cSld>
+    <p:spTree>
+      <p:nvGrpSpPr>
+        <p:cNvPr id="1" name=""/>
+        <p:cNvGrpSpPr/>
+        <p:nvPr/>
+      </p:nvGrpSpPr>
+      <p:grpSpPr>
+        <a:xfrm>
+          <a:off x="0" y="0"/>
+          <a:ext cx="0" cy="0"/>
+          <a:chOff x="0" y="0"/>
+          <a:chExt cx="0" cy="0"/>
+        </a:xfrm>
+      </p:grpSpPr>
+      <p:sp>
+        <p:nvSpPr>
+          <p:cNvPr id="2" name="Rectangle 1"/>
+          <p:cNvSpPr/>
+          <p:nvPr/>
+        </p:nvSpPr>
+        <p:spPr>
+          <a:xfrm>
+            <a:off x="1115616" y="1268760"/>
+            <a:ext cx="2520280" cy="1224136"/>
+          </a:xfrm>
+          <a:prstGeom prst="rect">
+            <a:avLst/>
+          </a:prstGeom>
+        </p:spPr>
+        <p:style>
+          <a:lnRef idx="2">
+            <a:schemeClr val="accent1">
+              <a:shade val="50000"/>
+            </a:schemeClr>
+          </a:lnRef>
+          <a:fillRef idx="1">
+            <a:schemeClr val="accent1"/>
+          </a:fillRef>
+          <a:effectRef idx="0">
+            <a:schemeClr val="accent1"/>
+          </a:effectRef>
+          <a:fontRef idx="minor">
+            <a:schemeClr val="lt1"/>
+          </a:fontRef>
+        </p:style>
+        <p:txBody>
+          <a:bodyPr rtlCol="0" anchor="ctr"/>
+          <a:lstStyle/>
+          <a:p>
+            <a:pPr algn="ctr"/>
+            <a:r>
+              <a:rPr lang="en-US" dirty="0" smtClean="0"/>
+              <a:t>JPA(java persistence </a:t>
+            </a:r>
+            <a:r>
+              <a:rPr lang="en-US" dirty="0" err="1" smtClean="0"/>
+              <a:t>api</a:t>
+            </a:r>
+            <a:r>
+              <a:rPr lang="en-US" dirty="0" smtClean="0"/>
+              <a:t>)</a:t>
+            </a:r>
+            <a:endParaRPr lang="en-IN" dirty="0"/>
+          </a:p>
+        </p:txBody>
+      </p:sp>
+      <p:sp>
+        <p:nvSpPr>
+          <p:cNvPr id="3" name="TextBox 2"/>
+          <p:cNvSpPr txBox="1"/>
+          <p:nvPr/>
+        </p:nvSpPr>
+        <p:spPr>
+          <a:xfrm>
+            <a:off x="1115616" y="3501008"/>
+            <a:ext cx="6696744" cy="369332"/>
+          </a:xfrm>
+          <a:prstGeom prst="rect">
+            <a:avLst/>
+          </a:prstGeom>
+          <a:noFill/>
+        </p:spPr>
+        <p:txBody>
+          <a:bodyPr wrap="square" rtlCol="0">
+            <a:spAutoFit/>
+          </a:bodyPr>
+          <a:lstStyle/>
+          <a:p>
+            <a:r>
+              <a:rPr lang="en-US" dirty="0" smtClean="0"/>
+              <a:t>Insert into table values(0……</a:t>
+            </a:r>
+            <a:endParaRPr lang="en-IN" dirty="0"/>
+          </a:p>
+        </p:txBody>
+      </p:sp>
+      <p:sp>
+        <p:nvSpPr>
+          <p:cNvPr id="4" name="Rectangle 3"/>
+          <p:cNvSpPr/>
+          <p:nvPr/>
+        </p:nvSpPr>
+        <p:spPr>
+          <a:xfrm>
+            <a:off x="971600" y="4869160"/>
+            <a:ext cx="3240360" cy="864096"/>
+          </a:xfrm>
+          <a:prstGeom prst="rect">
+            <a:avLst/>
+          </a:prstGeom>
+        </p:spPr>
+        <p:style>
+          <a:lnRef idx="2">
+            <a:schemeClr val="accent1">
+              <a:shade val="50000"/>
+            </a:schemeClr>
+          </a:lnRef>
+          <a:fillRef idx="1">
+            <a:schemeClr val="accent1"/>
+          </a:fillRef>
+          <a:effectRef idx="0">
+            <a:schemeClr val="accent1"/>
+          </a:effectRef>
+          <a:fontRef idx="minor">
+            <a:schemeClr val="lt1"/>
+          </a:fontRef>
+        </p:style>
+        <p:txBody>
+          <a:bodyPr rtlCol="0" anchor="ctr"/>
+          <a:lstStyle/>
+          <a:p>
+            <a:pPr algn="ctr"/>
+            <a:r>
+              <a:rPr lang="en-US" dirty="0" err="1" smtClean="0"/>
+              <a:t>putData</a:t>
+            </a:r>
+            <a:r>
+              <a:rPr lang="en-US" dirty="0" smtClean="0"/>
+              <a:t>(first)</a:t>
+            </a:r>
+            <a:endParaRPr lang="en-IN" dirty="0"/>
+          </a:p>
+        </p:txBody>
+      </p:sp>
+      <p:sp>
+        <p:nvSpPr>
+          <p:cNvPr id="5" name="Oval 4"/>
+          <p:cNvSpPr/>
+          <p:nvPr/>
+        </p:nvSpPr>
+        <p:spPr>
+          <a:xfrm>
+            <a:off x="4067944" y="692696"/>
+            <a:ext cx="1944216" cy="1080120"/>
+          </a:xfrm>
+          <a:prstGeom prst="ellipse">
+            <a:avLst/>
+          </a:prstGeom>
+        </p:spPr>
+        <p:style>
+          <a:lnRef idx="2">
+            <a:schemeClr val="accent1">
+              <a:shade val="50000"/>
+            </a:schemeClr>
+          </a:lnRef>
+          <a:fillRef idx="1">
+            <a:schemeClr val="accent1"/>
+          </a:fillRef>
+          <a:effectRef idx="0">
+            <a:schemeClr val="accent1"/>
+          </a:effectRef>
+          <a:fontRef idx="minor">
+            <a:schemeClr val="lt1"/>
+          </a:fontRef>
+        </p:style>
+        <p:txBody>
+          <a:bodyPr rtlCol="0" anchor="ctr"/>
+          <a:lstStyle/>
+          <a:p>
+            <a:pPr algn="ctr"/>
+            <a:r>
+              <a:rPr lang="en-US" dirty="0" smtClean="0"/>
+              <a:t>Hibernate</a:t>
+            </a:r>
+            <a:endParaRPr lang="en-IN" dirty="0"/>
+          </a:p>
+        </p:txBody>
+      </p:sp>
+      <p:sp>
+        <p:nvSpPr>
+          <p:cNvPr id="6" name="Oval 5"/>
+          <p:cNvSpPr/>
+          <p:nvPr/>
+        </p:nvSpPr>
+        <p:spPr>
+          <a:xfrm>
+            <a:off x="5652120" y="2132856"/>
+            <a:ext cx="1872208" cy="1368152"/>
+          </a:xfrm>
+          <a:prstGeom prst="ellipse">
+            <a:avLst/>
+          </a:prstGeom>
+        </p:spPr>
+        <p:style>
+          <a:lnRef idx="2">
+            <a:schemeClr val="accent1">
+              <a:shade val="50000"/>
+            </a:schemeClr>
+          </a:lnRef>
+          <a:fillRef idx="1">
+            <a:schemeClr val="accent1"/>
+          </a:fillRef>
+          <a:effectRef idx="0">
+            <a:schemeClr val="accent1"/>
+          </a:effectRef>
+          <a:fontRef idx="minor">
+            <a:schemeClr val="lt1"/>
+          </a:fontRef>
+        </p:style>
+        <p:txBody>
+          <a:bodyPr rtlCol="0" anchor="ctr"/>
+          <a:lstStyle/>
+          <a:p>
+            <a:pPr algn="ctr"/>
+            <a:r>
+              <a:rPr lang="en-US" dirty="0" smtClean="0"/>
+              <a:t>ORM-object relational mapping</a:t>
+            </a:r>
+            <a:endParaRPr lang="en-IN" dirty="0"/>
+          </a:p>
+        </p:txBody>
+      </p:sp>
+    </p:spTree>
+    <p:extLst>
+      <p:ext uri="{BB962C8B-B14F-4D97-AF65-F5344CB8AC3E}">
+        <p14:creationId xmlns:p14="http://schemas.microsoft.com/office/powerpoint/2010/main" val="649963745"/>
+      </p:ext>
+    </p:extLst>
+  </p:cSld>
+  <p:clrMapOvr>
+    <a:masterClrMapping/>
+  </p:clrMapOvr>
+</p:sld>
+</file>
+
+<file path=ppt/slides/slide11.xml><?xml version="1.0" encoding="utf-8"?>
+<p:sld xmlns:a="http://schemas.openxmlformats.org/drawingml/2006/main" xmlns:r="http://schemas.openxmlformats.org/officeDocument/2006/relationships" xmlns:p="http://schemas.openxmlformats.org/presentationml/2006/main">
+  <p:cSld>
+    <p:spTree>
+      <p:nvGrpSpPr>
+        <p:cNvPr id="1" name=""/>
+        <p:cNvGrpSpPr/>
+        <p:nvPr/>
+      </p:nvGrpSpPr>
+      <p:grpSpPr>
+        <a:xfrm>
+          <a:off x="0" y="0"/>
+          <a:ext cx="0" cy="0"/>
+          <a:chOff x="0" y="0"/>
+          <a:chExt cx="0" cy="0"/>
+        </a:xfrm>
+      </p:grpSpPr>
+      <p:sp>
+        <p:nvSpPr>
+          <p:cNvPr id="2" name="Rectangle 1"/>
+          <p:cNvSpPr/>
+          <p:nvPr/>
+        </p:nvSpPr>
+        <p:spPr>
+          <a:xfrm>
+            <a:off x="1043608" y="1988840"/>
+            <a:ext cx="2520280" cy="3888432"/>
+          </a:xfrm>
+          <a:prstGeom prst="rect">
+            <a:avLst/>
+          </a:prstGeom>
+        </p:spPr>
+        <p:style>
+          <a:lnRef idx="2">
+            <a:schemeClr val="accent1">
+              <a:shade val="50000"/>
+            </a:schemeClr>
+          </a:lnRef>
+          <a:fillRef idx="1">
+            <a:schemeClr val="accent1"/>
+          </a:fillRef>
+          <a:effectRef idx="0">
+            <a:schemeClr val="accent1"/>
+          </a:effectRef>
+          <a:fontRef idx="minor">
+            <a:schemeClr val="lt1"/>
+          </a:fontRef>
+        </p:style>
+        <p:txBody>
+          <a:bodyPr rtlCol="0" anchor="ctr"/>
+          <a:lstStyle/>
+          <a:p>
+            <a:pPr algn="ctr"/>
+            <a:r>
+              <a:rPr lang="en-US" dirty="0" err="1" smtClean="0"/>
+              <a:t>RegisterUserDetailsEntity</a:t>
+            </a:r>
+            <a:endParaRPr lang="en-IN" dirty="0"/>
+          </a:p>
+        </p:txBody>
+      </p:sp>
+      <p:sp>
+        <p:nvSpPr>
+          <p:cNvPr id="3" name="Flowchart: Internal Storage 2"/>
+          <p:cNvSpPr/>
+          <p:nvPr/>
+        </p:nvSpPr>
+        <p:spPr>
+          <a:xfrm>
+            <a:off x="6444208" y="2492896"/>
+            <a:ext cx="2304256" cy="2952328"/>
+          </a:xfrm>
+          <a:prstGeom prst="flowChartInternalStorage">
+            <a:avLst/>
+          </a:prstGeom>
+        </p:spPr>
+        <p:style>
+          <a:lnRef idx="2">
+            <a:schemeClr val="accent1">
+              <a:shade val="50000"/>
+            </a:schemeClr>
+          </a:lnRef>
+          <a:fillRef idx="1">
+            <a:schemeClr val="accent1"/>
+          </a:fillRef>
+          <a:effectRef idx="0">
+            <a:schemeClr val="accent1"/>
+          </a:effectRef>
+          <a:fontRef idx="minor">
+            <a:schemeClr val="lt1"/>
+          </a:fontRef>
+        </p:style>
+        <p:txBody>
+          <a:bodyPr rtlCol="0" anchor="ctr"/>
+          <a:lstStyle/>
+          <a:p>
+            <a:pPr algn="ctr"/>
+            <a:r>
+              <a:rPr lang="en-US" dirty="0" err="1" smtClean="0"/>
+              <a:t>User_data</a:t>
+            </a:r>
+            <a:endParaRPr lang="en-IN" dirty="0"/>
+          </a:p>
+        </p:txBody>
+      </p:sp>
+      <p:cxnSp>
+        <p:nvCxnSpPr>
+          <p:cNvPr id="5" name="Straight Arrow Connector 4"/>
+          <p:cNvCxnSpPr/>
+          <p:nvPr/>
+        </p:nvCxnSpPr>
+        <p:spPr>
+          <a:xfrm>
+            <a:off x="3563888" y="3717032"/>
+            <a:ext cx="2880320" cy="0"/>
+          </a:xfrm>
+          <a:prstGeom prst="straightConnector1">
+            <a:avLst/>
+          </a:prstGeom>
+          <a:ln>
+            <a:headEnd type="arrow"/>
+            <a:tailEnd type="arrow"/>
+          </a:ln>
+        </p:spPr>
+        <p:style>
+          <a:lnRef idx="1">
+            <a:schemeClr val="accent1"/>
+          </a:lnRef>
+          <a:fillRef idx="0">
+            <a:schemeClr val="accent1"/>
+          </a:fillRef>
+          <a:effectRef idx="0">
+            <a:schemeClr val="accent1"/>
+          </a:effectRef>
+          <a:fontRef idx="minor">
+            <a:schemeClr val="tx1"/>
+          </a:fontRef>
+        </p:style>
+      </p:cxnSp>
+      <p:sp>
+        <p:nvSpPr>
+          <p:cNvPr id="6" name="TextBox 5"/>
+          <p:cNvSpPr txBox="1"/>
+          <p:nvPr/>
+        </p:nvSpPr>
+        <p:spPr>
+          <a:xfrm>
+            <a:off x="4067944" y="3356992"/>
+            <a:ext cx="1368152" cy="369332"/>
+          </a:xfrm>
+          <a:prstGeom prst="rect">
+            <a:avLst/>
+          </a:prstGeom>
+          <a:noFill/>
+        </p:spPr>
+        <p:txBody>
+          <a:bodyPr wrap="square" rtlCol="0">
+            <a:spAutoFit/>
+          </a:bodyPr>
+          <a:lstStyle/>
+          <a:p>
+            <a:r>
+              <a:rPr lang="en-US" dirty="0" smtClean="0"/>
+              <a:t>ORM</a:t>
+            </a:r>
+            <a:endParaRPr lang="en-IN" dirty="0"/>
+          </a:p>
+        </p:txBody>
+      </p:sp>
+      <p:sp>
+        <p:nvSpPr>
+          <p:cNvPr id="7" name="Rectangle 6"/>
+          <p:cNvSpPr/>
+          <p:nvPr/>
+        </p:nvSpPr>
+        <p:spPr>
+          <a:xfrm>
+            <a:off x="251520" y="620688"/>
+            <a:ext cx="1656184" cy="576064"/>
+          </a:xfrm>
+          <a:prstGeom prst="rect">
+            <a:avLst/>
+          </a:prstGeom>
+        </p:spPr>
+        <p:style>
+          <a:lnRef idx="2">
+            <a:schemeClr val="accent1">
+              <a:shade val="50000"/>
+            </a:schemeClr>
+          </a:lnRef>
+          <a:fillRef idx="1">
+            <a:schemeClr val="accent1"/>
+          </a:fillRef>
+          <a:effectRef idx="0">
+            <a:schemeClr val="accent1"/>
+          </a:effectRef>
+          <a:fontRef idx="minor">
+            <a:schemeClr val="lt1"/>
+          </a:fontRef>
+        </p:style>
+        <p:txBody>
+          <a:bodyPr rtlCol="0" anchor="ctr"/>
+          <a:lstStyle/>
+          <a:p>
+            <a:pPr algn="ctr"/>
+            <a:r>
+              <a:rPr lang="en-US" dirty="0" err="1" smtClean="0"/>
+              <a:t>RegisterModel</a:t>
+            </a:r>
+            <a:endParaRPr lang="en-IN" dirty="0"/>
+          </a:p>
+        </p:txBody>
+      </p:sp>
+      <p:sp>
+        <p:nvSpPr>
+          <p:cNvPr id="8" name="Rectangle 7"/>
+          <p:cNvSpPr/>
+          <p:nvPr/>
+        </p:nvSpPr>
+        <p:spPr>
+          <a:xfrm>
+            <a:off x="2555776" y="620688"/>
+            <a:ext cx="1656184" cy="576064"/>
+          </a:xfrm>
+          <a:prstGeom prst="rect">
+            <a:avLst/>
+          </a:prstGeom>
+        </p:spPr>
+        <p:style>
+          <a:lnRef idx="2">
+            <a:schemeClr val="accent1">
+              <a:shade val="50000"/>
+            </a:schemeClr>
+          </a:lnRef>
+          <a:fillRef idx="1">
+            <a:schemeClr val="accent1"/>
+          </a:fillRef>
+          <a:effectRef idx="0">
+            <a:schemeClr val="accent1"/>
+          </a:effectRef>
+          <a:fontRef idx="minor">
+            <a:schemeClr val="lt1"/>
+          </a:fontRef>
+        </p:style>
+        <p:txBody>
+          <a:bodyPr rtlCol="0" anchor="ctr"/>
+          <a:lstStyle/>
+          <a:p>
+            <a:pPr algn="ctr"/>
+            <a:r>
+              <a:rPr lang="en-US" dirty="0" err="1" smtClean="0"/>
+              <a:t>RegisterEntity</a:t>
+            </a:r>
+            <a:endParaRPr lang="en-IN" dirty="0"/>
+          </a:p>
+        </p:txBody>
+      </p:sp>
+      <p:sp>
+        <p:nvSpPr>
+          <p:cNvPr id="9" name="Rectangle 8"/>
+          <p:cNvSpPr/>
+          <p:nvPr/>
+        </p:nvSpPr>
+        <p:spPr>
+          <a:xfrm>
+            <a:off x="6228184" y="773088"/>
+            <a:ext cx="1656184" cy="576064"/>
+          </a:xfrm>
+          <a:prstGeom prst="rect">
+            <a:avLst/>
+          </a:prstGeom>
+        </p:spPr>
+        <p:style>
+          <a:lnRef idx="2">
+            <a:schemeClr val="accent1">
+              <a:shade val="50000"/>
+            </a:schemeClr>
+          </a:lnRef>
+          <a:fillRef idx="1">
+            <a:schemeClr val="accent1"/>
+          </a:fillRef>
+          <a:effectRef idx="0">
+            <a:schemeClr val="accent1"/>
+          </a:effectRef>
+          <a:fontRef idx="minor">
+            <a:schemeClr val="lt1"/>
+          </a:fontRef>
+        </p:style>
+        <p:txBody>
+          <a:bodyPr rtlCol="0" anchor="ctr"/>
+          <a:lstStyle/>
+          <a:p>
+            <a:pPr algn="ctr"/>
+            <a:r>
+              <a:rPr lang="en-US" dirty="0" err="1" smtClean="0"/>
+              <a:t>RegisterModel</a:t>
+            </a:r>
+            <a:endParaRPr lang="en-IN" dirty="0"/>
+          </a:p>
+        </p:txBody>
+      </p:sp>
+      <p:cxnSp>
+        <p:nvCxnSpPr>
+          <p:cNvPr id="11" name="Straight Arrow Connector 10"/>
+          <p:cNvCxnSpPr/>
+          <p:nvPr/>
+        </p:nvCxnSpPr>
+        <p:spPr>
+          <a:xfrm>
+            <a:off x="4067944" y="1196752"/>
+            <a:ext cx="2304256" cy="1800200"/>
+          </a:xfrm>
+          <a:prstGeom prst="straightConnector1">
+            <a:avLst/>
+          </a:prstGeom>
+          <a:ln>
+            <a:headEnd type="arrow"/>
+            <a:tailEnd type="arrow"/>
+          </a:ln>
+        </p:spPr>
+        <p:style>
+          <a:lnRef idx="1">
+            <a:schemeClr val="accent1"/>
+          </a:lnRef>
+          <a:fillRef idx="0">
+            <a:schemeClr val="accent1"/>
+          </a:fillRef>
+          <a:effectRef idx="0">
+            <a:schemeClr val="accent1"/>
+          </a:effectRef>
+          <a:fontRef idx="minor">
+            <a:schemeClr val="tx1"/>
+          </a:fontRef>
+        </p:style>
+      </p:cxnSp>
+    </p:spTree>
+    <p:extLst>
+      <p:ext uri="{BB962C8B-B14F-4D97-AF65-F5344CB8AC3E}">
+        <p14:creationId xmlns:p14="http://schemas.microsoft.com/office/powerpoint/2010/main" val="2686493188"/>
+      </p:ext>
+    </p:extLst>
+  </p:cSld>
+  <p:clrMapOvr>
+    <a:masterClrMapping/>
+  </p:clrMapOvr>
+</p:sld>
+</file>
+
+<file path=ppt/slides/slide12.xml><?xml version="1.0" encoding="utf-8"?>
+<p:sld xmlns:a="http://schemas.openxmlformats.org/drawingml/2006/main" xmlns:r="http://schemas.openxmlformats.org/officeDocument/2006/relationships" xmlns:p="http://schemas.openxmlformats.org/presentationml/2006/main">
+  <p:cSld>
+    <p:spTree>
+      <p:nvGrpSpPr>
+        <p:cNvPr id="1" name=""/>
+        <p:cNvGrpSpPr/>
+        <p:nvPr/>
+      </p:nvGrpSpPr>
+      <p:grpSpPr>
+        <a:xfrm>
+          <a:off x="0" y="0"/>
+          <a:ext cx="0" cy="0"/>
+          <a:chOff x="0" y="0"/>
+          <a:chExt cx="0" cy="0"/>
+        </a:xfrm>
+      </p:grpSpPr>
+      <p:sp>
+        <p:nvSpPr>
+          <p:cNvPr id="2" name="TextBox 1"/>
+          <p:cNvSpPr txBox="1"/>
+          <p:nvPr/>
+        </p:nvSpPr>
+        <p:spPr>
+          <a:xfrm>
+            <a:off x="1835696" y="476672"/>
+            <a:ext cx="4752528" cy="369332"/>
+          </a:xfrm>
+          <a:prstGeom prst="rect">
+            <a:avLst/>
+          </a:prstGeom>
+          <a:noFill/>
+        </p:spPr>
+        <p:txBody>
+          <a:bodyPr wrap="square" rtlCol="0">
+            <a:spAutoFit/>
+          </a:bodyPr>
+          <a:lstStyle/>
+          <a:p>
+            <a:r>
+              <a:rPr lang="en-US" dirty="0" smtClean="0"/>
+              <a:t>Validations</a:t>
+            </a:r>
+            <a:endParaRPr lang="en-IN" dirty="0"/>
+          </a:p>
+        </p:txBody>
+      </p:sp>
+      <p:sp>
+        <p:nvSpPr>
+          <p:cNvPr id="3" name="Rectangle 2"/>
+          <p:cNvSpPr/>
+          <p:nvPr/>
+        </p:nvSpPr>
+        <p:spPr>
+          <a:xfrm>
+            <a:off x="467544" y="1772816"/>
+            <a:ext cx="1728192" cy="2304256"/>
+          </a:xfrm>
+          <a:prstGeom prst="rect">
+            <a:avLst/>
+          </a:prstGeom>
+        </p:spPr>
+        <p:style>
+          <a:lnRef idx="2">
+            <a:schemeClr val="accent1">
+              <a:shade val="50000"/>
+            </a:schemeClr>
+          </a:lnRef>
+          <a:fillRef idx="1">
+            <a:schemeClr val="accent1"/>
+          </a:fillRef>
+          <a:effectRef idx="0">
+            <a:schemeClr val="accent1"/>
+          </a:effectRef>
+          <a:fontRef idx="minor">
+            <a:schemeClr val="lt1"/>
+          </a:fontRef>
+        </p:style>
+        <p:txBody>
+          <a:bodyPr rtlCol="0" anchor="ctr"/>
+          <a:lstStyle/>
+          <a:p>
+            <a:pPr algn="ctr"/>
+            <a:r>
+              <a:rPr lang="en-US" dirty="0" err="1" smtClean="0"/>
+              <a:t>Input:fname</a:t>
+            </a:r>
+            <a:endParaRPr lang="en-US" dirty="0" smtClean="0"/>
+          </a:p>
+          <a:p>
+            <a:pPr algn="ctr"/>
+            <a:r>
+              <a:rPr lang="en-US" dirty="0" err="1" smtClean="0"/>
+              <a:t>Lname,mobilr</a:t>
+            </a:r>
+            <a:r>
+              <a:rPr lang="en-US" dirty="0" smtClean="0"/>
+              <a:t>….</a:t>
+            </a:r>
+            <a:endParaRPr lang="en-IN" dirty="0"/>
+          </a:p>
+        </p:txBody>
+      </p:sp>
+      <p:sp>
+        <p:nvSpPr>
+          <p:cNvPr id="4" name="Rectangle 3"/>
+          <p:cNvSpPr/>
+          <p:nvPr/>
+        </p:nvSpPr>
+        <p:spPr>
+          <a:xfrm>
+            <a:off x="2699792" y="1844824"/>
+            <a:ext cx="1728192" cy="2160240"/>
+          </a:xfrm>
+          <a:prstGeom prst="rect">
+            <a:avLst/>
+          </a:prstGeom>
+        </p:spPr>
+        <p:style>
+          <a:lnRef idx="2">
+            <a:schemeClr val="accent1">
+              <a:shade val="50000"/>
+            </a:schemeClr>
+          </a:lnRef>
+          <a:fillRef idx="1">
+            <a:schemeClr val="accent1"/>
+          </a:fillRef>
+          <a:effectRef idx="0">
+            <a:schemeClr val="accent1"/>
+          </a:effectRef>
+          <a:fontRef idx="minor">
+            <a:schemeClr val="lt1"/>
+          </a:fontRef>
+        </p:style>
+        <p:txBody>
+          <a:bodyPr rtlCol="0" anchor="ctr"/>
+          <a:lstStyle/>
+          <a:p>
+            <a:pPr algn="ctr"/>
+            <a:r>
+              <a:rPr lang="en-US" dirty="0" smtClean="0"/>
+              <a:t>Login: username/</a:t>
+            </a:r>
+            <a:r>
+              <a:rPr lang="en-US" dirty="0" err="1" smtClean="0"/>
+              <a:t>user_id</a:t>
+            </a:r>
+            <a:r>
+              <a:rPr lang="en-US" dirty="0" smtClean="0"/>
+              <a:t>, pass</a:t>
+            </a:r>
+            <a:endParaRPr lang="en-IN" dirty="0"/>
+          </a:p>
+        </p:txBody>
+      </p:sp>
+      <p:cxnSp>
+        <p:nvCxnSpPr>
+          <p:cNvPr id="6" name="Straight Arrow Connector 5"/>
+          <p:cNvCxnSpPr>
+            <a:stCxn id="4" idx="3"/>
+          </p:cNvCxnSpPr>
+          <p:nvPr/>
+        </p:nvCxnSpPr>
+        <p:spPr>
+          <a:xfrm>
+            <a:off x="4427984" y="2924944"/>
+            <a:ext cx="2664296" cy="0"/>
+          </a:xfrm>
+          <a:prstGeom prst="straightConnector1">
+            <a:avLst/>
+          </a:prstGeom>
+          <a:ln>
+            <a:tailEnd type="arrow"/>
+          </a:ln>
+        </p:spPr>
+        <p:style>
+          <a:lnRef idx="1">
+            <a:schemeClr val="accent1"/>
+          </a:lnRef>
+          <a:fillRef idx="0">
+            <a:schemeClr val="accent1"/>
+          </a:fillRef>
+          <a:effectRef idx="0">
+            <a:schemeClr val="accent1"/>
+          </a:effectRef>
+          <a:fontRef idx="minor">
+            <a:schemeClr val="tx1"/>
+          </a:fontRef>
+        </p:style>
+      </p:cxnSp>
+      <p:sp>
+        <p:nvSpPr>
+          <p:cNvPr id="7" name="TextBox 6"/>
+          <p:cNvSpPr txBox="1"/>
+          <p:nvPr/>
+        </p:nvSpPr>
+        <p:spPr>
+          <a:xfrm>
+            <a:off x="4572000" y="2204864"/>
+            <a:ext cx="2448272" cy="646331"/>
+          </a:xfrm>
+          <a:prstGeom prst="rect">
+            <a:avLst/>
+          </a:prstGeom>
+          <a:noFill/>
+        </p:spPr>
+        <p:txBody>
+          <a:bodyPr wrap="square" rtlCol="0">
+            <a:spAutoFit/>
+          </a:bodyPr>
+          <a:lstStyle/>
+          <a:p>
+            <a:r>
+              <a:rPr lang="en-US" dirty="0" err="1" smtClean="0"/>
+              <a:t>User_id</a:t>
+            </a:r>
+            <a:r>
+              <a:rPr lang="en-US" dirty="0" smtClean="0"/>
+              <a:t>=-1 password: delete * from xyz table:</a:t>
+            </a:r>
+            <a:endParaRPr lang="en-IN" dirty="0"/>
+          </a:p>
+        </p:txBody>
+      </p:sp>
+      <p:cxnSp>
+        <p:nvCxnSpPr>
+          <p:cNvPr id="9" name="Straight Arrow Connector 8"/>
+          <p:cNvCxnSpPr/>
+          <p:nvPr/>
+        </p:nvCxnSpPr>
+        <p:spPr>
+          <a:xfrm>
+            <a:off x="5796136" y="3140968"/>
+            <a:ext cx="0" cy="1656184"/>
+          </a:xfrm>
+          <a:prstGeom prst="straightConnector1">
+            <a:avLst/>
+          </a:prstGeom>
+          <a:ln>
+            <a:tailEnd type="arrow"/>
+          </a:ln>
+        </p:spPr>
+        <p:style>
+          <a:lnRef idx="1">
+            <a:schemeClr val="accent1"/>
+          </a:lnRef>
+          <a:fillRef idx="0">
+            <a:schemeClr val="accent1"/>
+          </a:fillRef>
+          <a:effectRef idx="0">
+            <a:schemeClr val="accent1"/>
+          </a:effectRef>
+          <a:fontRef idx="minor">
+            <a:schemeClr val="tx1"/>
+          </a:fontRef>
+        </p:style>
+      </p:cxnSp>
+      <p:sp>
+        <p:nvSpPr>
+          <p:cNvPr id="10" name="TextBox 9"/>
+          <p:cNvSpPr txBox="1"/>
+          <p:nvPr/>
+        </p:nvSpPr>
+        <p:spPr>
+          <a:xfrm>
+            <a:off x="6012160" y="3645024"/>
+            <a:ext cx="2664296" cy="646331"/>
+          </a:xfrm>
+          <a:prstGeom prst="rect">
+            <a:avLst/>
+          </a:prstGeom>
+          <a:noFill/>
+        </p:spPr>
+        <p:txBody>
+          <a:bodyPr wrap="square" rtlCol="0">
+            <a:spAutoFit/>
+          </a:bodyPr>
+          <a:lstStyle/>
+          <a:p>
+            <a:r>
+              <a:rPr lang="en-US" dirty="0" smtClean="0"/>
+              <a:t>Select * from user where </a:t>
+            </a:r>
+            <a:r>
+              <a:rPr lang="en-US" dirty="0" err="1" smtClean="0"/>
+              <a:t>user_id</a:t>
+            </a:r>
+            <a:r>
+              <a:rPr lang="en-US" dirty="0" smtClean="0"/>
+              <a:t>=-1</a:t>
+            </a:r>
+            <a:endParaRPr lang="en-IN" dirty="0"/>
+          </a:p>
+        </p:txBody>
+      </p:sp>
+      <p:sp>
+        <p:nvSpPr>
+          <p:cNvPr id="12" name="TextBox 11"/>
+          <p:cNvSpPr txBox="1"/>
+          <p:nvPr/>
+        </p:nvSpPr>
+        <p:spPr>
+          <a:xfrm>
+            <a:off x="5436096" y="1412776"/>
+            <a:ext cx="2520280" cy="369332"/>
+          </a:xfrm>
+          <a:prstGeom prst="rect">
+            <a:avLst/>
+          </a:prstGeom>
+          <a:noFill/>
+        </p:spPr>
+        <p:txBody>
+          <a:bodyPr wrap="square" rtlCol="0">
+            <a:spAutoFit/>
+          </a:bodyPr>
+          <a:lstStyle/>
+          <a:p>
+            <a:r>
+              <a:rPr lang="en-US" dirty="0" err="1" smtClean="0"/>
+              <a:t>Sql</a:t>
+            </a:r>
+            <a:r>
+              <a:rPr lang="en-US" dirty="0" smtClean="0"/>
+              <a:t> injection</a:t>
+            </a:r>
+            <a:endParaRPr lang="en-IN" dirty="0"/>
+          </a:p>
+        </p:txBody>
+      </p:sp>
+    </p:spTree>
+    <p:extLst>
+      <p:ext uri="{BB962C8B-B14F-4D97-AF65-F5344CB8AC3E}">
+        <p14:creationId xmlns:p14="http://schemas.microsoft.com/office/powerpoint/2010/main" val="4202480098"/>
+      </p:ext>
+    </p:extLst>
+  </p:cSld>
+  <p:clrMapOvr>
+    <a:masterClrMapping/>
+  </p:clrMapOvr>
+</p:sld>
+</file>
+
+<file path=ppt/slides/slide13.xml><?xml version="1.0" encoding="utf-8"?>
+<p:sld xmlns:a="http://schemas.openxmlformats.org/drawingml/2006/main" xmlns:r="http://schemas.openxmlformats.org/officeDocument/2006/relationships" xmlns:p="http://schemas.openxmlformats.org/presentationml/2006/main">
+  <p:cSld>
+    <p:spTree>
+      <p:nvGrpSpPr>
+        <p:cNvPr id="1" name=""/>
+        <p:cNvGrpSpPr/>
+        <p:nvPr/>
+      </p:nvGrpSpPr>
+      <p:grpSpPr>
+        <a:xfrm>
+          <a:off x="0" y="0"/>
+          <a:ext cx="0" cy="0"/>
+          <a:chOff x="0" y="0"/>
+          <a:chExt cx="0" cy="0"/>
+        </a:xfrm>
+      </p:grpSpPr>
+      <p:sp>
+        <p:nvSpPr>
+          <p:cNvPr id="2" name="TextBox 1"/>
+          <p:cNvSpPr txBox="1"/>
+          <p:nvPr/>
+        </p:nvSpPr>
+        <p:spPr>
+          <a:xfrm>
+            <a:off x="1187624" y="692696"/>
+            <a:ext cx="6480720" cy="369332"/>
+          </a:xfrm>
+          <a:prstGeom prst="rect">
+            <a:avLst/>
+          </a:prstGeom>
+          <a:noFill/>
+        </p:spPr>
+        <p:txBody>
+          <a:bodyPr wrap="square" rtlCol="0">
+            <a:spAutoFit/>
+          </a:bodyPr>
+          <a:lstStyle/>
+          <a:p>
+            <a:r>
+              <a:rPr lang="en-US" dirty="0" smtClean="0"/>
+              <a:t>validation</a:t>
+            </a:r>
+            <a:endParaRPr lang="en-IN" dirty="0"/>
+          </a:p>
+        </p:txBody>
+      </p:sp>
+      <p:sp>
+        <p:nvSpPr>
+          <p:cNvPr id="3" name="TextBox 2"/>
+          <p:cNvSpPr txBox="1"/>
+          <p:nvPr/>
+        </p:nvSpPr>
+        <p:spPr>
+          <a:xfrm>
+            <a:off x="251520" y="1340768"/>
+            <a:ext cx="8496944" cy="6186309"/>
+          </a:xfrm>
+          <a:prstGeom prst="rect">
+            <a:avLst/>
+          </a:prstGeom>
+          <a:noFill/>
+        </p:spPr>
+        <p:txBody>
+          <a:bodyPr wrap="square" rtlCol="0">
+            <a:spAutoFit/>
+          </a:bodyPr>
+          <a:lstStyle/>
+          <a:p>
+            <a:r>
+              <a:rPr lang="en-US" b="1" dirty="0"/>
+              <a:t>@</a:t>
+            </a:r>
+            <a:r>
+              <a:rPr lang="en-US" b="1" dirty="0" err="1"/>
+              <a:t>NotNull</a:t>
+            </a:r>
+            <a:r>
+              <a:rPr lang="en-US" b="1" dirty="0"/>
+              <a:t>:</a:t>
+            </a:r>
+            <a:r>
+              <a:rPr lang="en-US" dirty="0"/>
+              <a:t> Ensures a field is not null.</a:t>
+            </a:r>
+          </a:p>
+          <a:p>
+            <a:r>
+              <a:rPr lang="en-US" b="1" dirty="0"/>
+              <a:t>@</a:t>
+            </a:r>
+            <a:r>
+              <a:rPr lang="en-US" b="1" dirty="0" err="1"/>
+              <a:t>NotBlank</a:t>
+            </a:r>
+            <a:r>
+              <a:rPr lang="en-US" b="1" dirty="0"/>
+              <a:t>:</a:t>
+            </a:r>
+            <a:r>
+              <a:rPr lang="en-US" dirty="0"/>
+              <a:t> Enforces non-nullity and requires at least one non-whitespace character.</a:t>
+            </a:r>
+          </a:p>
+          <a:p>
+            <a:r>
+              <a:rPr lang="en-US" b="1" dirty="0"/>
+              <a:t>@</a:t>
+            </a:r>
+            <a:r>
+              <a:rPr lang="en-US" b="1" dirty="0" err="1"/>
+              <a:t>NotEmpty</a:t>
+            </a:r>
+            <a:r>
+              <a:rPr lang="en-US" b="1" dirty="0"/>
+              <a:t>: </a:t>
+            </a:r>
+            <a:r>
+              <a:rPr lang="en-US" dirty="0"/>
+              <a:t>Guarantees that collections or arrays are not empty.</a:t>
+            </a:r>
+          </a:p>
+          <a:p>
+            <a:r>
+              <a:rPr lang="en-US" b="1" dirty="0"/>
+              <a:t>@Min(value):</a:t>
+            </a:r>
+            <a:r>
+              <a:rPr lang="en-US" dirty="0"/>
+              <a:t> Checks if a numeric field is greater than or equal to the specified minimum value.</a:t>
+            </a:r>
+          </a:p>
+          <a:p>
+            <a:r>
+              <a:rPr lang="en-US" b="1" dirty="0"/>
+              <a:t>@Max(value):</a:t>
+            </a:r>
+            <a:r>
+              <a:rPr lang="en-US" dirty="0"/>
+              <a:t> Checks if a numeric field is less than or equal to the specified maximum value.</a:t>
+            </a:r>
+          </a:p>
+          <a:p>
+            <a:r>
+              <a:rPr lang="en-US" b="1" dirty="0"/>
+              <a:t>@Size(min, max):</a:t>
+            </a:r>
+            <a:r>
+              <a:rPr lang="en-US" dirty="0"/>
+              <a:t> Validates if a string or collection size is within a specific range.</a:t>
+            </a:r>
+          </a:p>
+          <a:p>
+            <a:r>
+              <a:rPr lang="en-US" b="1" dirty="0"/>
+              <a:t>@Pattern(regex): </a:t>
+            </a:r>
+            <a:r>
+              <a:rPr lang="en-US" dirty="0"/>
+              <a:t>Verifies if a field matches the provided regular expression.</a:t>
+            </a:r>
+          </a:p>
+          <a:p>
+            <a:r>
+              <a:rPr lang="en-US" b="1" dirty="0"/>
+              <a:t>@Email:</a:t>
+            </a:r>
+            <a:r>
+              <a:rPr lang="en-US" dirty="0"/>
+              <a:t> Ensures a field contains a valid email address format.</a:t>
+            </a:r>
+          </a:p>
+          <a:p>
+            <a:r>
+              <a:rPr lang="en-US" b="1" dirty="0"/>
+              <a:t>@Digits(integer, fraction):</a:t>
+            </a:r>
+            <a:r>
+              <a:rPr lang="en-US" dirty="0"/>
+              <a:t> Validates that a numeric field has a specified number of integer and fraction digits.</a:t>
+            </a:r>
+          </a:p>
+          <a:p>
+            <a:r>
+              <a:rPr lang="en-US" b="1" dirty="0"/>
+              <a:t>@Past</a:t>
+            </a:r>
+            <a:r>
+              <a:rPr lang="en-US" dirty="0"/>
+              <a:t> and </a:t>
+            </a:r>
+            <a:r>
+              <a:rPr lang="en-US" b="1" dirty="0"/>
+              <a:t>@Future</a:t>
+            </a:r>
+            <a:r>
+              <a:rPr lang="en-US" dirty="0"/>
+              <a:t> : Checks that a date or time field is in the past and future respectively.</a:t>
+            </a:r>
+          </a:p>
+          <a:p>
+            <a:r>
+              <a:rPr lang="en-US" b="1" dirty="0"/>
+              <a:t>@</a:t>
+            </a:r>
+            <a:r>
+              <a:rPr lang="en-US" b="1" dirty="0" err="1"/>
+              <a:t>AssertTrue</a:t>
+            </a:r>
+            <a:r>
+              <a:rPr lang="en-US" dirty="0"/>
+              <a:t> and </a:t>
+            </a:r>
+            <a:r>
+              <a:rPr lang="en-US" b="1" dirty="0"/>
+              <a:t>@</a:t>
+            </a:r>
+            <a:r>
+              <a:rPr lang="en-US" b="1" dirty="0" err="1"/>
+              <a:t>AssertFalse</a:t>
+            </a:r>
+            <a:r>
+              <a:rPr lang="en-US" dirty="0"/>
+              <a:t>: Ensures that a </a:t>
+            </a:r>
+            <a:r>
+              <a:rPr lang="en-US" dirty="0" err="1"/>
+              <a:t>boolean</a:t>
+            </a:r>
+            <a:r>
+              <a:rPr lang="en-US" dirty="0"/>
+              <a:t> field is true. and false respectively.</a:t>
+            </a:r>
+          </a:p>
+          <a:p>
+            <a:r>
+              <a:rPr lang="en-US" b="1" dirty="0"/>
+              <a:t>@</a:t>
+            </a:r>
+            <a:r>
+              <a:rPr lang="en-US" b="1" dirty="0" err="1"/>
+              <a:t>CreditCardNumber</a:t>
+            </a:r>
+            <a:r>
+              <a:rPr lang="en-US" dirty="0"/>
+              <a:t>: Validates that a field contains a valid credit card number</a:t>
+            </a:r>
+            <a:r>
+              <a:rPr lang="en-US" dirty="0"/>
+              <a:t>.</a:t>
+            </a:r>
+            <a:br>
+              <a:rPr lang="en-US" dirty="0"/>
+            </a:br>
+            <a:r>
+              <a:rPr lang="en-US" dirty="0"/>
+              <a:t/>
+            </a:r>
+            <a:br>
+              <a:rPr lang="en-US" dirty="0"/>
+            </a:br>
+            <a:r>
+              <a:rPr lang="en-US" dirty="0"/>
+              <a:t>&lt;dependency&gt; </a:t>
+            </a:r>
+          </a:p>
+          <a:p>
+            <a:r>
+              <a:rPr lang="en-US" dirty="0"/>
+              <a:t>    &lt;</a:t>
+            </a:r>
+            <a:r>
+              <a:rPr lang="en-US" dirty="0" err="1"/>
+              <a:t>groupId</a:t>
+            </a:r>
+            <a:r>
+              <a:rPr lang="en-US" dirty="0"/>
+              <a:t>&gt;</a:t>
+            </a:r>
+            <a:r>
+              <a:rPr lang="en-US" dirty="0" err="1"/>
+              <a:t>org.springframework.boot</a:t>
+            </a:r>
+            <a:r>
+              <a:rPr lang="en-US" dirty="0"/>
+              <a:t>&lt;/</a:t>
+            </a:r>
+            <a:r>
+              <a:rPr lang="en-US" dirty="0" err="1"/>
+              <a:t>groupId</a:t>
+            </a:r>
+            <a:r>
+              <a:rPr lang="en-US" dirty="0"/>
+              <a:t>&gt; </a:t>
+            </a:r>
+          </a:p>
+          <a:p>
+            <a:r>
+              <a:rPr lang="en-US" dirty="0"/>
+              <a:t>    &lt;</a:t>
+            </a:r>
+            <a:r>
+              <a:rPr lang="en-US" dirty="0" err="1"/>
+              <a:t>artifactId</a:t>
+            </a:r>
+            <a:r>
+              <a:rPr lang="en-US" dirty="0"/>
+              <a:t>&gt;spring-boot-starter-validation&lt;/</a:t>
+            </a:r>
+            <a:r>
+              <a:rPr lang="en-US" dirty="0" err="1"/>
+              <a:t>artifactId</a:t>
+            </a:r>
+            <a:r>
+              <a:rPr lang="en-US" dirty="0"/>
+              <a:t>&gt; </a:t>
+            </a:r>
+          </a:p>
+          <a:p>
+            <a:r>
+              <a:rPr lang="en-US" dirty="0"/>
+              <a:t>&lt;/dependency&gt;</a:t>
+            </a:r>
+            <a:endParaRPr lang="en-US" dirty="0"/>
+          </a:p>
+        </p:txBody>
+      </p:sp>
+    </p:spTree>
+    <p:extLst>
+      <p:ext uri="{BB962C8B-B14F-4D97-AF65-F5344CB8AC3E}">
+        <p14:creationId xmlns:p14="http://schemas.microsoft.com/office/powerpoint/2010/main" val="3437450907"/>
+      </p:ext>
+    </p:extLst>
+  </p:cSld>
+  <p:clrMapOvr>
+    <a:masterClrMapping/>
+  </p:clrMapOvr>
+</p:sld>
+</file>
+
+<file path=ppt/slides/slide14.xml><?xml version="1.0" encoding="utf-8"?>
+<p:sld xmlns:a="http://schemas.openxmlformats.org/drawingml/2006/main" xmlns:r="http://schemas.openxmlformats.org/officeDocument/2006/relationships" xmlns:p="http://schemas.openxmlformats.org/presentationml/2006/main">
+  <p:cSld>
+    <p:spTree>
+      <p:nvGrpSpPr>
+        <p:cNvPr id="1" name=""/>
+        <p:cNvGrpSpPr/>
+        <p:nvPr/>
+      </p:nvGrpSpPr>
+      <p:grpSpPr>
+        <a:xfrm>
+          <a:off x="0" y="0"/>
+          <a:ext cx="0" cy="0"/>
+          <a:chOff x="0" y="0"/>
+          <a:chExt cx="0" cy="0"/>
+        </a:xfrm>
+      </p:grpSpPr>
+      <p:sp>
+        <p:nvSpPr>
+          <p:cNvPr id="2" name="TextBox 1"/>
+          <p:cNvSpPr txBox="1"/>
+          <p:nvPr/>
+        </p:nvSpPr>
+        <p:spPr>
+          <a:xfrm>
+            <a:off x="827584" y="620688"/>
+            <a:ext cx="3168352" cy="369332"/>
+          </a:xfrm>
+          <a:prstGeom prst="rect">
+            <a:avLst/>
+          </a:prstGeom>
+          <a:noFill/>
+        </p:spPr>
+        <p:txBody>
+          <a:bodyPr wrap="square" rtlCol="0">
+            <a:spAutoFit/>
+          </a:bodyPr>
+          <a:lstStyle/>
+          <a:p>
+            <a:r>
+              <a:rPr lang="en-US" dirty="0" smtClean="0"/>
+              <a:t>Front-end--validation</a:t>
+            </a:r>
+            <a:endParaRPr lang="en-IN" dirty="0"/>
+          </a:p>
+        </p:txBody>
+      </p:sp>
+      <p:sp>
+        <p:nvSpPr>
+          <p:cNvPr id="3" name="Rectangle 2"/>
+          <p:cNvSpPr/>
+          <p:nvPr/>
+        </p:nvSpPr>
+        <p:spPr>
+          <a:xfrm>
+            <a:off x="1115616" y="1926010"/>
+            <a:ext cx="2592288" cy="3168352"/>
+          </a:xfrm>
+          <a:prstGeom prst="rect">
+            <a:avLst/>
+          </a:prstGeom>
+        </p:spPr>
+        <p:style>
+          <a:lnRef idx="2">
+            <a:schemeClr val="accent1">
+              <a:shade val="50000"/>
+            </a:schemeClr>
+          </a:lnRef>
+          <a:fillRef idx="1">
+            <a:schemeClr val="accent1"/>
+          </a:fillRef>
+          <a:effectRef idx="0">
+            <a:schemeClr val="accent1"/>
+          </a:effectRef>
+          <a:fontRef idx="minor">
+            <a:schemeClr val="lt1"/>
+          </a:fontRef>
+        </p:style>
+        <p:txBody>
+          <a:bodyPr rtlCol="0" anchor="ctr"/>
+          <a:lstStyle/>
+          <a:p>
+            <a:pPr algn="ctr"/>
+            <a:endParaRPr lang="en-IN"/>
+          </a:p>
+        </p:txBody>
+      </p:sp>
+      <p:sp>
+        <p:nvSpPr>
+          <p:cNvPr id="4" name="Rounded Rectangle 3"/>
+          <p:cNvSpPr/>
+          <p:nvPr/>
+        </p:nvSpPr>
+        <p:spPr>
+          <a:xfrm>
+            <a:off x="1259632" y="2276872"/>
+            <a:ext cx="1656184" cy="576064"/>
+          </a:xfrm>
+          <a:prstGeom prst="roundRect">
+            <a:avLst/>
+          </a:prstGeom>
+        </p:spPr>
+        <p:style>
+          <a:lnRef idx="2">
+            <a:schemeClr val="accent1">
+              <a:shade val="50000"/>
+            </a:schemeClr>
+          </a:lnRef>
+          <a:fillRef idx="1">
+            <a:schemeClr val="accent1"/>
+          </a:fillRef>
+          <a:effectRef idx="0">
+            <a:schemeClr val="accent1"/>
+          </a:effectRef>
+          <a:fontRef idx="minor">
+            <a:schemeClr val="lt1"/>
+          </a:fontRef>
+        </p:style>
+        <p:txBody>
+          <a:bodyPr rtlCol="0" anchor="ctr"/>
+          <a:lstStyle/>
+          <a:p>
+            <a:pPr algn="ctr"/>
+            <a:r>
+              <a:rPr lang="en-US" dirty="0" smtClean="0"/>
+              <a:t>username</a:t>
+            </a:r>
+            <a:endParaRPr lang="en-IN" dirty="0"/>
+          </a:p>
+        </p:txBody>
+      </p:sp>
+      <p:sp>
+        <p:nvSpPr>
+          <p:cNvPr id="5" name="Rounded Rectangle 4"/>
+          <p:cNvSpPr/>
+          <p:nvPr/>
+        </p:nvSpPr>
+        <p:spPr>
+          <a:xfrm>
+            <a:off x="1259632" y="3212976"/>
+            <a:ext cx="1656184" cy="576064"/>
+          </a:xfrm>
+          <a:prstGeom prst="roundRect">
+            <a:avLst/>
+          </a:prstGeom>
+        </p:spPr>
+        <p:style>
+          <a:lnRef idx="2">
+            <a:schemeClr val="accent1">
+              <a:shade val="50000"/>
+            </a:schemeClr>
+          </a:lnRef>
+          <a:fillRef idx="1">
+            <a:schemeClr val="accent1"/>
+          </a:fillRef>
+          <a:effectRef idx="0">
+            <a:schemeClr val="accent1"/>
+          </a:effectRef>
+          <a:fontRef idx="minor">
+            <a:schemeClr val="lt1"/>
+          </a:fontRef>
+        </p:style>
+        <p:txBody>
+          <a:bodyPr rtlCol="0" anchor="ctr"/>
+          <a:lstStyle/>
+          <a:p>
+            <a:pPr algn="ctr"/>
+            <a:r>
+              <a:rPr lang="en-US" dirty="0" err="1" smtClean="0"/>
+              <a:t>passsword</a:t>
+            </a:r>
+            <a:endParaRPr lang="en-IN" dirty="0"/>
+          </a:p>
+        </p:txBody>
+      </p:sp>
+      <p:sp>
+        <p:nvSpPr>
+          <p:cNvPr id="6" name="TextBox 5"/>
+          <p:cNvSpPr txBox="1"/>
+          <p:nvPr/>
+        </p:nvSpPr>
+        <p:spPr>
+          <a:xfrm>
+            <a:off x="1331640" y="1484784"/>
+            <a:ext cx="1728192" cy="369332"/>
+          </a:xfrm>
+          <a:prstGeom prst="rect">
+            <a:avLst/>
+          </a:prstGeom>
+          <a:noFill/>
+        </p:spPr>
+        <p:txBody>
+          <a:bodyPr wrap="square" rtlCol="0">
+            <a:spAutoFit/>
+          </a:bodyPr>
+          <a:lstStyle/>
+          <a:p>
+            <a:r>
+              <a:rPr lang="en-US" dirty="0" smtClean="0"/>
+              <a:t>1</a:t>
+            </a:r>
+            <a:r>
+              <a:rPr lang="en-US" baseline="30000" dirty="0" smtClean="0"/>
+              <a:t>st</a:t>
+            </a:r>
+            <a:r>
+              <a:rPr lang="en-US" dirty="0" smtClean="0"/>
+              <a:t> layer</a:t>
+            </a:r>
+            <a:endParaRPr lang="en-IN" dirty="0"/>
+          </a:p>
+        </p:txBody>
+      </p:sp>
+      <p:cxnSp>
+        <p:nvCxnSpPr>
+          <p:cNvPr id="8" name="Straight Arrow Connector 7"/>
+          <p:cNvCxnSpPr/>
+          <p:nvPr/>
+        </p:nvCxnSpPr>
+        <p:spPr>
+          <a:xfrm>
+            <a:off x="3491880" y="3212976"/>
+            <a:ext cx="1944216" cy="0"/>
+          </a:xfrm>
+          <a:prstGeom prst="straightConnector1">
+            <a:avLst/>
+          </a:prstGeom>
+          <a:ln>
+            <a:tailEnd type="arrow"/>
+          </a:ln>
+        </p:spPr>
+        <p:style>
+          <a:lnRef idx="1">
+            <a:schemeClr val="accent1"/>
+          </a:lnRef>
+          <a:fillRef idx="0">
+            <a:schemeClr val="accent1"/>
+          </a:fillRef>
+          <a:effectRef idx="0">
+            <a:schemeClr val="accent1"/>
+          </a:effectRef>
+          <a:fontRef idx="minor">
+            <a:schemeClr val="tx1"/>
+          </a:fontRef>
+        </p:style>
+      </p:cxnSp>
+      <p:sp>
+        <p:nvSpPr>
+          <p:cNvPr id="9" name="Rectangle 8"/>
+          <p:cNvSpPr/>
+          <p:nvPr/>
+        </p:nvSpPr>
+        <p:spPr>
+          <a:xfrm>
+            <a:off x="5940152" y="1953977"/>
+            <a:ext cx="2376264" cy="2952328"/>
+          </a:xfrm>
+          <a:prstGeom prst="rect">
+            <a:avLst/>
+          </a:prstGeom>
+        </p:spPr>
+        <p:style>
+          <a:lnRef idx="2">
+            <a:schemeClr val="accent1">
+              <a:shade val="50000"/>
+            </a:schemeClr>
+          </a:lnRef>
+          <a:fillRef idx="1">
+            <a:schemeClr val="accent1"/>
+          </a:fillRef>
+          <a:effectRef idx="0">
+            <a:schemeClr val="accent1"/>
+          </a:effectRef>
+          <a:fontRef idx="minor">
+            <a:schemeClr val="lt1"/>
+          </a:fontRef>
+        </p:style>
+        <p:txBody>
+          <a:bodyPr rtlCol="0" anchor="ctr"/>
+          <a:lstStyle/>
+          <a:p>
+            <a:pPr algn="ctr"/>
+            <a:r>
+              <a:rPr lang="en-US" dirty="0" smtClean="0"/>
+              <a:t>Check username and password again!!!!</a:t>
+            </a:r>
+            <a:endParaRPr lang="en-IN" dirty="0"/>
+          </a:p>
+        </p:txBody>
+      </p:sp>
+      <p:sp>
+        <p:nvSpPr>
+          <p:cNvPr id="10" name="TextBox 9"/>
+          <p:cNvSpPr txBox="1"/>
+          <p:nvPr/>
+        </p:nvSpPr>
+        <p:spPr>
+          <a:xfrm>
+            <a:off x="755576" y="5589240"/>
+            <a:ext cx="6552728" cy="923330"/>
+          </a:xfrm>
+          <a:prstGeom prst="rect">
+            <a:avLst/>
+          </a:prstGeom>
+          <a:noFill/>
+        </p:spPr>
+        <p:txBody>
+          <a:bodyPr wrap="square" rtlCol="0">
+            <a:spAutoFit/>
+          </a:bodyPr>
+          <a:lstStyle/>
+          <a:p>
+            <a:r>
+              <a:rPr lang="en-US" dirty="0" smtClean="0"/>
+              <a:t>Browser can turn off the </a:t>
+            </a:r>
+            <a:r>
+              <a:rPr lang="en-US" dirty="0" err="1" smtClean="0"/>
+              <a:t>javascript</a:t>
+            </a:r>
+            <a:r>
+              <a:rPr lang="en-US" dirty="0" smtClean="0"/>
+              <a:t> so that front end validation will not be working anymore …and that is the reason for backend validation.</a:t>
+            </a:r>
+            <a:endParaRPr lang="en-IN" dirty="0"/>
+          </a:p>
+        </p:txBody>
+      </p:sp>
+    </p:spTree>
+    <p:extLst>
+      <p:ext uri="{BB962C8B-B14F-4D97-AF65-F5344CB8AC3E}">
+        <p14:creationId xmlns:p14="http://schemas.microsoft.com/office/powerpoint/2010/main" val="502741468"/>
+      </p:ext>
+    </p:extLst>
+  </p:cSld>
+  <p:clrMapOvr>
+    <a:masterClrMapping/>
+  </p:clrMapOvr>
+</p:sld>
+</file>
+
+<file path=ppt/slides/slide15.xml><?xml version="1.0" encoding="utf-8"?>
+<p:sld xmlns:a="http://schemas.openxmlformats.org/drawingml/2006/main" xmlns:r="http://schemas.openxmlformats.org/officeDocument/2006/relationships" xmlns:p="http://schemas.openxmlformats.org/presentationml/2006/main">
+  <p:cSld>
+    <p:spTree>
+      <p:nvGrpSpPr>
+        <p:cNvPr id="1" name=""/>
+        <p:cNvGrpSpPr/>
+        <p:nvPr/>
+      </p:nvGrpSpPr>
+      <p:grpSpPr>
+        <a:xfrm>
+          <a:off x="0" y="0"/>
+          <a:ext cx="0" cy="0"/>
+          <a:chOff x="0" y="0"/>
+          <a:chExt cx="0" cy="0"/>
+        </a:xfrm>
+      </p:grpSpPr>
+      <p:sp>
+        <p:nvSpPr>
+          <p:cNvPr id="2" name="Oval 1"/>
+          <p:cNvSpPr/>
+          <p:nvPr/>
+        </p:nvSpPr>
+        <p:spPr>
+          <a:xfrm>
+            <a:off x="2123728" y="1412776"/>
+            <a:ext cx="1440160" cy="1008112"/>
+          </a:xfrm>
+          <a:prstGeom prst="ellipse">
+            <a:avLst/>
+          </a:prstGeom>
+        </p:spPr>
+        <p:style>
+          <a:lnRef idx="2">
+            <a:schemeClr val="accent1">
+              <a:shade val="50000"/>
+            </a:schemeClr>
+          </a:lnRef>
+          <a:fillRef idx="1">
+            <a:schemeClr val="accent1"/>
+          </a:fillRef>
+          <a:effectRef idx="0">
+            <a:schemeClr val="accent1"/>
+          </a:effectRef>
+          <a:fontRef idx="minor">
+            <a:schemeClr val="lt1"/>
+          </a:fontRef>
+        </p:style>
+        <p:txBody>
+          <a:bodyPr rtlCol="0" anchor="ctr"/>
+          <a:lstStyle/>
+          <a:p>
+            <a:pPr algn="ctr"/>
+            <a:r>
+              <a:rPr lang="en-US" dirty="0" smtClean="0"/>
+              <a:t>Try{}</a:t>
+            </a:r>
+            <a:endParaRPr lang="en-IN" dirty="0"/>
+          </a:p>
+        </p:txBody>
+      </p:sp>
+      <p:sp>
+        <p:nvSpPr>
+          <p:cNvPr id="3" name="Oval 2"/>
+          <p:cNvSpPr/>
+          <p:nvPr/>
+        </p:nvSpPr>
+        <p:spPr>
+          <a:xfrm>
+            <a:off x="2555776" y="3717032"/>
+            <a:ext cx="1656184" cy="1008112"/>
+          </a:xfrm>
+          <a:prstGeom prst="ellipse">
+            <a:avLst/>
+          </a:prstGeom>
+        </p:spPr>
+        <p:style>
+          <a:lnRef idx="2">
+            <a:schemeClr val="accent1">
+              <a:shade val="50000"/>
+            </a:schemeClr>
+          </a:lnRef>
+          <a:fillRef idx="1">
+            <a:schemeClr val="accent1"/>
+          </a:fillRef>
+          <a:effectRef idx="0">
+            <a:schemeClr val="accent1"/>
+          </a:effectRef>
+          <a:fontRef idx="minor">
+            <a:schemeClr val="lt1"/>
+          </a:fontRef>
+        </p:style>
+        <p:txBody>
+          <a:bodyPr rtlCol="0" anchor="ctr"/>
+          <a:lstStyle/>
+          <a:p>
+            <a:pPr algn="ctr"/>
+            <a:r>
+              <a:rPr lang="en-US" dirty="0" smtClean="0"/>
+              <a:t>Catch(Arithmetic Exception)</a:t>
+            </a:r>
+            <a:endParaRPr lang="en-IN" dirty="0"/>
+          </a:p>
+        </p:txBody>
+      </p:sp>
+      <p:sp>
+        <p:nvSpPr>
+          <p:cNvPr id="4" name="Oval 3"/>
+          <p:cNvSpPr/>
+          <p:nvPr/>
+        </p:nvSpPr>
+        <p:spPr>
+          <a:xfrm>
+            <a:off x="1979712" y="5445224"/>
+            <a:ext cx="1944216" cy="1224136"/>
+          </a:xfrm>
+          <a:prstGeom prst="ellipse">
+            <a:avLst/>
+          </a:prstGeom>
+        </p:spPr>
+        <p:style>
+          <a:lnRef idx="2">
+            <a:schemeClr val="accent1">
+              <a:shade val="50000"/>
+            </a:schemeClr>
+          </a:lnRef>
+          <a:fillRef idx="1">
+            <a:schemeClr val="accent1"/>
+          </a:fillRef>
+          <a:effectRef idx="0">
+            <a:schemeClr val="accent1"/>
+          </a:effectRef>
+          <a:fontRef idx="minor">
+            <a:schemeClr val="lt1"/>
+          </a:fontRef>
+        </p:style>
+        <p:txBody>
+          <a:bodyPr rtlCol="0" anchor="ctr"/>
+          <a:lstStyle/>
+          <a:p>
+            <a:pPr algn="ctr"/>
+            <a:r>
+              <a:rPr lang="en-US" dirty="0" smtClean="0"/>
+              <a:t>Exception</a:t>
+            </a:r>
+            <a:endParaRPr lang="en-IN" dirty="0"/>
+          </a:p>
+        </p:txBody>
+      </p:sp>
+      <p:sp>
+        <p:nvSpPr>
+          <p:cNvPr id="5" name="TextBox 4"/>
+          <p:cNvSpPr txBox="1"/>
+          <p:nvPr/>
+        </p:nvSpPr>
+        <p:spPr>
+          <a:xfrm>
+            <a:off x="3923928" y="620688"/>
+            <a:ext cx="4824536" cy="2292935"/>
+          </a:xfrm>
+          <a:prstGeom prst="rect">
+            <a:avLst/>
+          </a:prstGeom>
+          <a:noFill/>
+        </p:spPr>
+        <p:txBody>
+          <a:bodyPr wrap="square" rtlCol="0">
+            <a:spAutoFit/>
+          </a:bodyPr>
+          <a:lstStyle/>
+          <a:p>
+            <a:r>
+              <a:rPr lang="en-IN" sz="1100" dirty="0"/>
+              <a:t>@</a:t>
+            </a:r>
+            <a:r>
+              <a:rPr lang="en-IN" sz="1100" dirty="0" err="1" smtClean="0"/>
+              <a:t>ExceptionHandler</a:t>
+            </a:r>
+            <a:r>
+              <a:rPr lang="en-IN" sz="1100" dirty="0" smtClean="0"/>
+              <a:t>(</a:t>
+            </a:r>
+            <a:r>
+              <a:rPr lang="en-IN" sz="1100" dirty="0" err="1" smtClean="0"/>
+              <a:t>Arithmetic.</a:t>
+            </a:r>
+            <a:r>
+              <a:rPr lang="en-IN" sz="1100" b="1" dirty="0" err="1" smtClean="0"/>
+              <a:t>class</a:t>
+            </a:r>
+            <a:r>
+              <a:rPr lang="en-IN" sz="1100" dirty="0"/>
+              <a:t>)  </a:t>
+            </a:r>
+          </a:p>
+          <a:p>
+            <a:r>
+              <a:rPr lang="en-IN" sz="1100" dirty="0"/>
+              <a:t>//override method of </a:t>
+            </a:r>
+            <a:r>
+              <a:rPr lang="en-IN" sz="1100" dirty="0" err="1"/>
+              <a:t>ResponseEntityExceptionHandler</a:t>
+            </a:r>
+            <a:r>
+              <a:rPr lang="en-IN" sz="1100" dirty="0"/>
+              <a:t> class  </a:t>
+            </a:r>
+          </a:p>
+          <a:p>
+            <a:r>
+              <a:rPr lang="en-IN" sz="1100" b="1" dirty="0"/>
+              <a:t>public</a:t>
+            </a:r>
+            <a:r>
+              <a:rPr lang="en-IN" sz="1100" dirty="0"/>
+              <a:t> </a:t>
+            </a:r>
+            <a:r>
+              <a:rPr lang="en-IN" sz="1100" b="1" dirty="0"/>
+              <a:t>final</a:t>
+            </a:r>
+            <a:r>
+              <a:rPr lang="en-IN" sz="1100" dirty="0"/>
+              <a:t> </a:t>
+            </a:r>
+            <a:r>
+              <a:rPr lang="en-IN" sz="1100" dirty="0" err="1"/>
+              <a:t>ResponseEntity</a:t>
+            </a:r>
+            <a:r>
+              <a:rPr lang="en-IN" sz="1100" dirty="0"/>
+              <a:t>&lt;Object&gt; </a:t>
+            </a:r>
+            <a:r>
+              <a:rPr lang="en-IN" sz="1100" dirty="0" err="1"/>
+              <a:t>handleAllExceptions</a:t>
+            </a:r>
+            <a:r>
+              <a:rPr lang="en-IN" sz="1100" dirty="0"/>
+              <a:t>(Exception ex, </a:t>
+            </a:r>
+            <a:r>
+              <a:rPr lang="en-IN" sz="1100" dirty="0" err="1"/>
+              <a:t>WebRequest</a:t>
+            </a:r>
+            <a:r>
+              <a:rPr lang="en-IN" sz="1100" dirty="0"/>
+              <a:t> request)  </a:t>
+            </a:r>
+          </a:p>
+          <a:p>
+            <a:r>
+              <a:rPr lang="en-IN" sz="1100" dirty="0"/>
+              <a:t>{  </a:t>
+            </a:r>
+          </a:p>
+          <a:p>
+            <a:r>
+              <a:rPr lang="en-IN" sz="1100" dirty="0"/>
+              <a:t>//creating exception response structure  </a:t>
+            </a:r>
+          </a:p>
+          <a:p>
+            <a:r>
+              <a:rPr lang="en-IN" sz="1100" dirty="0" err="1"/>
+              <a:t>ExceptionResponse</a:t>
+            </a:r>
+            <a:r>
+              <a:rPr lang="en-IN" sz="1100" dirty="0"/>
+              <a:t> </a:t>
+            </a:r>
+            <a:r>
+              <a:rPr lang="en-IN" sz="1100" dirty="0" err="1"/>
+              <a:t>exceptionResponse</a:t>
+            </a:r>
+            <a:r>
+              <a:rPr lang="en-IN" sz="1100" dirty="0"/>
+              <a:t>= </a:t>
+            </a:r>
+            <a:r>
+              <a:rPr lang="en-IN" sz="1100" b="1" dirty="0"/>
+              <a:t>new</a:t>
+            </a:r>
+            <a:r>
+              <a:rPr lang="en-IN" sz="1100" dirty="0"/>
+              <a:t> </a:t>
+            </a:r>
+            <a:r>
+              <a:rPr lang="en-IN" sz="1100" dirty="0" err="1"/>
+              <a:t>ExceptionResponse</a:t>
+            </a:r>
+            <a:r>
+              <a:rPr lang="en-IN" sz="1100" dirty="0"/>
+              <a:t>(</a:t>
+            </a:r>
+            <a:r>
+              <a:rPr lang="en-IN" sz="1100" b="1" dirty="0"/>
+              <a:t>new</a:t>
+            </a:r>
+            <a:r>
+              <a:rPr lang="en-IN" sz="1100" dirty="0"/>
+              <a:t> Date(), </a:t>
+            </a:r>
+            <a:r>
+              <a:rPr lang="en-IN" sz="1100" dirty="0" err="1"/>
+              <a:t>ex.getMessage</a:t>
+            </a:r>
+            <a:r>
+              <a:rPr lang="en-IN" sz="1100" dirty="0"/>
+              <a:t>(), </a:t>
+            </a:r>
+            <a:r>
+              <a:rPr lang="en-IN" sz="1100" dirty="0" err="1"/>
+              <a:t>request.getDescription</a:t>
+            </a:r>
+            <a:r>
+              <a:rPr lang="en-IN" sz="1100" dirty="0"/>
+              <a:t>(</a:t>
+            </a:r>
+            <a:r>
+              <a:rPr lang="en-IN" sz="1100" b="1" dirty="0"/>
+              <a:t>false</a:t>
+            </a:r>
+            <a:r>
+              <a:rPr lang="en-IN" sz="1100" dirty="0"/>
+              <a:t>));  </a:t>
+            </a:r>
+          </a:p>
+          <a:p>
+            <a:r>
+              <a:rPr lang="en-IN" sz="1100" dirty="0"/>
+              <a:t>//returning exception structure and specific status   </a:t>
+            </a:r>
+          </a:p>
+          <a:p>
+            <a:r>
+              <a:rPr lang="en-IN" sz="1100" b="1" dirty="0"/>
+              <a:t>return</a:t>
+            </a:r>
+            <a:r>
+              <a:rPr lang="en-IN" sz="1100" dirty="0"/>
+              <a:t> </a:t>
+            </a:r>
+            <a:r>
+              <a:rPr lang="en-IN" sz="1100" b="1" dirty="0"/>
+              <a:t>new</a:t>
+            </a:r>
+            <a:r>
+              <a:rPr lang="en-IN" sz="1100" dirty="0"/>
+              <a:t> </a:t>
+            </a:r>
+            <a:r>
+              <a:rPr lang="en-IN" sz="1100" dirty="0" err="1"/>
+              <a:t>ResponseEntity</a:t>
+            </a:r>
+            <a:r>
+              <a:rPr lang="en-IN" sz="1100" dirty="0"/>
+              <a:t>(</a:t>
+            </a:r>
+            <a:r>
+              <a:rPr lang="en-IN" sz="1100" dirty="0" err="1"/>
+              <a:t>exceptionResponse</a:t>
+            </a:r>
+            <a:r>
+              <a:rPr lang="en-IN" sz="1100" dirty="0"/>
+              <a:t>, </a:t>
+            </a:r>
+            <a:r>
+              <a:rPr lang="en-IN" sz="1100" dirty="0" err="1"/>
+              <a:t>HttpStatus.INTERNAL_SERVER_ERROR</a:t>
+            </a:r>
+            <a:r>
+              <a:rPr lang="en-IN" sz="1100" dirty="0"/>
+              <a:t>);  </a:t>
+            </a:r>
+          </a:p>
+          <a:p>
+            <a:r>
+              <a:rPr lang="en-IN" sz="1100" dirty="0"/>
+              <a:t>}  </a:t>
+            </a:r>
+          </a:p>
+          <a:p>
+            <a:endParaRPr lang="en-IN" sz="1100" dirty="0"/>
+          </a:p>
+        </p:txBody>
+      </p:sp>
+    </p:spTree>
+    <p:extLst>
+      <p:ext uri="{BB962C8B-B14F-4D97-AF65-F5344CB8AC3E}">
+        <p14:creationId xmlns:p14="http://schemas.microsoft.com/office/powerpoint/2010/main" val="3417254332"/>
+      </p:ext>
+    </p:extLst>
+  </p:cSld>
+  <p:clrMapOvr>
+    <a:masterClrMapping/>
+  </p:clrMapOvr>
+</p:sld>
+</file>
+
+<file path=ppt/slides/slide16.xml><?xml version="1.0" encoding="utf-8"?>
+<p:sld xmlns:a="http://schemas.openxmlformats.org/drawingml/2006/main" xmlns:r="http://schemas.openxmlformats.org/officeDocument/2006/relationships" xmlns:p="http://schemas.openxmlformats.org/presentationml/2006/main">
+  <p:cSld>
+    <p:spTree>
+      <p:nvGrpSpPr>
+        <p:cNvPr id="1" name=""/>
+        <p:cNvGrpSpPr/>
+        <p:nvPr/>
+      </p:nvGrpSpPr>
+      <p:grpSpPr>
+        <a:xfrm>
+          <a:off x="0" y="0"/>
+          <a:ext cx="0" cy="0"/>
+          <a:chOff x="0" y="0"/>
+          <a:chExt cx="0" cy="0"/>
+        </a:xfrm>
+      </p:grpSpPr>
+      <p:sp>
+        <p:nvSpPr>
+          <p:cNvPr id="2" name="Rectangle 1"/>
+          <p:cNvSpPr/>
+          <p:nvPr/>
+        </p:nvSpPr>
+        <p:spPr>
+          <a:xfrm>
+            <a:off x="467544" y="1268760"/>
+            <a:ext cx="2160240" cy="1584176"/>
+          </a:xfrm>
+          <a:prstGeom prst="rect">
+            <a:avLst/>
+          </a:prstGeom>
+        </p:spPr>
+        <p:style>
+          <a:lnRef idx="2">
+            <a:schemeClr val="accent1">
+              <a:shade val="50000"/>
+            </a:schemeClr>
+          </a:lnRef>
+          <a:fillRef idx="1">
+            <a:schemeClr val="accent1"/>
+          </a:fillRef>
+          <a:effectRef idx="0">
+            <a:schemeClr val="accent1"/>
+          </a:effectRef>
+          <a:fontRef idx="minor">
+            <a:schemeClr val="lt1"/>
+          </a:fontRef>
+        </p:style>
+        <p:txBody>
+          <a:bodyPr rtlCol="0" anchor="ctr"/>
+          <a:lstStyle/>
+          <a:p>
+            <a:pPr algn="ctr"/>
+            <a:r>
+              <a:rPr lang="en-US" dirty="0" smtClean="0"/>
+              <a:t>Login controller</a:t>
+            </a:r>
+            <a:endParaRPr lang="en-IN" dirty="0"/>
+          </a:p>
+        </p:txBody>
+      </p:sp>
+      <p:cxnSp>
+        <p:nvCxnSpPr>
+          <p:cNvPr id="4" name="Straight Arrow Connector 3"/>
+          <p:cNvCxnSpPr>
+            <a:stCxn id="2" idx="3"/>
+          </p:cNvCxnSpPr>
+          <p:nvPr/>
+        </p:nvCxnSpPr>
+        <p:spPr>
+          <a:xfrm>
+            <a:off x="2627784" y="2060848"/>
+            <a:ext cx="936104" cy="0"/>
+          </a:xfrm>
+          <a:prstGeom prst="straightConnector1">
+            <a:avLst/>
+          </a:prstGeom>
+          <a:ln>
+            <a:tailEnd type="arrow"/>
+          </a:ln>
+        </p:spPr>
+        <p:style>
+          <a:lnRef idx="1">
+            <a:schemeClr val="accent1"/>
+          </a:lnRef>
+          <a:fillRef idx="0">
+            <a:schemeClr val="accent1"/>
+          </a:fillRef>
+          <a:effectRef idx="0">
+            <a:schemeClr val="accent1"/>
+          </a:effectRef>
+          <a:fontRef idx="minor">
+            <a:schemeClr val="tx1"/>
+          </a:fontRef>
+        </p:style>
+      </p:cxnSp>
+      <p:sp>
+        <p:nvSpPr>
+          <p:cNvPr id="5" name="Oval 4"/>
+          <p:cNvSpPr/>
+          <p:nvPr/>
+        </p:nvSpPr>
+        <p:spPr>
+          <a:xfrm>
+            <a:off x="4067944" y="1484784"/>
+            <a:ext cx="2520280" cy="1224136"/>
+          </a:xfrm>
+          <a:prstGeom prst="ellipse">
+            <a:avLst/>
+          </a:prstGeom>
+        </p:spPr>
+        <p:style>
+          <a:lnRef idx="2">
+            <a:schemeClr val="accent1">
+              <a:shade val="50000"/>
+            </a:schemeClr>
+          </a:lnRef>
+          <a:fillRef idx="1">
+            <a:schemeClr val="accent1"/>
+          </a:fillRef>
+          <a:effectRef idx="0">
+            <a:schemeClr val="accent1"/>
+          </a:effectRef>
+          <a:fontRef idx="minor">
+            <a:schemeClr val="lt1"/>
+          </a:fontRef>
+        </p:style>
+        <p:txBody>
+          <a:bodyPr rtlCol="0" anchor="ctr"/>
+          <a:lstStyle/>
+          <a:p>
+            <a:pPr algn="ctr"/>
+            <a:r>
+              <a:rPr lang="en-US" dirty="0" smtClean="0"/>
+              <a:t>Logic Service(Business Logic)</a:t>
+            </a:r>
+            <a:endParaRPr lang="en-IN" dirty="0"/>
+          </a:p>
+        </p:txBody>
+      </p:sp>
+      <p:sp>
+        <p:nvSpPr>
+          <p:cNvPr id="6" name="TextBox 5"/>
+          <p:cNvSpPr txBox="1"/>
+          <p:nvPr/>
+        </p:nvSpPr>
+        <p:spPr>
+          <a:xfrm>
+            <a:off x="4427984" y="840056"/>
+            <a:ext cx="1440160" cy="646331"/>
+          </a:xfrm>
+          <a:prstGeom prst="rect">
+            <a:avLst/>
+          </a:prstGeom>
+          <a:noFill/>
+        </p:spPr>
+        <p:txBody>
+          <a:bodyPr wrap="square" rtlCol="0">
+            <a:spAutoFit/>
+          </a:bodyPr>
+          <a:lstStyle/>
+          <a:p>
+            <a:r>
+              <a:rPr lang="en-US" dirty="0" smtClean="0"/>
+              <a:t>Arithmetic exception</a:t>
+            </a:r>
+            <a:endParaRPr lang="en-IN" dirty="0"/>
+          </a:p>
+        </p:txBody>
+      </p:sp>
+      <p:cxnSp>
+        <p:nvCxnSpPr>
+          <p:cNvPr id="8" name="Straight Arrow Connector 7"/>
+          <p:cNvCxnSpPr/>
+          <p:nvPr/>
+        </p:nvCxnSpPr>
+        <p:spPr>
+          <a:xfrm>
+            <a:off x="6012160" y="1163221"/>
+            <a:ext cx="1440160" cy="0"/>
+          </a:xfrm>
+          <a:prstGeom prst="straightConnector1">
+            <a:avLst/>
+          </a:prstGeom>
+          <a:ln>
+            <a:tailEnd type="arrow"/>
+          </a:ln>
+        </p:spPr>
+        <p:style>
+          <a:lnRef idx="1">
+            <a:schemeClr val="accent1"/>
+          </a:lnRef>
+          <a:fillRef idx="0">
+            <a:schemeClr val="accent1"/>
+          </a:fillRef>
+          <a:effectRef idx="0">
+            <a:schemeClr val="accent1"/>
+          </a:effectRef>
+          <a:fontRef idx="minor">
+            <a:schemeClr val="tx1"/>
+          </a:fontRef>
+        </p:style>
+      </p:cxnSp>
+      <p:sp>
+        <p:nvSpPr>
+          <p:cNvPr id="9" name="TextBox 8"/>
+          <p:cNvSpPr txBox="1"/>
+          <p:nvPr/>
+        </p:nvSpPr>
+        <p:spPr>
+          <a:xfrm>
+            <a:off x="7452320" y="840056"/>
+            <a:ext cx="1691680" cy="1200329"/>
+          </a:xfrm>
+          <a:prstGeom prst="rect">
+            <a:avLst/>
+          </a:prstGeom>
+          <a:noFill/>
+        </p:spPr>
+        <p:txBody>
+          <a:bodyPr wrap="square" rtlCol="0">
+            <a:spAutoFit/>
+          </a:bodyPr>
+          <a:lstStyle/>
+          <a:p>
+            <a:r>
+              <a:rPr lang="en-US" dirty="0" smtClean="0"/>
+              <a:t>If not handle app will thro 500 and then it will crash</a:t>
+            </a:r>
+            <a:endParaRPr lang="en-IN" dirty="0"/>
+          </a:p>
+        </p:txBody>
+      </p:sp>
+      <p:sp>
+        <p:nvSpPr>
+          <p:cNvPr id="10" name="Rectangle 9"/>
+          <p:cNvSpPr/>
+          <p:nvPr/>
+        </p:nvSpPr>
+        <p:spPr>
+          <a:xfrm>
+            <a:off x="6588224" y="3356992"/>
+            <a:ext cx="1872208" cy="3096344"/>
+          </a:xfrm>
+          <a:prstGeom prst="rect">
+            <a:avLst/>
+          </a:prstGeom>
+        </p:spPr>
+        <p:style>
+          <a:lnRef idx="2">
+            <a:schemeClr val="accent1">
+              <a:shade val="50000"/>
+            </a:schemeClr>
+          </a:lnRef>
+          <a:fillRef idx="1">
+            <a:schemeClr val="accent1"/>
+          </a:fillRef>
+          <a:effectRef idx="0">
+            <a:schemeClr val="accent1"/>
+          </a:effectRef>
+          <a:fontRef idx="minor">
+            <a:schemeClr val="lt1"/>
+          </a:fontRef>
+        </p:style>
+        <p:txBody>
+          <a:bodyPr rtlCol="0" anchor="ctr"/>
+          <a:lstStyle/>
+          <a:p>
+            <a:pPr algn="ctr"/>
+            <a:r>
+              <a:rPr lang="en-US" dirty="0" smtClean="0"/>
+              <a:t>If handled properly..</a:t>
+            </a:r>
+            <a:r>
+              <a:rPr lang="en-US" dirty="0" err="1" smtClean="0"/>
+              <a:t>exceptionHandler</a:t>
+            </a:r>
+            <a:r>
+              <a:rPr lang="en-US" dirty="0" smtClean="0"/>
+              <a:t> will be triggered and some method will send </a:t>
+            </a:r>
+            <a:r>
+              <a:rPr lang="en-US" dirty="0" err="1" smtClean="0"/>
+              <a:t>exceptin</a:t>
+            </a:r>
+            <a:r>
+              <a:rPr lang="en-US" dirty="0" smtClean="0"/>
+              <a:t>=on response to the client but app will be still working and up.</a:t>
+            </a:r>
+            <a:endParaRPr lang="en-IN" dirty="0"/>
+          </a:p>
+        </p:txBody>
+      </p:sp>
+    </p:spTree>
+    <p:extLst>
+      <p:ext uri="{BB962C8B-B14F-4D97-AF65-F5344CB8AC3E}">
+        <p14:creationId xmlns:p14="http://schemas.microsoft.com/office/powerpoint/2010/main" val="1663555147"/>
+      </p:ext>
+    </p:extLst>
+  </p:cSld>
+  <p:clrMapOvr>
+    <a:masterClrMapping/>
+  </p:clrMapOvr>
+</p:sld>
+</file>
+
+<file path=ppt/slides/slide17.xml><?xml version="1.0" encoding="utf-8"?>
+<p:sld xmlns:a="http://schemas.openxmlformats.org/drawingml/2006/main" xmlns:r="http://schemas.openxmlformats.org/officeDocument/2006/relationships" xmlns:p="http://schemas.openxmlformats.org/presentationml/2006/main">
+  <p:cSld>
+    <p:spTree>
+      <p:nvGrpSpPr>
+        <p:cNvPr id="1" name=""/>
+        <p:cNvGrpSpPr/>
+        <p:nvPr/>
+      </p:nvGrpSpPr>
+      <p:grpSpPr>
+        <a:xfrm>
+          <a:off x="0" y="0"/>
+          <a:ext cx="0" cy="0"/>
+          <a:chOff x="0" y="0"/>
+          <a:chExt cx="0" cy="0"/>
+        </a:xfrm>
+      </p:grpSpPr>
+      <p:sp>
+        <p:nvSpPr>
+          <p:cNvPr id="2" name="TextBox 1"/>
+          <p:cNvSpPr txBox="1"/>
+          <p:nvPr/>
+        </p:nvSpPr>
+        <p:spPr>
+          <a:xfrm>
+            <a:off x="827584" y="548680"/>
+            <a:ext cx="6048672" cy="2031325"/>
+          </a:xfrm>
+          <a:prstGeom prst="rect">
+            <a:avLst/>
+          </a:prstGeom>
+          <a:noFill/>
+        </p:spPr>
+        <p:txBody>
+          <a:bodyPr wrap="square" rtlCol="0">
+            <a:spAutoFit/>
+          </a:bodyPr>
+          <a:lstStyle/>
+          <a:p>
+            <a:r>
+              <a:rPr lang="en-US" dirty="0" smtClean="0"/>
+              <a:t>Task:</a:t>
+            </a:r>
+            <a:br>
+              <a:rPr lang="en-US" dirty="0" smtClean="0"/>
+            </a:br>
+            <a:r>
+              <a:rPr lang="en-US" dirty="0" smtClean="0"/>
+              <a:t>1) create Validation for both register and login models</a:t>
+            </a:r>
+            <a:br>
+              <a:rPr lang="en-US" dirty="0" smtClean="0"/>
+            </a:br>
+            <a:r>
+              <a:rPr lang="en-US" dirty="0" smtClean="0"/>
+              <a:t>@</a:t>
+            </a:r>
+          </a:p>
+          <a:p>
+            <a:r>
+              <a:rPr lang="en-US" dirty="0" smtClean="0"/>
+              <a:t>2)Create </a:t>
+            </a:r>
+            <a:r>
+              <a:rPr lang="en-US" dirty="0" err="1" smtClean="0"/>
+              <a:t>globalExceptionhandler</a:t>
+            </a:r>
+            <a:r>
+              <a:rPr lang="en-US" dirty="0" smtClean="0"/>
+              <a:t> for null pointer, </a:t>
+            </a:r>
+            <a:r>
+              <a:rPr lang="en-US" dirty="0" err="1" smtClean="0"/>
+              <a:t>usernotFound</a:t>
+            </a:r>
+            <a:r>
+              <a:rPr lang="en-US" dirty="0" smtClean="0"/>
+              <a:t>.</a:t>
+            </a:r>
+          </a:p>
+          <a:p>
+            <a:r>
+              <a:rPr lang="en-US" dirty="0" smtClean="0"/>
+              <a:t>3) Create a custom validation annotation</a:t>
+            </a:r>
+            <a:r>
+              <a:rPr lang="en-US" dirty="0" smtClean="0">
+                <a:sym typeface="Wingdings" pitchFamily="2" charset="2"/>
+              </a:rPr>
+              <a:t> @</a:t>
+            </a:r>
+            <a:r>
+              <a:rPr lang="en-US" dirty="0" err="1" smtClean="0">
+                <a:sym typeface="Wingdings" pitchFamily="2" charset="2"/>
+              </a:rPr>
+              <a:t>Size,@Email</a:t>
+            </a:r>
+            <a:r>
+              <a:rPr lang="en-US" dirty="0" smtClean="0">
+                <a:sym typeface="Wingdings" pitchFamily="2" charset="2"/>
+              </a:rPr>
+              <a:t>…@StringShouldExaclty4Character</a:t>
+            </a:r>
+            <a:endParaRPr lang="en-IN" dirty="0"/>
+          </a:p>
+        </p:txBody>
+      </p:sp>
+    </p:spTree>
+    <p:extLst>
+      <p:ext uri="{BB962C8B-B14F-4D97-AF65-F5344CB8AC3E}">
+        <p14:creationId xmlns:p14="http://schemas.microsoft.com/office/powerpoint/2010/main" val="3254549326"/>
+      </p:ext>
+    </p:extLst>
+  </p:cSld>
+  <p:clrMapOvr>
+    <a:masterClrMapping/>
+  </p:clrMapOvr>
+</p:sld>
+</file>
+
 <file path=ppt/slides/slide2.xml><?xml version="1.0" encoding="utf-8"?>
 <p:sld xmlns:a="http://schemas.openxmlformats.org/drawingml/2006/main" xmlns:r="http://schemas.openxmlformats.org/officeDocument/2006/relationships" xmlns:p="http://schemas.openxmlformats.org/presentationml/2006/main">
   <p:cSld>
@@ -4484,6 +6941,909 @@
     <p:extLst>
       <p:ext uri="{BB962C8B-B14F-4D97-AF65-F5344CB8AC3E}">
         <p14:creationId xmlns:p14="http://schemas.microsoft.com/office/powerpoint/2010/main" val="2074496659"/>
+      </p:ext>
+    </p:extLst>
+  </p:cSld>
+  <p:clrMapOvr>
+    <a:masterClrMapping/>
+  </p:clrMapOvr>
+</p:sld>
+</file>
+
+<file path=ppt/slides/slide8.xml><?xml version="1.0" encoding="utf-8"?>
+<p:sld xmlns:a="http://schemas.openxmlformats.org/drawingml/2006/main" xmlns:r="http://schemas.openxmlformats.org/officeDocument/2006/relationships" xmlns:p="http://schemas.openxmlformats.org/presentationml/2006/main">
+  <p:cSld>
+    <p:spTree>
+      <p:nvGrpSpPr>
+        <p:cNvPr id="1" name=""/>
+        <p:cNvGrpSpPr/>
+        <p:nvPr/>
+      </p:nvGrpSpPr>
+      <p:grpSpPr>
+        <a:xfrm>
+          <a:off x="0" y="0"/>
+          <a:ext cx="0" cy="0"/>
+          <a:chOff x="0" y="0"/>
+          <a:chExt cx="0" cy="0"/>
+        </a:xfrm>
+      </p:grpSpPr>
+      <p:sp>
+        <p:nvSpPr>
+          <p:cNvPr id="2" name="Title 1"/>
+          <p:cNvSpPr>
+            <a:spLocks noGrp="1"/>
+          </p:cNvSpPr>
+          <p:nvPr>
+            <p:ph type="title" idx="4294967295"/>
+          </p:nvPr>
+        </p:nvSpPr>
+        <p:spPr>
+          <a:xfrm>
+            <a:off x="0" y="274638"/>
+            <a:ext cx="8229600" cy="1143000"/>
+          </a:xfrm>
+        </p:spPr>
+        <p:txBody>
+          <a:bodyPr/>
+          <a:lstStyle/>
+          <a:p>
+            <a:r>
+              <a:rPr lang="en-US" dirty="0" smtClean="0"/>
+              <a:t>Register</a:t>
+            </a:r>
+            <a:endParaRPr lang="en-IN" dirty="0"/>
+          </a:p>
+        </p:txBody>
+      </p:sp>
+      <p:sp>
+        <p:nvSpPr>
+          <p:cNvPr id="4" name="Rectangle 3"/>
+          <p:cNvSpPr/>
+          <p:nvPr/>
+        </p:nvSpPr>
+        <p:spPr>
+          <a:xfrm>
+            <a:off x="683568" y="2204864"/>
+            <a:ext cx="2232248" cy="864096"/>
+          </a:xfrm>
+          <a:prstGeom prst="rect">
+            <a:avLst/>
+          </a:prstGeom>
+        </p:spPr>
+        <p:style>
+          <a:lnRef idx="2">
+            <a:schemeClr val="accent1">
+              <a:shade val="50000"/>
+            </a:schemeClr>
+          </a:lnRef>
+          <a:fillRef idx="1">
+            <a:schemeClr val="accent1"/>
+          </a:fillRef>
+          <a:effectRef idx="0">
+            <a:schemeClr val="accent1"/>
+          </a:effectRef>
+          <a:fontRef idx="minor">
+            <a:schemeClr val="lt1"/>
+          </a:fontRef>
+        </p:style>
+        <p:txBody>
+          <a:bodyPr rtlCol="0" anchor="ctr"/>
+          <a:lstStyle/>
+          <a:p>
+            <a:pPr algn="ctr"/>
+            <a:r>
+              <a:rPr lang="en-US" dirty="0" err="1" smtClean="0"/>
+              <a:t>Firstname,lastname,email,password,mobile,address</a:t>
+            </a:r>
+            <a:endParaRPr lang="en-IN" dirty="0"/>
+          </a:p>
+        </p:txBody>
+      </p:sp>
+      <p:cxnSp>
+        <p:nvCxnSpPr>
+          <p:cNvPr id="6" name="Straight Arrow Connector 5"/>
+          <p:cNvCxnSpPr/>
+          <p:nvPr/>
+        </p:nvCxnSpPr>
+        <p:spPr>
+          <a:xfrm>
+            <a:off x="2915816" y="2636912"/>
+            <a:ext cx="1512168" cy="0"/>
+          </a:xfrm>
+          <a:prstGeom prst="straightConnector1">
+            <a:avLst/>
+          </a:prstGeom>
+          <a:ln>
+            <a:tailEnd type="arrow"/>
+          </a:ln>
+        </p:spPr>
+        <p:style>
+          <a:lnRef idx="1">
+            <a:schemeClr val="accent1"/>
+          </a:lnRef>
+          <a:fillRef idx="0">
+            <a:schemeClr val="accent1"/>
+          </a:fillRef>
+          <a:effectRef idx="0">
+            <a:schemeClr val="accent1"/>
+          </a:effectRef>
+          <a:fontRef idx="minor">
+            <a:schemeClr val="tx1"/>
+          </a:fontRef>
+        </p:style>
+      </p:cxnSp>
+      <p:sp>
+        <p:nvSpPr>
+          <p:cNvPr id="7" name="Rounded Rectangle 6"/>
+          <p:cNvSpPr/>
+          <p:nvPr/>
+        </p:nvSpPr>
+        <p:spPr>
+          <a:xfrm>
+            <a:off x="4499992" y="2132856"/>
+            <a:ext cx="2304256" cy="1008112"/>
+          </a:xfrm>
+          <a:prstGeom prst="roundRect">
+            <a:avLst/>
+          </a:prstGeom>
+        </p:spPr>
+        <p:style>
+          <a:lnRef idx="2">
+            <a:schemeClr val="accent1">
+              <a:shade val="50000"/>
+            </a:schemeClr>
+          </a:lnRef>
+          <a:fillRef idx="1">
+            <a:schemeClr val="accent1"/>
+          </a:fillRef>
+          <a:effectRef idx="0">
+            <a:schemeClr val="accent1"/>
+          </a:effectRef>
+          <a:fontRef idx="minor">
+            <a:schemeClr val="lt1"/>
+          </a:fontRef>
+        </p:style>
+        <p:txBody>
+          <a:bodyPr rtlCol="0" anchor="ctr"/>
+          <a:lstStyle/>
+          <a:p>
+            <a:pPr algn="ctr"/>
+            <a:r>
+              <a:rPr lang="en-US" dirty="0" err="1" smtClean="0"/>
+              <a:t>RegisterController</a:t>
+            </a:r>
+            <a:endParaRPr lang="en-IN" dirty="0"/>
+          </a:p>
+        </p:txBody>
+      </p:sp>
+      <p:sp>
+        <p:nvSpPr>
+          <p:cNvPr id="8" name="Rounded Rectangle 7"/>
+          <p:cNvSpPr/>
+          <p:nvPr/>
+        </p:nvSpPr>
+        <p:spPr>
+          <a:xfrm>
+            <a:off x="4860032" y="4437112"/>
+            <a:ext cx="2232248" cy="864096"/>
+          </a:xfrm>
+          <a:prstGeom prst="roundRect">
+            <a:avLst/>
+          </a:prstGeom>
+        </p:spPr>
+        <p:style>
+          <a:lnRef idx="2">
+            <a:schemeClr val="accent1">
+              <a:shade val="50000"/>
+            </a:schemeClr>
+          </a:lnRef>
+          <a:fillRef idx="1">
+            <a:schemeClr val="accent1"/>
+          </a:fillRef>
+          <a:effectRef idx="0">
+            <a:schemeClr val="accent1"/>
+          </a:effectRef>
+          <a:fontRef idx="minor">
+            <a:schemeClr val="lt1"/>
+          </a:fontRef>
+        </p:style>
+        <p:txBody>
+          <a:bodyPr rtlCol="0" anchor="ctr"/>
+          <a:lstStyle/>
+          <a:p>
+            <a:pPr algn="ctr"/>
+            <a:r>
+              <a:rPr lang="en-US" dirty="0" smtClean="0"/>
+              <a:t>Database</a:t>
+            </a:r>
+            <a:endParaRPr lang="en-IN" dirty="0"/>
+          </a:p>
+        </p:txBody>
+      </p:sp>
+      <p:sp>
+        <p:nvSpPr>
+          <p:cNvPr id="9" name="Flowchart: Internal Storage 8"/>
+          <p:cNvSpPr/>
+          <p:nvPr/>
+        </p:nvSpPr>
+        <p:spPr>
+          <a:xfrm>
+            <a:off x="5436096" y="5733256"/>
+            <a:ext cx="1656184" cy="648072"/>
+          </a:xfrm>
+          <a:prstGeom prst="flowChartInternalStorage">
+            <a:avLst/>
+          </a:prstGeom>
+        </p:spPr>
+        <p:style>
+          <a:lnRef idx="2">
+            <a:schemeClr val="accent1">
+              <a:shade val="50000"/>
+            </a:schemeClr>
+          </a:lnRef>
+          <a:fillRef idx="1">
+            <a:schemeClr val="accent1"/>
+          </a:fillRef>
+          <a:effectRef idx="0">
+            <a:schemeClr val="accent1"/>
+          </a:effectRef>
+          <a:fontRef idx="minor">
+            <a:schemeClr val="lt1"/>
+          </a:fontRef>
+        </p:style>
+        <p:txBody>
+          <a:bodyPr rtlCol="0" anchor="ctr"/>
+          <a:lstStyle/>
+          <a:p>
+            <a:pPr algn="ctr"/>
+            <a:r>
+              <a:rPr lang="en-US" dirty="0" err="1" smtClean="0"/>
+              <a:t>USER_details</a:t>
+            </a:r>
+            <a:r>
+              <a:rPr lang="en-US" dirty="0" smtClean="0"/>
+              <a:t> Table</a:t>
+            </a:r>
+            <a:endParaRPr lang="en-IN" dirty="0"/>
+          </a:p>
+        </p:txBody>
+      </p:sp>
+      <p:cxnSp>
+        <p:nvCxnSpPr>
+          <p:cNvPr id="12" name="Straight Arrow Connector 11"/>
+          <p:cNvCxnSpPr/>
+          <p:nvPr/>
+        </p:nvCxnSpPr>
+        <p:spPr>
+          <a:xfrm>
+            <a:off x="5976156" y="3140968"/>
+            <a:ext cx="0" cy="1224136"/>
+          </a:xfrm>
+          <a:prstGeom prst="straightConnector1">
+            <a:avLst/>
+          </a:prstGeom>
+          <a:ln>
+            <a:tailEnd type="arrow"/>
+          </a:ln>
+        </p:spPr>
+        <p:style>
+          <a:lnRef idx="1">
+            <a:schemeClr val="accent1"/>
+          </a:lnRef>
+          <a:fillRef idx="0">
+            <a:schemeClr val="accent1"/>
+          </a:fillRef>
+          <a:effectRef idx="0">
+            <a:schemeClr val="accent1"/>
+          </a:effectRef>
+          <a:fontRef idx="minor">
+            <a:schemeClr val="tx1"/>
+          </a:fontRef>
+        </p:style>
+      </p:cxnSp>
+      <p:cxnSp>
+        <p:nvCxnSpPr>
+          <p:cNvPr id="14" name="Straight Arrow Connector 13"/>
+          <p:cNvCxnSpPr/>
+          <p:nvPr/>
+        </p:nvCxnSpPr>
+        <p:spPr>
+          <a:xfrm>
+            <a:off x="6012160" y="5301208"/>
+            <a:ext cx="0" cy="432048"/>
+          </a:xfrm>
+          <a:prstGeom prst="straightConnector1">
+            <a:avLst/>
+          </a:prstGeom>
+          <a:ln>
+            <a:tailEnd type="arrow"/>
+          </a:ln>
+        </p:spPr>
+        <p:style>
+          <a:lnRef idx="1">
+            <a:schemeClr val="accent1"/>
+          </a:lnRef>
+          <a:fillRef idx="0">
+            <a:schemeClr val="accent1"/>
+          </a:fillRef>
+          <a:effectRef idx="0">
+            <a:schemeClr val="accent1"/>
+          </a:effectRef>
+          <a:fontRef idx="minor">
+            <a:schemeClr val="tx1"/>
+          </a:fontRef>
+        </p:style>
+      </p:cxnSp>
+      <p:cxnSp>
+        <p:nvCxnSpPr>
+          <p:cNvPr id="17" name="Straight Arrow Connector 16"/>
+          <p:cNvCxnSpPr/>
+          <p:nvPr/>
+        </p:nvCxnSpPr>
+        <p:spPr>
+          <a:xfrm flipH="1" flipV="1">
+            <a:off x="6300192" y="3212976"/>
+            <a:ext cx="72008" cy="1224136"/>
+          </a:xfrm>
+          <a:prstGeom prst="straightConnector1">
+            <a:avLst/>
+          </a:prstGeom>
+          <a:ln>
+            <a:tailEnd type="arrow"/>
+          </a:ln>
+        </p:spPr>
+        <p:style>
+          <a:lnRef idx="1">
+            <a:schemeClr val="accent1"/>
+          </a:lnRef>
+          <a:fillRef idx="0">
+            <a:schemeClr val="accent1"/>
+          </a:fillRef>
+          <a:effectRef idx="0">
+            <a:schemeClr val="accent1"/>
+          </a:effectRef>
+          <a:fontRef idx="minor">
+            <a:schemeClr val="tx1"/>
+          </a:fontRef>
+        </p:style>
+      </p:cxnSp>
+      <p:cxnSp>
+        <p:nvCxnSpPr>
+          <p:cNvPr id="19" name="Straight Arrow Connector 18"/>
+          <p:cNvCxnSpPr/>
+          <p:nvPr/>
+        </p:nvCxnSpPr>
+        <p:spPr>
+          <a:xfrm flipH="1">
+            <a:off x="2915816" y="2348880"/>
+            <a:ext cx="1584176" cy="0"/>
+          </a:xfrm>
+          <a:prstGeom prst="straightConnector1">
+            <a:avLst/>
+          </a:prstGeom>
+          <a:ln>
+            <a:tailEnd type="arrow"/>
+          </a:ln>
+        </p:spPr>
+        <p:style>
+          <a:lnRef idx="1">
+            <a:schemeClr val="accent1"/>
+          </a:lnRef>
+          <a:fillRef idx="0">
+            <a:schemeClr val="accent1"/>
+          </a:fillRef>
+          <a:effectRef idx="0">
+            <a:schemeClr val="accent1"/>
+          </a:effectRef>
+          <a:fontRef idx="minor">
+            <a:schemeClr val="tx1"/>
+          </a:fontRef>
+        </p:style>
+      </p:cxnSp>
+      <p:sp>
+        <p:nvSpPr>
+          <p:cNvPr id="20" name="TextBox 19"/>
+          <p:cNvSpPr txBox="1"/>
+          <p:nvPr/>
+        </p:nvSpPr>
+        <p:spPr>
+          <a:xfrm>
+            <a:off x="3059832" y="2780928"/>
+            <a:ext cx="1224136" cy="369332"/>
+          </a:xfrm>
+          <a:prstGeom prst="rect">
+            <a:avLst/>
+          </a:prstGeom>
+          <a:noFill/>
+        </p:spPr>
+        <p:txBody>
+          <a:bodyPr wrap="square" rtlCol="0">
+            <a:spAutoFit/>
+          </a:bodyPr>
+          <a:lstStyle/>
+          <a:p>
+            <a:r>
+              <a:rPr lang="en-US" dirty="0" err="1" smtClean="0"/>
+              <a:t>Req</a:t>
+            </a:r>
+            <a:r>
+              <a:rPr lang="en-US" dirty="0" smtClean="0"/>
+              <a:t>(POST)</a:t>
+            </a:r>
+            <a:endParaRPr lang="en-IN" dirty="0"/>
+          </a:p>
+        </p:txBody>
+      </p:sp>
+      <p:sp>
+        <p:nvSpPr>
+          <p:cNvPr id="21" name="Double Bracket 20"/>
+          <p:cNvSpPr/>
+          <p:nvPr/>
+        </p:nvSpPr>
+        <p:spPr>
+          <a:xfrm>
+            <a:off x="2483768" y="3753036"/>
+            <a:ext cx="3168352" cy="396044"/>
+          </a:xfrm>
+          <a:prstGeom prst="bracketPair">
+            <a:avLst/>
+          </a:prstGeom>
+        </p:spPr>
+        <p:style>
+          <a:lnRef idx="1">
+            <a:schemeClr val="accent1"/>
+          </a:lnRef>
+          <a:fillRef idx="0">
+            <a:schemeClr val="accent1"/>
+          </a:fillRef>
+          <a:effectRef idx="0">
+            <a:schemeClr val="accent1"/>
+          </a:effectRef>
+          <a:fontRef idx="minor">
+            <a:schemeClr val="tx1"/>
+          </a:fontRef>
+        </p:style>
+        <p:txBody>
+          <a:bodyPr rtlCol="0" anchor="ctr"/>
+          <a:lstStyle/>
+          <a:p>
+            <a:pPr algn="ctr"/>
+            <a:r>
+              <a:rPr lang="en-US" dirty="0" smtClean="0"/>
+              <a:t>Request sent to database to store user data(INSERT query)</a:t>
+            </a:r>
+            <a:endParaRPr lang="en-IN" dirty="0"/>
+          </a:p>
+        </p:txBody>
+      </p:sp>
+      <p:sp>
+        <p:nvSpPr>
+          <p:cNvPr id="22" name="Double Bracket 21"/>
+          <p:cNvSpPr/>
+          <p:nvPr/>
+        </p:nvSpPr>
+        <p:spPr>
+          <a:xfrm>
+            <a:off x="6516216" y="3753036"/>
+            <a:ext cx="1800200" cy="198022"/>
+          </a:xfrm>
+          <a:prstGeom prst="bracketPair">
+            <a:avLst/>
+          </a:prstGeom>
+        </p:spPr>
+        <p:style>
+          <a:lnRef idx="1">
+            <a:schemeClr val="accent1"/>
+          </a:lnRef>
+          <a:fillRef idx="0">
+            <a:schemeClr val="accent1"/>
+          </a:fillRef>
+          <a:effectRef idx="0">
+            <a:schemeClr val="accent1"/>
+          </a:effectRef>
+          <a:fontRef idx="minor">
+            <a:schemeClr val="tx1"/>
+          </a:fontRef>
+        </p:style>
+        <p:txBody>
+          <a:bodyPr rtlCol="0" anchor="ctr"/>
+          <a:lstStyle/>
+          <a:p>
+            <a:pPr algn="ctr"/>
+            <a:r>
+              <a:rPr lang="en-US" dirty="0" smtClean="0"/>
+              <a:t>Created response</a:t>
+            </a:r>
+            <a:endParaRPr lang="en-IN" dirty="0"/>
+          </a:p>
+        </p:txBody>
+      </p:sp>
+      <p:sp>
+        <p:nvSpPr>
+          <p:cNvPr id="23" name="Double Bracket 22"/>
+          <p:cNvSpPr/>
+          <p:nvPr/>
+        </p:nvSpPr>
+        <p:spPr>
+          <a:xfrm>
+            <a:off x="3059832" y="2132856"/>
+            <a:ext cx="1440160" cy="72008"/>
+          </a:xfrm>
+          <a:prstGeom prst="bracketPair">
+            <a:avLst/>
+          </a:prstGeom>
+        </p:spPr>
+        <p:style>
+          <a:lnRef idx="1">
+            <a:schemeClr val="accent1"/>
+          </a:lnRef>
+          <a:fillRef idx="0">
+            <a:schemeClr val="accent1"/>
+          </a:fillRef>
+          <a:effectRef idx="0">
+            <a:schemeClr val="accent1"/>
+          </a:effectRef>
+          <a:fontRef idx="minor">
+            <a:schemeClr val="tx1"/>
+          </a:fontRef>
+        </p:style>
+        <p:txBody>
+          <a:bodyPr rtlCol="0" anchor="ctr"/>
+          <a:lstStyle/>
+          <a:p>
+            <a:pPr algn="ctr"/>
+            <a:r>
+              <a:rPr lang="en-US" sz="1100" dirty="0" err="1" smtClean="0"/>
+              <a:t>Registeration</a:t>
+            </a:r>
+            <a:r>
+              <a:rPr lang="en-US" sz="1100" dirty="0" smtClean="0"/>
+              <a:t> success </a:t>
+            </a:r>
+            <a:r>
+              <a:rPr lang="en-US" sz="1100" dirty="0" err="1" smtClean="0"/>
+              <a:t>rsponse</a:t>
+            </a:r>
+            <a:endParaRPr lang="en-IN" sz="1100" dirty="0"/>
+          </a:p>
+        </p:txBody>
+      </p:sp>
+    </p:spTree>
+    <p:extLst>
+      <p:ext uri="{BB962C8B-B14F-4D97-AF65-F5344CB8AC3E}">
+        <p14:creationId xmlns:p14="http://schemas.microsoft.com/office/powerpoint/2010/main" val="4268332497"/>
+      </p:ext>
+    </p:extLst>
+  </p:cSld>
+  <p:clrMapOvr>
+    <a:masterClrMapping/>
+  </p:clrMapOvr>
+</p:sld>
+</file>
+
+<file path=ppt/slides/slide9.xml><?xml version="1.0" encoding="utf-8"?>
+<p:sld xmlns:a="http://schemas.openxmlformats.org/drawingml/2006/main" xmlns:r="http://schemas.openxmlformats.org/officeDocument/2006/relationships" xmlns:p="http://schemas.openxmlformats.org/presentationml/2006/main">
+  <p:cSld>
+    <p:spTree>
+      <p:nvGrpSpPr>
+        <p:cNvPr id="1" name=""/>
+        <p:cNvGrpSpPr/>
+        <p:nvPr/>
+      </p:nvGrpSpPr>
+      <p:grpSpPr>
+        <a:xfrm>
+          <a:off x="0" y="0"/>
+          <a:ext cx="0" cy="0"/>
+          <a:chOff x="0" y="0"/>
+          <a:chExt cx="0" cy="0"/>
+        </a:xfrm>
+      </p:grpSpPr>
+      <p:sp>
+        <p:nvSpPr>
+          <p:cNvPr id="2" name="Rectangle 1"/>
+          <p:cNvSpPr/>
+          <p:nvPr/>
+        </p:nvSpPr>
+        <p:spPr>
+          <a:xfrm>
+            <a:off x="2411760" y="3501008"/>
+            <a:ext cx="2664296" cy="792088"/>
+          </a:xfrm>
+          <a:prstGeom prst="rect">
+            <a:avLst/>
+          </a:prstGeom>
+        </p:spPr>
+        <p:style>
+          <a:lnRef idx="2">
+            <a:schemeClr val="accent1">
+              <a:shade val="50000"/>
+            </a:schemeClr>
+          </a:lnRef>
+          <a:fillRef idx="1">
+            <a:schemeClr val="accent1"/>
+          </a:fillRef>
+          <a:effectRef idx="0">
+            <a:schemeClr val="accent1"/>
+          </a:effectRef>
+          <a:fontRef idx="minor">
+            <a:schemeClr val="lt1"/>
+          </a:fontRef>
+        </p:style>
+        <p:txBody>
+          <a:bodyPr rtlCol="0" anchor="ctr"/>
+          <a:lstStyle/>
+          <a:p>
+            <a:pPr algn="ctr"/>
+            <a:r>
+              <a:rPr lang="en-US" dirty="0" smtClean="0"/>
+              <a:t>JDBC</a:t>
+            </a:r>
+            <a:endParaRPr lang="en-IN" dirty="0"/>
+          </a:p>
+        </p:txBody>
+      </p:sp>
+      <p:sp>
+        <p:nvSpPr>
+          <p:cNvPr id="3" name="Rectangle 2"/>
+          <p:cNvSpPr/>
+          <p:nvPr/>
+        </p:nvSpPr>
+        <p:spPr>
+          <a:xfrm>
+            <a:off x="2699792" y="5517232"/>
+            <a:ext cx="2376264" cy="936104"/>
+          </a:xfrm>
+          <a:prstGeom prst="rect">
+            <a:avLst/>
+          </a:prstGeom>
+        </p:spPr>
+        <p:style>
+          <a:lnRef idx="2">
+            <a:schemeClr val="accent1">
+              <a:shade val="50000"/>
+            </a:schemeClr>
+          </a:lnRef>
+          <a:fillRef idx="1">
+            <a:schemeClr val="accent1"/>
+          </a:fillRef>
+          <a:effectRef idx="0">
+            <a:schemeClr val="accent1"/>
+          </a:effectRef>
+          <a:fontRef idx="minor">
+            <a:schemeClr val="lt1"/>
+          </a:fontRef>
+        </p:style>
+        <p:txBody>
+          <a:bodyPr rtlCol="0" anchor="ctr"/>
+          <a:lstStyle/>
+          <a:p>
+            <a:pPr algn="ctr"/>
+            <a:r>
+              <a:rPr lang="en-US" dirty="0" smtClean="0"/>
+              <a:t>Java App</a:t>
+            </a:r>
+            <a:endParaRPr lang="en-IN" dirty="0"/>
+          </a:p>
+        </p:txBody>
+      </p:sp>
+      <p:sp>
+        <p:nvSpPr>
+          <p:cNvPr id="4" name="Rectangle 3"/>
+          <p:cNvSpPr/>
+          <p:nvPr/>
+        </p:nvSpPr>
+        <p:spPr>
+          <a:xfrm>
+            <a:off x="2411760" y="2348880"/>
+            <a:ext cx="2520280" cy="432048"/>
+          </a:xfrm>
+          <a:prstGeom prst="rect">
+            <a:avLst/>
+          </a:prstGeom>
+        </p:spPr>
+        <p:style>
+          <a:lnRef idx="2">
+            <a:schemeClr val="accent1">
+              <a:shade val="50000"/>
+            </a:schemeClr>
+          </a:lnRef>
+          <a:fillRef idx="1">
+            <a:schemeClr val="accent1"/>
+          </a:fillRef>
+          <a:effectRef idx="0">
+            <a:schemeClr val="accent1"/>
+          </a:effectRef>
+          <a:fontRef idx="minor">
+            <a:schemeClr val="lt1"/>
+          </a:fontRef>
+        </p:style>
+        <p:txBody>
+          <a:bodyPr rtlCol="0" anchor="ctr"/>
+          <a:lstStyle/>
+          <a:p>
+            <a:pPr algn="ctr"/>
+            <a:r>
+              <a:rPr lang="en-US" dirty="0" smtClean="0"/>
+              <a:t>Driver Manager</a:t>
+            </a:r>
+            <a:endParaRPr lang="en-IN" dirty="0"/>
+          </a:p>
+        </p:txBody>
+      </p:sp>
+      <p:sp>
+        <p:nvSpPr>
+          <p:cNvPr id="5" name="Rectangle 4"/>
+          <p:cNvSpPr/>
+          <p:nvPr/>
+        </p:nvSpPr>
+        <p:spPr>
+          <a:xfrm>
+            <a:off x="1619672" y="404664"/>
+            <a:ext cx="1440160" cy="1368152"/>
+          </a:xfrm>
+          <a:prstGeom prst="rect">
+            <a:avLst/>
+          </a:prstGeom>
+        </p:spPr>
+        <p:style>
+          <a:lnRef idx="2">
+            <a:schemeClr val="accent1">
+              <a:shade val="50000"/>
+            </a:schemeClr>
+          </a:lnRef>
+          <a:fillRef idx="1">
+            <a:schemeClr val="accent1"/>
+          </a:fillRef>
+          <a:effectRef idx="0">
+            <a:schemeClr val="accent1"/>
+          </a:effectRef>
+          <a:fontRef idx="minor">
+            <a:schemeClr val="lt1"/>
+          </a:fontRef>
+        </p:style>
+        <p:txBody>
+          <a:bodyPr rtlCol="0" anchor="ctr"/>
+          <a:lstStyle/>
+          <a:p>
+            <a:pPr algn="ctr"/>
+            <a:r>
+              <a:rPr lang="en-US" dirty="0" err="1" smtClean="0"/>
+              <a:t>Mysql</a:t>
+            </a:r>
+            <a:r>
+              <a:rPr lang="en-US" dirty="0" smtClean="0"/>
+              <a:t> driver</a:t>
+            </a:r>
+            <a:endParaRPr lang="en-IN" dirty="0"/>
+          </a:p>
+        </p:txBody>
+      </p:sp>
+      <p:sp>
+        <p:nvSpPr>
+          <p:cNvPr id="6" name="Rectangle 5"/>
+          <p:cNvSpPr/>
+          <p:nvPr/>
+        </p:nvSpPr>
+        <p:spPr>
+          <a:xfrm>
+            <a:off x="3275856" y="548680"/>
+            <a:ext cx="1008112" cy="1296144"/>
+          </a:xfrm>
+          <a:prstGeom prst="rect">
+            <a:avLst/>
+          </a:prstGeom>
+        </p:spPr>
+        <p:style>
+          <a:lnRef idx="2">
+            <a:schemeClr val="accent1">
+              <a:shade val="50000"/>
+            </a:schemeClr>
+          </a:lnRef>
+          <a:fillRef idx="1">
+            <a:schemeClr val="accent1"/>
+          </a:fillRef>
+          <a:effectRef idx="0">
+            <a:schemeClr val="accent1"/>
+          </a:effectRef>
+          <a:fontRef idx="minor">
+            <a:schemeClr val="lt1"/>
+          </a:fontRef>
+        </p:style>
+        <p:txBody>
+          <a:bodyPr rtlCol="0" anchor="ctr"/>
+          <a:lstStyle/>
+          <a:p>
+            <a:pPr algn="ctr"/>
+            <a:r>
+              <a:rPr lang="en-US" dirty="0" smtClean="0"/>
+              <a:t>Oracle driver</a:t>
+            </a:r>
+            <a:endParaRPr lang="en-IN" dirty="0"/>
+          </a:p>
+        </p:txBody>
+      </p:sp>
+      <p:sp>
+        <p:nvSpPr>
+          <p:cNvPr id="7" name="Rectangle 6"/>
+          <p:cNvSpPr/>
+          <p:nvPr/>
+        </p:nvSpPr>
+        <p:spPr>
+          <a:xfrm>
+            <a:off x="4644008" y="548680"/>
+            <a:ext cx="1512168" cy="1440160"/>
+          </a:xfrm>
+          <a:prstGeom prst="rect">
+            <a:avLst/>
+          </a:prstGeom>
+        </p:spPr>
+        <p:style>
+          <a:lnRef idx="2">
+            <a:schemeClr val="accent1">
+              <a:shade val="50000"/>
+            </a:schemeClr>
+          </a:lnRef>
+          <a:fillRef idx="1">
+            <a:schemeClr val="accent1"/>
+          </a:fillRef>
+          <a:effectRef idx="0">
+            <a:schemeClr val="accent1"/>
+          </a:effectRef>
+          <a:fontRef idx="minor">
+            <a:schemeClr val="lt1"/>
+          </a:fontRef>
+        </p:style>
+        <p:txBody>
+          <a:bodyPr rtlCol="0" anchor="ctr"/>
+          <a:lstStyle/>
+          <a:p>
+            <a:pPr algn="ctr"/>
+            <a:r>
+              <a:rPr lang="en-US" dirty="0" err="1" smtClean="0"/>
+              <a:t>Postgre</a:t>
+            </a:r>
+            <a:r>
+              <a:rPr lang="en-US" dirty="0" smtClean="0"/>
+              <a:t> driver</a:t>
+            </a:r>
+            <a:endParaRPr lang="en-IN" dirty="0"/>
+          </a:p>
+        </p:txBody>
+      </p:sp>
+      <p:sp>
+        <p:nvSpPr>
+          <p:cNvPr id="8" name="TextBox 7"/>
+          <p:cNvSpPr txBox="1"/>
+          <p:nvPr/>
+        </p:nvSpPr>
+        <p:spPr>
+          <a:xfrm>
+            <a:off x="5292080" y="2348880"/>
+            <a:ext cx="3096344" cy="369332"/>
+          </a:xfrm>
+          <a:prstGeom prst="rect">
+            <a:avLst/>
+          </a:prstGeom>
+          <a:noFill/>
+        </p:spPr>
+        <p:txBody>
+          <a:bodyPr wrap="square" rtlCol="0">
+            <a:spAutoFit/>
+          </a:bodyPr>
+          <a:lstStyle/>
+          <a:p>
+            <a:r>
+              <a:rPr lang="en-US" dirty="0" smtClean="0"/>
+              <a:t>Connection work</a:t>
+            </a:r>
+            <a:endParaRPr lang="en-IN" dirty="0"/>
+          </a:p>
+        </p:txBody>
+      </p:sp>
+    </p:spTree>
+    <p:extLst>
+      <p:ext uri="{BB962C8B-B14F-4D97-AF65-F5344CB8AC3E}">
+        <p14:creationId xmlns:p14="http://schemas.microsoft.com/office/powerpoint/2010/main" val="818797393"/>
       </p:ext>
     </p:extLst>
   </p:cSld>

--- a/notes/SpringbootPPT.pptx
+++ b/notes/SpringbootPPT.pptx
@@ -22,6 +22,9 @@
     <p:sldId id="270" r:id="rId16"/>
     <p:sldId id="271" r:id="rId17"/>
     <p:sldId id="272" r:id="rId18"/>
+    <p:sldId id="273" r:id="rId19"/>
+    <p:sldId id="274" r:id="rId20"/>
+    <p:sldId id="275" r:id="rId21"/>
   </p:sldIdLst>
   <p:sldSz cx="9144000" cy="6858000" type="screen4x3"/>
   <p:notesSz cx="6858000" cy="9144000"/>
@@ -304,7 +307,7 @@
           <a:p>
             <a:fld id="{81D79722-A795-4EB0-A1B6-ECFB98BA3801}" type="datetimeFigureOut">
               <a:rPr lang="en-IN" smtClean="0"/>
-              <a:t>25-03-2024</a:t>
+              <a:t>28-03-2024</a:t>
             </a:fld>
             <a:endParaRPr lang="en-IN"/>
           </a:p>
@@ -474,7 +477,7 @@
           <a:p>
             <a:fld id="{81D79722-A795-4EB0-A1B6-ECFB98BA3801}" type="datetimeFigureOut">
               <a:rPr lang="en-IN" smtClean="0"/>
-              <a:t>25-03-2024</a:t>
+              <a:t>28-03-2024</a:t>
             </a:fld>
             <a:endParaRPr lang="en-IN"/>
           </a:p>
@@ -654,7 +657,7 @@
           <a:p>
             <a:fld id="{81D79722-A795-4EB0-A1B6-ECFB98BA3801}" type="datetimeFigureOut">
               <a:rPr lang="en-IN" smtClean="0"/>
-              <a:t>25-03-2024</a:t>
+              <a:t>28-03-2024</a:t>
             </a:fld>
             <a:endParaRPr lang="en-IN"/>
           </a:p>
@@ -824,7 +827,7 @@
           <a:p>
             <a:fld id="{81D79722-A795-4EB0-A1B6-ECFB98BA3801}" type="datetimeFigureOut">
               <a:rPr lang="en-IN" smtClean="0"/>
-              <a:t>25-03-2024</a:t>
+              <a:t>28-03-2024</a:t>
             </a:fld>
             <a:endParaRPr lang="en-IN"/>
           </a:p>
@@ -1070,7 +1073,7 @@
           <a:p>
             <a:fld id="{81D79722-A795-4EB0-A1B6-ECFB98BA3801}" type="datetimeFigureOut">
               <a:rPr lang="en-IN" smtClean="0"/>
-              <a:t>25-03-2024</a:t>
+              <a:t>28-03-2024</a:t>
             </a:fld>
             <a:endParaRPr lang="en-IN"/>
           </a:p>
@@ -1358,7 +1361,7 @@
           <a:p>
             <a:fld id="{81D79722-A795-4EB0-A1B6-ECFB98BA3801}" type="datetimeFigureOut">
               <a:rPr lang="en-IN" smtClean="0"/>
-              <a:t>25-03-2024</a:t>
+              <a:t>28-03-2024</a:t>
             </a:fld>
             <a:endParaRPr lang="en-IN"/>
           </a:p>
@@ -1780,7 +1783,7 @@
           <a:p>
             <a:fld id="{81D79722-A795-4EB0-A1B6-ECFB98BA3801}" type="datetimeFigureOut">
               <a:rPr lang="en-IN" smtClean="0"/>
-              <a:t>25-03-2024</a:t>
+              <a:t>28-03-2024</a:t>
             </a:fld>
             <a:endParaRPr lang="en-IN"/>
           </a:p>
@@ -1898,7 +1901,7 @@
           <a:p>
             <a:fld id="{81D79722-A795-4EB0-A1B6-ECFB98BA3801}" type="datetimeFigureOut">
               <a:rPr lang="en-IN" smtClean="0"/>
-              <a:t>25-03-2024</a:t>
+              <a:t>28-03-2024</a:t>
             </a:fld>
             <a:endParaRPr lang="en-IN"/>
           </a:p>
@@ -1993,7 +1996,7 @@
           <a:p>
             <a:fld id="{81D79722-A795-4EB0-A1B6-ECFB98BA3801}" type="datetimeFigureOut">
               <a:rPr lang="en-IN" smtClean="0"/>
-              <a:t>25-03-2024</a:t>
+              <a:t>28-03-2024</a:t>
             </a:fld>
             <a:endParaRPr lang="en-IN"/>
           </a:p>
@@ -2270,7 +2273,7 @@
           <a:p>
             <a:fld id="{81D79722-A795-4EB0-A1B6-ECFB98BA3801}" type="datetimeFigureOut">
               <a:rPr lang="en-IN" smtClean="0"/>
-              <a:t>25-03-2024</a:t>
+              <a:t>28-03-2024</a:t>
             </a:fld>
             <a:endParaRPr lang="en-IN"/>
           </a:p>
@@ -2523,7 +2526,7 @@
           <a:p>
             <a:fld id="{81D79722-A795-4EB0-A1B6-ECFB98BA3801}" type="datetimeFigureOut">
               <a:rPr lang="en-IN" smtClean="0"/>
-              <a:t>25-03-2024</a:t>
+              <a:t>28-03-2024</a:t>
             </a:fld>
             <a:endParaRPr lang="en-IN"/>
           </a:p>
@@ -2736,7 +2739,7 @@
           <a:p>
             <a:fld id="{81D79722-A795-4EB0-A1B6-ECFB98BA3801}" type="datetimeFigureOut">
               <a:rPr lang="en-IN" smtClean="0"/>
-              <a:t>25-03-2024</a:t>
+              <a:t>28-03-2024</a:t>
             </a:fld>
             <a:endParaRPr lang="en-IN"/>
           </a:p>
@@ -4914,11 +4917,7 @@
             </a:r>
             <a:r>
               <a:rPr lang="en-US" dirty="0"/>
-              <a:t>: Validates that a field contains a valid credit card number</a:t>
-            </a:r>
-            <a:r>
-              <a:rPr lang="en-US" dirty="0"/>
-              <a:t>.</a:t>
+              <a:t>: Validates that a field contains a valid credit card number.</a:t>
             </a:r>
             <a:br>
               <a:rPr lang="en-US" dirty="0"/>
@@ -4992,7 +4991,6 @@
               <a:rPr lang="en-US" dirty="0"/>
               <a:t>&lt;/dependency&gt;</a:t>
             </a:r>
-            <a:endParaRPr lang="en-US" dirty="0"/>
           </a:p>
         </p:txBody>
       </p:sp>
@@ -6178,6 +6176,717 @@
 </p:sld>
 </file>
 
+<file path=ppt/slides/slide18.xml><?xml version="1.0" encoding="utf-8"?>
+<p:sld xmlns:a="http://schemas.openxmlformats.org/drawingml/2006/main" xmlns:r="http://schemas.openxmlformats.org/officeDocument/2006/relationships" xmlns:p="http://schemas.openxmlformats.org/presentationml/2006/main">
+  <p:cSld>
+    <p:spTree>
+      <p:nvGrpSpPr>
+        <p:cNvPr id="1" name=""/>
+        <p:cNvGrpSpPr/>
+        <p:nvPr/>
+      </p:nvGrpSpPr>
+      <p:grpSpPr>
+        <a:xfrm>
+          <a:off x="0" y="0"/>
+          <a:ext cx="0" cy="0"/>
+          <a:chOff x="0" y="0"/>
+          <a:chExt cx="0" cy="0"/>
+        </a:xfrm>
+      </p:grpSpPr>
+      <p:sp>
+        <p:nvSpPr>
+          <p:cNvPr id="2" name="TextBox 1"/>
+          <p:cNvSpPr txBox="1"/>
+          <p:nvPr/>
+        </p:nvSpPr>
+        <p:spPr>
+          <a:xfrm>
+            <a:off x="827584" y="836712"/>
+            <a:ext cx="6120680" cy="7848302"/>
+          </a:xfrm>
+          <a:prstGeom prst="rect">
+            <a:avLst/>
+          </a:prstGeom>
+          <a:noFill/>
+        </p:spPr>
+        <p:txBody>
+          <a:bodyPr wrap="square" rtlCol="0">
+            <a:spAutoFit/>
+          </a:bodyPr>
+          <a:lstStyle/>
+          <a:p>
+            <a:r>
+              <a:rPr lang="en-US" dirty="0" smtClean="0"/>
+              <a:t>After adding security</a:t>
+            </a:r>
+            <a:r>
+              <a:rPr lang="en-US" dirty="0" smtClean="0">
+                <a:sym typeface="Wingdings" pitchFamily="2" charset="2"/>
+              </a:rPr>
+              <a:t> web browser-&gt;hit username, password  request success</a:t>
+            </a:r>
+          </a:p>
+          <a:p>
+            <a:endParaRPr lang="en-US" dirty="0">
+              <a:sym typeface="Wingdings" pitchFamily="2" charset="2"/>
+            </a:endParaRPr>
+          </a:p>
+          <a:p>
+            <a:r>
+              <a:rPr lang="en-US" dirty="0" smtClean="0">
+                <a:sym typeface="Wingdings" pitchFamily="2" charset="2"/>
+              </a:rPr>
+              <a:t>Postman 401 </a:t>
+            </a:r>
+            <a:r>
+              <a:rPr lang="en-US" dirty="0" err="1" smtClean="0">
+                <a:sym typeface="Wingdings" pitchFamily="2" charset="2"/>
+              </a:rPr>
+              <a:t>unauthorised</a:t>
+            </a:r>
+            <a:endParaRPr lang="en-US" dirty="0" smtClean="0">
+              <a:sym typeface="Wingdings" pitchFamily="2" charset="2"/>
+            </a:endParaRPr>
+          </a:p>
+          <a:p>
+            <a:endParaRPr lang="en-US" dirty="0">
+              <a:sym typeface="Wingdings" pitchFamily="2" charset="2"/>
+            </a:endParaRPr>
+          </a:p>
+          <a:p>
+            <a:r>
+              <a:rPr lang="en-US" dirty="0" err="1" smtClean="0">
+                <a:sym typeface="Wingdings" pitchFamily="2" charset="2"/>
+              </a:rPr>
+              <a:t>Csrf</a:t>
+            </a:r>
+            <a:r>
+              <a:rPr lang="en-US" dirty="0" smtClean="0">
+                <a:sym typeface="Wingdings" pitchFamily="2" charset="2"/>
+              </a:rPr>
+              <a:t> cross site request forgery</a:t>
+            </a:r>
+          </a:p>
+          <a:p>
+            <a:endParaRPr lang="en-US" dirty="0">
+              <a:sym typeface="Wingdings" pitchFamily="2" charset="2"/>
+            </a:endParaRPr>
+          </a:p>
+          <a:p>
+            <a:r>
+              <a:rPr lang="en-US" dirty="0" smtClean="0">
+                <a:sym typeface="Wingdings" pitchFamily="2" charset="2"/>
+              </a:rPr>
+              <a:t>Login some other site is trying to use</a:t>
+            </a:r>
+          </a:p>
+          <a:p>
+            <a:endParaRPr lang="en-US" dirty="0">
+              <a:sym typeface="Wingdings" pitchFamily="2" charset="2"/>
+            </a:endParaRPr>
+          </a:p>
+          <a:p>
+            <a:r>
+              <a:rPr lang="en-US" dirty="0" err="1" smtClean="0">
+                <a:sym typeface="Wingdings" pitchFamily="2" charset="2"/>
+              </a:rPr>
+              <a:t>Csrf</a:t>
+            </a:r>
+            <a:r>
+              <a:rPr lang="en-US" dirty="0" smtClean="0">
+                <a:sym typeface="Wingdings" pitchFamily="2" charset="2"/>
+              </a:rPr>
+              <a:t> disable</a:t>
+            </a:r>
+          </a:p>
+          <a:p>
+            <a:endParaRPr lang="en-US" dirty="0">
+              <a:sym typeface="Wingdings" pitchFamily="2" charset="2"/>
+            </a:endParaRPr>
+          </a:p>
+          <a:p>
+            <a:r>
+              <a:rPr lang="en-US" dirty="0" smtClean="0">
+                <a:sym typeface="Wingdings" pitchFamily="2" charset="2"/>
+              </a:rPr>
+              <a:t>Class  method  instruction to disable </a:t>
+            </a:r>
+            <a:r>
+              <a:rPr lang="en-US" dirty="0" err="1" smtClean="0">
+                <a:sym typeface="Wingdings" pitchFamily="2" charset="2"/>
+              </a:rPr>
+              <a:t>csrf</a:t>
+            </a:r>
+            <a:endParaRPr lang="en-US" dirty="0" smtClean="0">
+              <a:sym typeface="Wingdings" pitchFamily="2" charset="2"/>
+            </a:endParaRPr>
+          </a:p>
+          <a:p>
+            <a:endParaRPr lang="en-US" dirty="0">
+              <a:sym typeface="Wingdings" pitchFamily="2" charset="2"/>
+            </a:endParaRPr>
+          </a:p>
+          <a:p>
+            <a:r>
+              <a:rPr lang="en-US" dirty="0" smtClean="0">
+                <a:sym typeface="Wingdings" pitchFamily="2" charset="2"/>
+              </a:rPr>
+              <a:t>@Bean  Object</a:t>
+            </a:r>
+          </a:p>
+          <a:p>
+            <a:endParaRPr lang="en-US" dirty="0">
+              <a:sym typeface="Wingdings" pitchFamily="2" charset="2"/>
+            </a:endParaRPr>
+          </a:p>
+          <a:p>
+            <a:r>
+              <a:rPr lang="en-US" dirty="0" smtClean="0">
+                <a:sym typeface="Wingdings" pitchFamily="2" charset="2"/>
+              </a:rPr>
+              <a:t>@</a:t>
+            </a:r>
+            <a:r>
+              <a:rPr lang="en-US" dirty="0" err="1" smtClean="0">
+                <a:sym typeface="Wingdings" pitchFamily="2" charset="2"/>
+              </a:rPr>
+              <a:t>Autowired</a:t>
+            </a:r>
+            <a:r>
+              <a:rPr lang="en-US" dirty="0" smtClean="0">
+                <a:sym typeface="Wingdings" pitchFamily="2" charset="2"/>
+              </a:rPr>
+              <a:t>  object creation maintenance</a:t>
+            </a:r>
+          </a:p>
+          <a:p>
+            <a:endParaRPr lang="en-US" dirty="0">
+              <a:sym typeface="Wingdings" pitchFamily="2" charset="2"/>
+            </a:endParaRPr>
+          </a:p>
+          <a:p>
+            <a:r>
+              <a:rPr lang="en-US" dirty="0" smtClean="0">
+                <a:sym typeface="Wingdings" pitchFamily="2" charset="2"/>
+              </a:rPr>
+              <a:t>Class </a:t>
+            </a:r>
+            <a:r>
+              <a:rPr lang="en-US" dirty="0" err="1" smtClean="0">
+                <a:sym typeface="Wingdings" pitchFamily="2" charset="2"/>
+              </a:rPr>
+              <a:t>Repsoitory</a:t>
+            </a:r>
+            <a:r>
+              <a:rPr lang="en-US" dirty="0" smtClean="0">
+                <a:sym typeface="Wingdings" pitchFamily="2" charset="2"/>
+              </a:rPr>
+              <a:t>, </a:t>
+            </a:r>
+            <a:r>
+              <a:rPr lang="en-US" dirty="0" err="1" smtClean="0">
+                <a:sym typeface="Wingdings" pitchFamily="2" charset="2"/>
+              </a:rPr>
+              <a:t>ServiceImpl</a:t>
+            </a:r>
+            <a:r>
+              <a:rPr lang="en-US" dirty="0" smtClean="0">
+                <a:sym typeface="Wingdings" pitchFamily="2" charset="2"/>
+              </a:rPr>
+              <a:t> class </a:t>
+            </a:r>
+            <a:r>
+              <a:rPr lang="en-US" dirty="0" err="1" smtClean="0">
+                <a:sym typeface="Wingdings" pitchFamily="2" charset="2"/>
+              </a:rPr>
+              <a:t>Autowired</a:t>
+            </a:r>
+            <a:endParaRPr lang="en-US" dirty="0" smtClean="0">
+              <a:sym typeface="Wingdings" pitchFamily="2" charset="2"/>
+            </a:endParaRPr>
+          </a:p>
+          <a:p>
+            <a:endParaRPr lang="en-US" dirty="0">
+              <a:sym typeface="Wingdings" pitchFamily="2" charset="2"/>
+            </a:endParaRPr>
+          </a:p>
+          <a:p>
+            <a:r>
+              <a:rPr lang="en-US" dirty="0" smtClean="0"/>
+              <a:t>@Bean </a:t>
+            </a:r>
+            <a:r>
+              <a:rPr lang="en-US" dirty="0" smtClean="0">
+                <a:sym typeface="Wingdings" pitchFamily="2" charset="2"/>
+              </a:rPr>
+              <a:t> annotated in method this method object I maintained by spring</a:t>
+            </a:r>
+            <a:endParaRPr lang="en-US" dirty="0" smtClean="0"/>
+          </a:p>
+          <a:p>
+            <a:r>
+              <a:rPr lang="en-US" dirty="0" smtClean="0"/>
+              <a:t>Void </a:t>
+            </a:r>
+            <a:r>
+              <a:rPr lang="en-US" dirty="0" err="1" smtClean="0"/>
+              <a:t>methodXYC</a:t>
+            </a:r>
+            <a:r>
+              <a:rPr lang="en-US" dirty="0" smtClean="0"/>
+              <a:t>(){</a:t>
+            </a:r>
+          </a:p>
+          <a:p>
+            <a:endParaRPr lang="en-US" dirty="0"/>
+          </a:p>
+          <a:p>
+            <a:r>
+              <a:rPr lang="en-US" dirty="0" smtClean="0"/>
+              <a:t>}</a:t>
+            </a:r>
+          </a:p>
+          <a:p>
+            <a:r>
+              <a:rPr lang="en-US" dirty="0" err="1" smtClean="0"/>
+              <a:t>FilterChain</a:t>
+            </a:r>
+            <a:r>
+              <a:rPr lang="en-US" dirty="0" smtClean="0">
+                <a:sym typeface="Wingdings" pitchFamily="2" charset="2"/>
+              </a:rPr>
+              <a:t> when ever a request is sent from </a:t>
+            </a:r>
+            <a:r>
+              <a:rPr lang="en-US" dirty="0" err="1" smtClean="0">
+                <a:sym typeface="Wingdings" pitchFamily="2" charset="2"/>
+              </a:rPr>
+              <a:t>postmanrequest</a:t>
+            </a:r>
+            <a:r>
+              <a:rPr lang="en-US" dirty="0" smtClean="0">
+                <a:sym typeface="Wingdings" pitchFamily="2" charset="2"/>
+              </a:rPr>
+              <a:t> goes first to </a:t>
+            </a:r>
+            <a:r>
+              <a:rPr lang="en-US" dirty="0" err="1" smtClean="0">
+                <a:sym typeface="Wingdings" pitchFamily="2" charset="2"/>
+              </a:rPr>
+              <a:t>filterChain</a:t>
+            </a:r>
+            <a:r>
+              <a:rPr lang="en-US" dirty="0" smtClean="0">
+                <a:sym typeface="Wingdings" pitchFamily="2" charset="2"/>
+              </a:rPr>
+              <a:t>(logic)</a:t>
+            </a:r>
+            <a:r>
+              <a:rPr lang="en-US" dirty="0" err="1" smtClean="0">
+                <a:sym typeface="Wingdings" pitchFamily="2" charset="2"/>
+              </a:rPr>
+              <a:t>forwardrespective</a:t>
+            </a:r>
+            <a:r>
+              <a:rPr lang="en-US" dirty="0" smtClean="0">
+                <a:sym typeface="Wingdings" pitchFamily="2" charset="2"/>
+              </a:rPr>
+              <a:t> controller</a:t>
+            </a:r>
+            <a:endParaRPr lang="en-US" dirty="0" smtClean="0"/>
+          </a:p>
+          <a:p>
+            <a:endParaRPr lang="en-IN" dirty="0"/>
+          </a:p>
+        </p:txBody>
+      </p:sp>
+    </p:spTree>
+    <p:extLst>
+      <p:ext uri="{BB962C8B-B14F-4D97-AF65-F5344CB8AC3E}">
+        <p14:creationId xmlns:p14="http://schemas.microsoft.com/office/powerpoint/2010/main" val="3353939771"/>
+      </p:ext>
+    </p:extLst>
+  </p:cSld>
+  <p:clrMapOvr>
+    <a:masterClrMapping/>
+  </p:clrMapOvr>
+</p:sld>
+</file>
+
+<file path=ppt/slides/slide19.xml><?xml version="1.0" encoding="utf-8"?>
+<p:sld xmlns:a="http://schemas.openxmlformats.org/drawingml/2006/main" xmlns:r="http://schemas.openxmlformats.org/officeDocument/2006/relationships" xmlns:p="http://schemas.openxmlformats.org/presentationml/2006/main">
+  <p:cSld>
+    <p:spTree>
+      <p:nvGrpSpPr>
+        <p:cNvPr id="1" name=""/>
+        <p:cNvGrpSpPr/>
+        <p:nvPr/>
+      </p:nvGrpSpPr>
+      <p:grpSpPr>
+        <a:xfrm>
+          <a:off x="0" y="0"/>
+          <a:ext cx="0" cy="0"/>
+          <a:chOff x="0" y="0"/>
+          <a:chExt cx="0" cy="0"/>
+        </a:xfrm>
+      </p:grpSpPr>
+      <p:sp>
+        <p:nvSpPr>
+          <p:cNvPr id="2" name="TextBox 1"/>
+          <p:cNvSpPr txBox="1"/>
+          <p:nvPr/>
+        </p:nvSpPr>
+        <p:spPr>
+          <a:xfrm>
+            <a:off x="323528" y="548679"/>
+            <a:ext cx="5760640" cy="1200329"/>
+          </a:xfrm>
+          <a:prstGeom prst="rect">
+            <a:avLst/>
+          </a:prstGeom>
+          <a:noFill/>
+        </p:spPr>
+        <p:txBody>
+          <a:bodyPr wrap="square" rtlCol="0">
+            <a:spAutoFit/>
+          </a:bodyPr>
+          <a:lstStyle/>
+          <a:p>
+            <a:r>
+              <a:rPr lang="en-US" dirty="0" err="1" smtClean="0"/>
+              <a:t>Authorisation</a:t>
+            </a:r>
+            <a:r>
+              <a:rPr lang="en-US" dirty="0" smtClean="0">
+                <a:sym typeface="Wingdings" pitchFamily="2" charset="2"/>
+              </a:rPr>
+              <a:t> for any user what is access level</a:t>
+            </a:r>
+            <a:endParaRPr lang="en-US" dirty="0" smtClean="0"/>
+          </a:p>
+          <a:p>
+            <a:endParaRPr lang="en-US" dirty="0"/>
+          </a:p>
+          <a:p>
+            <a:endParaRPr lang="en-US" dirty="0" smtClean="0"/>
+          </a:p>
+          <a:p>
+            <a:r>
+              <a:rPr lang="en-US" dirty="0" err="1" smtClean="0"/>
+              <a:t>Authentication</a:t>
+            </a:r>
+            <a:r>
+              <a:rPr lang="en-US" dirty="0" err="1" smtClean="0">
+                <a:sym typeface="Wingdings" pitchFamily="2" charset="2"/>
+              </a:rPr>
+              <a:t>checking</a:t>
+            </a:r>
+            <a:r>
+              <a:rPr lang="en-US" dirty="0" smtClean="0">
+                <a:sym typeface="Wingdings" pitchFamily="2" charset="2"/>
+              </a:rPr>
+              <a:t> user credentials</a:t>
+            </a:r>
+            <a:endParaRPr lang="en-IN" dirty="0"/>
+          </a:p>
+        </p:txBody>
+      </p:sp>
+      <p:sp>
+        <p:nvSpPr>
+          <p:cNvPr id="3" name="TextBox 2"/>
+          <p:cNvSpPr txBox="1"/>
+          <p:nvPr/>
+        </p:nvSpPr>
+        <p:spPr>
+          <a:xfrm>
+            <a:off x="827584" y="2204864"/>
+            <a:ext cx="7560840" cy="5355312"/>
+          </a:xfrm>
+          <a:prstGeom prst="rect">
+            <a:avLst/>
+          </a:prstGeom>
+          <a:noFill/>
+        </p:spPr>
+        <p:txBody>
+          <a:bodyPr wrap="square" rtlCol="0">
+            <a:spAutoFit/>
+          </a:bodyPr>
+          <a:lstStyle/>
+          <a:p>
+            <a:r>
+              <a:rPr lang="en-US" dirty="0" err="1" smtClean="0"/>
+              <a:t>Internationalisation</a:t>
+            </a:r>
+            <a:endParaRPr lang="en-US" dirty="0" smtClean="0"/>
+          </a:p>
+          <a:p>
+            <a:endParaRPr lang="en-US" dirty="0"/>
+          </a:p>
+          <a:p>
+            <a:r>
+              <a:rPr lang="en-US" dirty="0" smtClean="0"/>
+              <a:t>Logic</a:t>
+            </a:r>
+          </a:p>
+          <a:p>
+            <a:endParaRPr lang="en-US" dirty="0" smtClean="0"/>
+          </a:p>
+          <a:p>
+            <a:r>
+              <a:rPr lang="en-US" dirty="0" smtClean="0"/>
+              <a:t>(UK-English)</a:t>
+            </a:r>
+            <a:endParaRPr lang="en-US" dirty="0"/>
+          </a:p>
+          <a:p>
+            <a:r>
+              <a:rPr lang="en-US" dirty="0" smtClean="0"/>
+              <a:t>Login </a:t>
+            </a:r>
+            <a:r>
+              <a:rPr lang="en-US" dirty="0" smtClean="0">
+                <a:sym typeface="Wingdings" pitchFamily="2" charset="2"/>
+              </a:rPr>
+              <a:t> enter username, </a:t>
+            </a:r>
+            <a:r>
+              <a:rPr lang="en-US" dirty="0" err="1" smtClean="0">
+                <a:sym typeface="Wingdings" pitchFamily="2" charset="2"/>
+              </a:rPr>
+              <a:t>paswwrod</a:t>
+            </a:r>
+            <a:r>
+              <a:rPr lang="en-US" dirty="0" smtClean="0">
+                <a:sym typeface="Wingdings" pitchFamily="2" charset="2"/>
+              </a:rPr>
+              <a:t> KO, message=</a:t>
+            </a:r>
+            <a:r>
+              <a:rPr lang="en-US" dirty="0">
+                <a:sym typeface="Wingdings" pitchFamily="2" charset="2"/>
+              </a:rPr>
+              <a:t> </a:t>
+            </a:r>
+            <a:r>
+              <a:rPr lang="en-US" dirty="0" err="1">
+                <a:sym typeface="Wingdings" pitchFamily="2" charset="2"/>
+              </a:rPr>
+              <a:t>Welcome.message</a:t>
+            </a:r>
+            <a:r>
+              <a:rPr lang="en-US" dirty="0">
+                <a:sym typeface="Wingdings" pitchFamily="2" charset="2"/>
+              </a:rPr>
+              <a:t> </a:t>
+            </a:r>
+            <a:endParaRPr lang="en-US" dirty="0" smtClean="0">
+              <a:sym typeface="Wingdings" pitchFamily="2" charset="2"/>
+            </a:endParaRPr>
+          </a:p>
+          <a:p>
+            <a:endParaRPr lang="en-US" dirty="0" smtClean="0">
+              <a:sym typeface="Wingdings" pitchFamily="2" charset="2"/>
+            </a:endParaRPr>
+          </a:p>
+          <a:p>
+            <a:r>
+              <a:rPr lang="en-US" dirty="0" smtClean="0">
+                <a:sym typeface="Wingdings" pitchFamily="2" charset="2"/>
+              </a:rPr>
+              <a:t>(China- </a:t>
+            </a:r>
+            <a:r>
+              <a:rPr lang="en-US" dirty="0" err="1" smtClean="0">
+                <a:sym typeface="Wingdings" pitchFamily="2" charset="2"/>
+              </a:rPr>
+              <a:t>chinese</a:t>
+            </a:r>
+            <a:r>
+              <a:rPr lang="en-US" dirty="0" smtClean="0">
+                <a:sym typeface="Wingdings" pitchFamily="2" charset="2"/>
+              </a:rPr>
+              <a:t>)</a:t>
+            </a:r>
+            <a:endParaRPr lang="en-US" dirty="0">
+              <a:sym typeface="Wingdings" pitchFamily="2" charset="2"/>
+            </a:endParaRPr>
+          </a:p>
+          <a:p>
+            <a:r>
+              <a:rPr lang="en-US" dirty="0" smtClean="0">
+                <a:sym typeface="Wingdings" pitchFamily="2" charset="2"/>
+              </a:rPr>
+              <a:t>Login  enter username, password  KO, message=</a:t>
+            </a:r>
+            <a:r>
+              <a:rPr lang="en-US" dirty="0">
+                <a:sym typeface="Wingdings" pitchFamily="2" charset="2"/>
+              </a:rPr>
+              <a:t> </a:t>
+            </a:r>
+            <a:r>
+              <a:rPr lang="en-US" dirty="0" err="1">
+                <a:sym typeface="Wingdings" pitchFamily="2" charset="2"/>
+              </a:rPr>
+              <a:t>Welcome.message</a:t>
+            </a:r>
+            <a:r>
+              <a:rPr lang="en-US" dirty="0">
+                <a:sym typeface="Wingdings" pitchFamily="2" charset="2"/>
+              </a:rPr>
+              <a:t> </a:t>
+            </a:r>
+          </a:p>
+          <a:p>
+            <a:r>
+              <a:rPr lang="en-US" dirty="0" smtClean="0">
+                <a:sym typeface="Wingdings" pitchFamily="2" charset="2"/>
+              </a:rPr>
+              <a:t>Creating logic to take location Locale – en, </a:t>
+            </a:r>
+            <a:r>
+              <a:rPr lang="en-US" dirty="0" err="1" smtClean="0">
+                <a:sym typeface="Wingdings" pitchFamily="2" charset="2"/>
+              </a:rPr>
+              <a:t>fr,gr,ta</a:t>
+            </a:r>
+            <a:endParaRPr lang="en-US" dirty="0" smtClean="0">
+              <a:sym typeface="Wingdings" pitchFamily="2" charset="2"/>
+            </a:endParaRPr>
+          </a:p>
+          <a:p>
+            <a:endParaRPr lang="en-US" dirty="0">
+              <a:sym typeface="Wingdings" pitchFamily="2" charset="2"/>
+            </a:endParaRPr>
+          </a:p>
+          <a:p>
+            <a:r>
+              <a:rPr lang="en-US" dirty="0" smtClean="0">
+                <a:sym typeface="Wingdings" pitchFamily="2" charset="2"/>
+              </a:rPr>
+              <a:t>Locale-USA  </a:t>
+            </a:r>
+            <a:r>
+              <a:rPr lang="en-US" dirty="0" err="1" smtClean="0">
+                <a:sym typeface="Wingdings" pitchFamily="2" charset="2"/>
+              </a:rPr>
+              <a:t>Language_USA</a:t>
+            </a:r>
+            <a:r>
+              <a:rPr lang="en-US" dirty="0" smtClean="0">
+                <a:sym typeface="Wingdings" pitchFamily="2" charset="2"/>
+              </a:rPr>
+              <a:t>  </a:t>
+            </a:r>
+            <a:r>
+              <a:rPr lang="en-US" dirty="0" err="1" smtClean="0">
+                <a:sym typeface="Wingdings" pitchFamily="2" charset="2"/>
+              </a:rPr>
+              <a:t>hindi</a:t>
+            </a:r>
+            <a:endParaRPr lang="en-US" dirty="0" smtClean="0">
+              <a:sym typeface="Wingdings" pitchFamily="2" charset="2"/>
+            </a:endParaRPr>
+          </a:p>
+          <a:p>
+            <a:endParaRPr lang="en-US" dirty="0">
+              <a:sym typeface="Wingdings" pitchFamily="2" charset="2"/>
+            </a:endParaRPr>
+          </a:p>
+          <a:p>
+            <a:endParaRPr lang="en-US" dirty="0" smtClean="0">
+              <a:sym typeface="Wingdings" pitchFamily="2" charset="2"/>
+            </a:endParaRPr>
+          </a:p>
+          <a:p>
+            <a:r>
+              <a:rPr lang="en-US" dirty="0" err="1" smtClean="0">
+                <a:sym typeface="Wingdings" pitchFamily="2" charset="2"/>
+              </a:rPr>
+              <a:t>Languages_EN.properties</a:t>
+            </a:r>
+            <a:endParaRPr lang="en-US" dirty="0" smtClean="0">
+              <a:sym typeface="Wingdings" pitchFamily="2" charset="2"/>
+            </a:endParaRPr>
+          </a:p>
+          <a:p>
+            <a:r>
+              <a:rPr lang="en-US" dirty="0" err="1" smtClean="0">
+                <a:sym typeface="Wingdings" pitchFamily="2" charset="2"/>
+              </a:rPr>
+              <a:t>Welcome.message</a:t>
+            </a:r>
+            <a:r>
+              <a:rPr lang="en-US" dirty="0" smtClean="0">
+                <a:sym typeface="Wingdings" pitchFamily="2" charset="2"/>
+              </a:rPr>
+              <a:t> = Welcome to our application</a:t>
+            </a:r>
+          </a:p>
+          <a:p>
+            <a:endParaRPr lang="en-US" dirty="0">
+              <a:sym typeface="Wingdings" pitchFamily="2" charset="2"/>
+            </a:endParaRPr>
+          </a:p>
+          <a:p>
+            <a:r>
+              <a:rPr lang="en-US" dirty="0" err="1" smtClean="0">
+                <a:sym typeface="Wingdings" pitchFamily="2" charset="2"/>
+              </a:rPr>
+              <a:t>Language_Ta.Properties</a:t>
+            </a:r>
+            <a:endParaRPr lang="en-US" dirty="0" smtClean="0">
+              <a:sym typeface="Wingdings" pitchFamily="2" charset="2"/>
+            </a:endParaRPr>
+          </a:p>
+          <a:p>
+            <a:r>
+              <a:rPr lang="en-US" dirty="0" err="1" smtClean="0">
+                <a:sym typeface="Wingdings" pitchFamily="2" charset="2"/>
+              </a:rPr>
+              <a:t>Welcome.message</a:t>
+            </a:r>
+            <a:r>
+              <a:rPr lang="en-US" dirty="0" smtClean="0">
+                <a:sym typeface="Wingdings" pitchFamily="2" charset="2"/>
+              </a:rPr>
+              <a:t> = </a:t>
+            </a:r>
+            <a:r>
+              <a:rPr lang="en-US" dirty="0" err="1" smtClean="0">
+                <a:sym typeface="Wingdings" pitchFamily="2" charset="2"/>
+              </a:rPr>
+              <a:t>vanakam</a:t>
+            </a:r>
+            <a:r>
+              <a:rPr lang="en-US" dirty="0" smtClean="0">
+                <a:sym typeface="Wingdings" pitchFamily="2" charset="2"/>
+              </a:rPr>
+              <a:t> </a:t>
+            </a:r>
+            <a:r>
+              <a:rPr lang="en-US" dirty="0" err="1" smtClean="0">
+                <a:sym typeface="Wingdings" pitchFamily="2" charset="2"/>
+              </a:rPr>
+              <a:t>nanba</a:t>
+            </a:r>
+            <a:endParaRPr lang="en-IN" dirty="0"/>
+          </a:p>
+        </p:txBody>
+      </p:sp>
+    </p:spTree>
+    <p:extLst>
+      <p:ext uri="{BB962C8B-B14F-4D97-AF65-F5344CB8AC3E}">
+        <p14:creationId xmlns:p14="http://schemas.microsoft.com/office/powerpoint/2010/main" val="362888413"/>
+      </p:ext>
+    </p:extLst>
+  </p:cSld>
+  <p:clrMapOvr>
+    <a:masterClrMapping/>
+  </p:clrMapOvr>
+</p:sld>
+</file>
+
 <file path=ppt/slides/slide2.xml><?xml version="1.0" encoding="utf-8"?>
 <p:sld xmlns:a="http://schemas.openxmlformats.org/drawingml/2006/main" xmlns:r="http://schemas.openxmlformats.org/officeDocument/2006/relationships" xmlns:p="http://schemas.openxmlformats.org/presentationml/2006/main">
   <p:cSld>
@@ -6301,6 +7010,216 @@
     <p:extLst>
       <p:ext uri="{BB962C8B-B14F-4D97-AF65-F5344CB8AC3E}">
         <p14:creationId xmlns:p14="http://schemas.microsoft.com/office/powerpoint/2010/main" val="73510934"/>
+      </p:ext>
+    </p:extLst>
+  </p:cSld>
+  <p:clrMapOvr>
+    <a:masterClrMapping/>
+  </p:clrMapOvr>
+</p:sld>
+</file>
+
+<file path=ppt/slides/slide20.xml><?xml version="1.0" encoding="utf-8"?>
+<p:sld xmlns:a="http://schemas.openxmlformats.org/drawingml/2006/main" xmlns:r="http://schemas.openxmlformats.org/officeDocument/2006/relationships" xmlns:p="http://schemas.openxmlformats.org/presentationml/2006/main">
+  <p:cSld>
+    <p:spTree>
+      <p:nvGrpSpPr>
+        <p:cNvPr id="1" name=""/>
+        <p:cNvGrpSpPr/>
+        <p:nvPr/>
+      </p:nvGrpSpPr>
+      <p:grpSpPr>
+        <a:xfrm>
+          <a:off x="0" y="0"/>
+          <a:ext cx="0" cy="0"/>
+          <a:chOff x="0" y="0"/>
+          <a:chExt cx="0" cy="0"/>
+        </a:xfrm>
+      </p:grpSpPr>
+      <p:sp>
+        <p:nvSpPr>
+          <p:cNvPr id="2" name="TextBox 1"/>
+          <p:cNvSpPr txBox="1"/>
+          <p:nvPr/>
+        </p:nvSpPr>
+        <p:spPr>
+          <a:xfrm>
+            <a:off x="467544" y="764704"/>
+            <a:ext cx="7920880" cy="1477328"/>
+          </a:xfrm>
+          <a:prstGeom prst="rect">
+            <a:avLst/>
+          </a:prstGeom>
+          <a:noFill/>
+        </p:spPr>
+        <p:txBody>
+          <a:bodyPr wrap="square" rtlCol="0">
+            <a:spAutoFit/>
+          </a:bodyPr>
+          <a:lstStyle/>
+          <a:p>
+            <a:pPr marL="342900" indent="-342900">
+              <a:buAutoNum type="arabicParenR"/>
+            </a:pPr>
+            <a:r>
+              <a:rPr lang="en-US" dirty="0" smtClean="0"/>
+              <a:t>Set a Bean for </a:t>
+            </a:r>
+            <a:r>
+              <a:rPr lang="en-US" dirty="0" err="1" smtClean="0"/>
+              <a:t>LocaleResolver</a:t>
+            </a:r>
+            <a:r>
+              <a:rPr lang="en-US" dirty="0" smtClean="0"/>
+              <a:t> </a:t>
+            </a:r>
+            <a:r>
+              <a:rPr lang="en-US" dirty="0" smtClean="0">
+                <a:sym typeface="Wingdings" pitchFamily="2" charset="2"/>
+              </a:rPr>
+              <a:t></a:t>
+            </a:r>
+            <a:r>
+              <a:rPr lang="en-US" dirty="0" err="1" smtClean="0">
+                <a:sym typeface="Wingdings" pitchFamily="2" charset="2"/>
+              </a:rPr>
+              <a:t>defaul</a:t>
+            </a:r>
+            <a:r>
+              <a:rPr lang="en-US" dirty="0" smtClean="0">
+                <a:sym typeface="Wingdings" pitchFamily="2" charset="2"/>
+              </a:rPr>
+              <a:t> locale</a:t>
+            </a:r>
+          </a:p>
+          <a:p>
+            <a:pPr marL="342900" indent="-342900">
+              <a:buAutoNum type="arabicParenR"/>
+            </a:pPr>
+            <a:r>
+              <a:rPr lang="en-US" dirty="0" smtClean="0">
+                <a:sym typeface="Wingdings" pitchFamily="2" charset="2"/>
+              </a:rPr>
+              <a:t>Set Bean for </a:t>
+            </a:r>
+            <a:r>
+              <a:rPr lang="en-US" dirty="0" err="1" smtClean="0">
+                <a:sym typeface="Wingdings" pitchFamily="2" charset="2"/>
+              </a:rPr>
+              <a:t>resourceBundleMessageSource</a:t>
+            </a:r>
+            <a:r>
+              <a:rPr lang="en-US" dirty="0" smtClean="0">
+                <a:sym typeface="Wingdings" pitchFamily="2" charset="2"/>
+              </a:rPr>
+              <a:t>  </a:t>
+            </a:r>
+            <a:r>
+              <a:rPr lang="en-US" dirty="0" err="1" smtClean="0">
+                <a:sym typeface="Wingdings" pitchFamily="2" charset="2"/>
+              </a:rPr>
+              <a:t>basename</a:t>
+            </a:r>
+            <a:r>
+              <a:rPr lang="en-US" dirty="0" smtClean="0">
+                <a:sym typeface="Wingdings" pitchFamily="2" charset="2"/>
+              </a:rPr>
+              <a:t>(</a:t>
+            </a:r>
+            <a:r>
+              <a:rPr lang="en-US" dirty="0" err="1" smtClean="0">
+                <a:sym typeface="Wingdings" pitchFamily="2" charset="2"/>
+              </a:rPr>
+              <a:t>msg.p</a:t>
+            </a:r>
+            <a:r>
+              <a:rPr lang="en-US" dirty="0" smtClean="0">
+                <a:sym typeface="Wingdings" pitchFamily="2" charset="2"/>
+              </a:rPr>
+              <a:t>, </a:t>
+            </a:r>
+            <a:r>
+              <a:rPr lang="en-US" dirty="0" err="1" smtClean="0">
+                <a:sym typeface="Wingdings" pitchFamily="2" charset="2"/>
+              </a:rPr>
+              <a:t>msg_en.p,msg_gr.p</a:t>
+            </a:r>
+            <a:r>
+              <a:rPr lang="en-US" dirty="0" smtClean="0">
+                <a:sym typeface="Wingdings" pitchFamily="2" charset="2"/>
+              </a:rPr>
+              <a:t>……)</a:t>
+            </a:r>
+          </a:p>
+          <a:p>
+            <a:pPr marL="342900" indent="-342900">
+              <a:buAutoNum type="arabicParenR"/>
+            </a:pPr>
+            <a:r>
+              <a:rPr lang="en-US" dirty="0" smtClean="0">
+                <a:sym typeface="Wingdings" pitchFamily="2" charset="2"/>
+              </a:rPr>
+              <a:t>Controller </a:t>
+            </a:r>
+            <a:r>
+              <a:rPr lang="en-US" dirty="0" err="1" smtClean="0">
+                <a:sym typeface="Wingdings" pitchFamily="2" charset="2"/>
+              </a:rPr>
+              <a:t>MessageSource</a:t>
+            </a:r>
+            <a:r>
+              <a:rPr lang="en-US" dirty="0" smtClean="0">
+                <a:sym typeface="Wingdings" pitchFamily="2" charset="2"/>
+              </a:rPr>
+              <a:t>  </a:t>
+            </a:r>
+            <a:r>
+              <a:rPr lang="en-US" dirty="0" err="1" smtClean="0">
+                <a:sym typeface="Wingdings" pitchFamily="2" charset="2"/>
+              </a:rPr>
+              <a:t>AutoWire</a:t>
+            </a:r>
+            <a:r>
+              <a:rPr lang="en-US" dirty="0" smtClean="0">
+                <a:sym typeface="Wingdings" pitchFamily="2" charset="2"/>
+              </a:rPr>
+              <a:t>  </a:t>
+            </a:r>
+            <a:r>
+              <a:rPr lang="en-US" dirty="0" err="1" smtClean="0">
+                <a:sym typeface="Wingdings" pitchFamily="2" charset="2"/>
+              </a:rPr>
+              <a:t>getmessage</a:t>
+            </a:r>
+            <a:r>
+              <a:rPr lang="en-US" dirty="0" smtClean="0">
+                <a:sym typeface="Wingdings" pitchFamily="2" charset="2"/>
+              </a:rPr>
+              <a:t>(key, </a:t>
+            </a:r>
+            <a:r>
+              <a:rPr lang="en-US" dirty="0" err="1" smtClean="0">
+                <a:sym typeface="Wingdings" pitchFamily="2" charset="2"/>
+              </a:rPr>
+              <a:t>args</a:t>
+            </a:r>
+            <a:r>
+              <a:rPr lang="en-US" dirty="0" smtClean="0">
+                <a:sym typeface="Wingdings" pitchFamily="2" charset="2"/>
+              </a:rPr>
+              <a:t>, Locale)</a:t>
+            </a:r>
+            <a:endParaRPr lang="en-US" dirty="0"/>
+          </a:p>
+          <a:p>
+            <a:endParaRPr lang="en-US" dirty="0" smtClean="0"/>
+          </a:p>
+        </p:txBody>
+      </p:sp>
+    </p:spTree>
+    <p:extLst>
+      <p:ext uri="{BB962C8B-B14F-4D97-AF65-F5344CB8AC3E}">
+        <p14:creationId xmlns:p14="http://schemas.microsoft.com/office/powerpoint/2010/main" val="386000530"/>
       </p:ext>
     </p:extLst>
   </p:cSld>

--- a/notes/SpringbootPPT.pptx
+++ b/notes/SpringbootPPT.pptx
@@ -4,6 +4,9 @@
   <p:sldMasterIdLst>
     <p:sldMasterId id="2147483648" r:id="rId1"/>
   </p:sldMasterIdLst>
+  <p:notesMasterIdLst>
+    <p:notesMasterId r:id="rId25"/>
+  </p:notesMasterIdLst>
   <p:sldIdLst>
     <p:sldId id="256" r:id="rId2"/>
     <p:sldId id="257" r:id="rId3"/>
@@ -25,6 +28,9 @@
     <p:sldId id="273" r:id="rId19"/>
     <p:sldId id="274" r:id="rId20"/>
     <p:sldId id="275" r:id="rId21"/>
+    <p:sldId id="276" r:id="rId22"/>
+    <p:sldId id="277" r:id="rId23"/>
+    <p:sldId id="278" r:id="rId24"/>
   </p:sldIdLst>
   <p:sldSz cx="9144000" cy="6858000" type="screen4x3"/>
   <p:notesSz cx="6858000" cy="9144000"/>
@@ -126,6 +132,440 @@
 </p:presentation>
 </file>
 
+<file path=ppt/notesMasters/notesMaster1.xml><?xml version="1.0" encoding="utf-8"?>
+<p:notesMaster xmlns:a="http://schemas.openxmlformats.org/drawingml/2006/main" xmlns:r="http://schemas.openxmlformats.org/officeDocument/2006/relationships" xmlns:p="http://schemas.openxmlformats.org/presentationml/2006/main">
+  <p:cSld>
+    <p:bg>
+      <p:bgRef idx="1001">
+        <a:schemeClr val="bg1"/>
+      </p:bgRef>
+    </p:bg>
+    <p:spTree>
+      <p:nvGrpSpPr>
+        <p:cNvPr id="1" name=""/>
+        <p:cNvGrpSpPr/>
+        <p:nvPr/>
+      </p:nvGrpSpPr>
+      <p:grpSpPr>
+        <a:xfrm>
+          <a:off x="0" y="0"/>
+          <a:ext cx="0" cy="0"/>
+          <a:chOff x="0" y="0"/>
+          <a:chExt cx="0" cy="0"/>
+        </a:xfrm>
+      </p:grpSpPr>
+      <p:sp>
+        <p:nvSpPr>
+          <p:cNvPr id="2" name="Header Placeholder 1"/>
+          <p:cNvSpPr>
+            <a:spLocks noGrp="1"/>
+          </p:cNvSpPr>
+          <p:nvPr>
+            <p:ph type="hdr" sz="quarter"/>
+          </p:nvPr>
+        </p:nvSpPr>
+        <p:spPr>
+          <a:xfrm>
+            <a:off x="0" y="0"/>
+            <a:ext cx="2971800" cy="457200"/>
+          </a:xfrm>
+          <a:prstGeom prst="rect">
+            <a:avLst/>
+          </a:prstGeom>
+        </p:spPr>
+        <p:txBody>
+          <a:bodyPr vert="horz" lIns="91440" tIns="45720" rIns="91440" bIns="45720" rtlCol="0"/>
+          <a:lstStyle>
+            <a:lvl1pPr algn="l">
+              <a:defRPr sz="1200"/>
+            </a:lvl1pPr>
+          </a:lstStyle>
+          <a:p>
+            <a:endParaRPr lang="en-IN"/>
+          </a:p>
+        </p:txBody>
+      </p:sp>
+      <p:sp>
+        <p:nvSpPr>
+          <p:cNvPr id="3" name="Date Placeholder 2"/>
+          <p:cNvSpPr>
+            <a:spLocks noGrp="1"/>
+          </p:cNvSpPr>
+          <p:nvPr>
+            <p:ph type="dt" idx="1"/>
+          </p:nvPr>
+        </p:nvSpPr>
+        <p:spPr>
+          <a:xfrm>
+            <a:off x="3884613" y="0"/>
+            <a:ext cx="2971800" cy="457200"/>
+          </a:xfrm>
+          <a:prstGeom prst="rect">
+            <a:avLst/>
+          </a:prstGeom>
+        </p:spPr>
+        <p:txBody>
+          <a:bodyPr vert="horz" lIns="91440" tIns="45720" rIns="91440" bIns="45720" rtlCol="0"/>
+          <a:lstStyle>
+            <a:lvl1pPr algn="r">
+              <a:defRPr sz="1200"/>
+            </a:lvl1pPr>
+          </a:lstStyle>
+          <a:p>
+            <a:fld id="{EFA52D2B-50BB-4FEA-8A87-C2D9DE81306B}" type="datetimeFigureOut">
+              <a:rPr lang="en-IN" smtClean="0"/>
+              <a:t>08-04-2024</a:t>
+            </a:fld>
+            <a:endParaRPr lang="en-IN"/>
+          </a:p>
+        </p:txBody>
+      </p:sp>
+      <p:sp>
+        <p:nvSpPr>
+          <p:cNvPr id="4" name="Slide Image Placeholder 3"/>
+          <p:cNvSpPr>
+            <a:spLocks noGrp="1" noRot="1" noChangeAspect="1"/>
+          </p:cNvSpPr>
+          <p:nvPr>
+            <p:ph type="sldImg" idx="2"/>
+          </p:nvPr>
+        </p:nvSpPr>
+        <p:spPr>
+          <a:xfrm>
+            <a:off x="1143000" y="685800"/>
+            <a:ext cx="4572000" cy="3429000"/>
+          </a:xfrm>
+          <a:prstGeom prst="rect">
+            <a:avLst/>
+          </a:prstGeom>
+          <a:noFill/>
+          <a:ln w="12700">
+            <a:solidFill>
+              <a:prstClr val="black"/>
+            </a:solidFill>
+          </a:ln>
+        </p:spPr>
+        <p:txBody>
+          <a:bodyPr vert="horz" lIns="91440" tIns="45720" rIns="91440" bIns="45720" rtlCol="0" anchor="ctr"/>
+          <a:lstStyle/>
+          <a:p>
+            <a:endParaRPr lang="en-IN"/>
+          </a:p>
+        </p:txBody>
+      </p:sp>
+      <p:sp>
+        <p:nvSpPr>
+          <p:cNvPr id="5" name="Notes Placeholder 4"/>
+          <p:cNvSpPr>
+            <a:spLocks noGrp="1"/>
+          </p:cNvSpPr>
+          <p:nvPr>
+            <p:ph type="body" sz="quarter" idx="3"/>
+          </p:nvPr>
+        </p:nvSpPr>
+        <p:spPr>
+          <a:xfrm>
+            <a:off x="685800" y="4343400"/>
+            <a:ext cx="5486400" cy="4114800"/>
+          </a:xfrm>
+          <a:prstGeom prst="rect">
+            <a:avLst/>
+          </a:prstGeom>
+        </p:spPr>
+        <p:txBody>
+          <a:bodyPr vert="horz" lIns="91440" tIns="45720" rIns="91440" bIns="45720" rtlCol="0"/>
+          <a:lstStyle/>
+          <a:p>
+            <a:pPr lvl="0"/>
+            <a:r>
+              <a:rPr lang="en-US" smtClean="0"/>
+              <a:t>Click to edit Master text styles</a:t>
+            </a:r>
+          </a:p>
+          <a:p>
+            <a:pPr lvl="1"/>
+            <a:r>
+              <a:rPr lang="en-US" smtClean="0"/>
+              <a:t>Second level</a:t>
+            </a:r>
+          </a:p>
+          <a:p>
+            <a:pPr lvl="2"/>
+            <a:r>
+              <a:rPr lang="en-US" smtClean="0"/>
+              <a:t>Third level</a:t>
+            </a:r>
+          </a:p>
+          <a:p>
+            <a:pPr lvl="3"/>
+            <a:r>
+              <a:rPr lang="en-US" smtClean="0"/>
+              <a:t>Fourth level</a:t>
+            </a:r>
+          </a:p>
+          <a:p>
+            <a:pPr lvl="4"/>
+            <a:r>
+              <a:rPr lang="en-US" smtClean="0"/>
+              <a:t>Fifth level</a:t>
+            </a:r>
+            <a:endParaRPr lang="en-IN"/>
+          </a:p>
+        </p:txBody>
+      </p:sp>
+      <p:sp>
+        <p:nvSpPr>
+          <p:cNvPr id="6" name="Footer Placeholder 5"/>
+          <p:cNvSpPr>
+            <a:spLocks noGrp="1"/>
+          </p:cNvSpPr>
+          <p:nvPr>
+            <p:ph type="ftr" sz="quarter" idx="4"/>
+          </p:nvPr>
+        </p:nvSpPr>
+        <p:spPr>
+          <a:xfrm>
+            <a:off x="0" y="8685213"/>
+            <a:ext cx="2971800" cy="457200"/>
+          </a:xfrm>
+          <a:prstGeom prst="rect">
+            <a:avLst/>
+          </a:prstGeom>
+        </p:spPr>
+        <p:txBody>
+          <a:bodyPr vert="horz" lIns="91440" tIns="45720" rIns="91440" bIns="45720" rtlCol="0" anchor="b"/>
+          <a:lstStyle>
+            <a:lvl1pPr algn="l">
+              <a:defRPr sz="1200"/>
+            </a:lvl1pPr>
+          </a:lstStyle>
+          <a:p>
+            <a:endParaRPr lang="en-IN"/>
+          </a:p>
+        </p:txBody>
+      </p:sp>
+      <p:sp>
+        <p:nvSpPr>
+          <p:cNvPr id="7" name="Slide Number Placeholder 6"/>
+          <p:cNvSpPr>
+            <a:spLocks noGrp="1"/>
+          </p:cNvSpPr>
+          <p:nvPr>
+            <p:ph type="sldNum" sz="quarter" idx="5"/>
+          </p:nvPr>
+        </p:nvSpPr>
+        <p:spPr>
+          <a:xfrm>
+            <a:off x="3884613" y="8685213"/>
+            <a:ext cx="2971800" cy="457200"/>
+          </a:xfrm>
+          <a:prstGeom prst="rect">
+            <a:avLst/>
+          </a:prstGeom>
+        </p:spPr>
+        <p:txBody>
+          <a:bodyPr vert="horz" lIns="91440" tIns="45720" rIns="91440" bIns="45720" rtlCol="0" anchor="b"/>
+          <a:lstStyle>
+            <a:lvl1pPr algn="r">
+              <a:defRPr sz="1200"/>
+            </a:lvl1pPr>
+          </a:lstStyle>
+          <a:p>
+            <a:fld id="{8CF18E49-A0E9-49C7-AE9F-4540D6B7E842}" type="slidenum">
+              <a:rPr lang="en-IN" smtClean="0"/>
+              <a:t>‹#›</a:t>
+            </a:fld>
+            <a:endParaRPr lang="en-IN"/>
+          </a:p>
+        </p:txBody>
+      </p:sp>
+    </p:spTree>
+    <p:extLst>
+      <p:ext uri="{BB962C8B-B14F-4D97-AF65-F5344CB8AC3E}">
+        <p14:creationId xmlns:p14="http://schemas.microsoft.com/office/powerpoint/2010/main" val="497056480"/>
+      </p:ext>
+    </p:extLst>
+  </p:cSld>
+  <p:clrMap bg1="lt1" tx1="dk1" bg2="lt2" tx2="dk2" accent1="accent1" accent2="accent2" accent3="accent3" accent4="accent4" accent5="accent5" accent6="accent6" hlink="hlink" folHlink="folHlink"/>
+  <p:notesStyle>
+    <a:lvl1pPr marL="0" algn="l" defTabSz="914400" rtl="0" eaLnBrk="1" latinLnBrk="0" hangingPunct="1">
+      <a:defRPr sz="1200" kern="1200">
+        <a:solidFill>
+          <a:schemeClr val="tx1"/>
+        </a:solidFill>
+        <a:latin typeface="+mn-lt"/>
+        <a:ea typeface="+mn-ea"/>
+        <a:cs typeface="+mn-cs"/>
+      </a:defRPr>
+    </a:lvl1pPr>
+    <a:lvl2pPr marL="457200" algn="l" defTabSz="914400" rtl="0" eaLnBrk="1" latinLnBrk="0" hangingPunct="1">
+      <a:defRPr sz="1200" kern="1200">
+        <a:solidFill>
+          <a:schemeClr val="tx1"/>
+        </a:solidFill>
+        <a:latin typeface="+mn-lt"/>
+        <a:ea typeface="+mn-ea"/>
+        <a:cs typeface="+mn-cs"/>
+      </a:defRPr>
+    </a:lvl2pPr>
+    <a:lvl3pPr marL="914400" algn="l" defTabSz="914400" rtl="0" eaLnBrk="1" latinLnBrk="0" hangingPunct="1">
+      <a:defRPr sz="1200" kern="1200">
+        <a:solidFill>
+          <a:schemeClr val="tx1"/>
+        </a:solidFill>
+        <a:latin typeface="+mn-lt"/>
+        <a:ea typeface="+mn-ea"/>
+        <a:cs typeface="+mn-cs"/>
+      </a:defRPr>
+    </a:lvl3pPr>
+    <a:lvl4pPr marL="1371600" algn="l" defTabSz="914400" rtl="0" eaLnBrk="1" latinLnBrk="0" hangingPunct="1">
+      <a:defRPr sz="1200" kern="1200">
+        <a:solidFill>
+          <a:schemeClr val="tx1"/>
+        </a:solidFill>
+        <a:latin typeface="+mn-lt"/>
+        <a:ea typeface="+mn-ea"/>
+        <a:cs typeface="+mn-cs"/>
+      </a:defRPr>
+    </a:lvl4pPr>
+    <a:lvl5pPr marL="1828800" algn="l" defTabSz="914400" rtl="0" eaLnBrk="1" latinLnBrk="0" hangingPunct="1">
+      <a:defRPr sz="1200" kern="1200">
+        <a:solidFill>
+          <a:schemeClr val="tx1"/>
+        </a:solidFill>
+        <a:latin typeface="+mn-lt"/>
+        <a:ea typeface="+mn-ea"/>
+        <a:cs typeface="+mn-cs"/>
+      </a:defRPr>
+    </a:lvl5pPr>
+    <a:lvl6pPr marL="2286000" algn="l" defTabSz="914400" rtl="0" eaLnBrk="1" latinLnBrk="0" hangingPunct="1">
+      <a:defRPr sz="1200" kern="1200">
+        <a:solidFill>
+          <a:schemeClr val="tx1"/>
+        </a:solidFill>
+        <a:latin typeface="+mn-lt"/>
+        <a:ea typeface="+mn-ea"/>
+        <a:cs typeface="+mn-cs"/>
+      </a:defRPr>
+    </a:lvl6pPr>
+    <a:lvl7pPr marL="2743200" algn="l" defTabSz="914400" rtl="0" eaLnBrk="1" latinLnBrk="0" hangingPunct="1">
+      <a:defRPr sz="1200" kern="1200">
+        <a:solidFill>
+          <a:schemeClr val="tx1"/>
+        </a:solidFill>
+        <a:latin typeface="+mn-lt"/>
+        <a:ea typeface="+mn-ea"/>
+        <a:cs typeface="+mn-cs"/>
+      </a:defRPr>
+    </a:lvl7pPr>
+    <a:lvl8pPr marL="3200400" algn="l" defTabSz="914400" rtl="0" eaLnBrk="1" latinLnBrk="0" hangingPunct="1">
+      <a:defRPr sz="1200" kern="1200">
+        <a:solidFill>
+          <a:schemeClr val="tx1"/>
+        </a:solidFill>
+        <a:latin typeface="+mn-lt"/>
+        <a:ea typeface="+mn-ea"/>
+        <a:cs typeface="+mn-cs"/>
+      </a:defRPr>
+    </a:lvl8pPr>
+    <a:lvl9pPr marL="3657600" algn="l" defTabSz="914400" rtl="0" eaLnBrk="1" latinLnBrk="0" hangingPunct="1">
+      <a:defRPr sz="1200" kern="1200">
+        <a:solidFill>
+          <a:schemeClr val="tx1"/>
+        </a:solidFill>
+        <a:latin typeface="+mn-lt"/>
+        <a:ea typeface="+mn-ea"/>
+        <a:cs typeface="+mn-cs"/>
+      </a:defRPr>
+    </a:lvl9pPr>
+  </p:notesStyle>
+</p:notesMaster>
+</file>
+
+<file path=ppt/notesSlides/notesSlide1.xml><?xml version="1.0" encoding="utf-8"?>
+<p:notes xmlns:a="http://schemas.openxmlformats.org/drawingml/2006/main" xmlns:r="http://schemas.openxmlformats.org/officeDocument/2006/relationships" xmlns:p="http://schemas.openxmlformats.org/presentationml/2006/main">
+  <p:cSld>
+    <p:spTree>
+      <p:nvGrpSpPr>
+        <p:cNvPr id="1" name=""/>
+        <p:cNvGrpSpPr/>
+        <p:nvPr/>
+      </p:nvGrpSpPr>
+      <p:grpSpPr>
+        <a:xfrm>
+          <a:off x="0" y="0"/>
+          <a:ext cx="0" cy="0"/>
+          <a:chOff x="0" y="0"/>
+          <a:chExt cx="0" cy="0"/>
+        </a:xfrm>
+      </p:grpSpPr>
+      <p:sp>
+        <p:nvSpPr>
+          <p:cNvPr id="2" name="Slide Image Placeholder 1"/>
+          <p:cNvSpPr>
+            <a:spLocks noGrp="1" noRot="1" noChangeAspect="1"/>
+          </p:cNvSpPr>
+          <p:nvPr>
+            <p:ph type="sldImg"/>
+          </p:nvPr>
+        </p:nvSpPr>
+        <p:spPr/>
+      </p:sp>
+      <p:sp>
+        <p:nvSpPr>
+          <p:cNvPr id="3" name="Notes Placeholder 2"/>
+          <p:cNvSpPr>
+            <a:spLocks noGrp="1"/>
+          </p:cNvSpPr>
+          <p:nvPr>
+            <p:ph type="body" idx="1"/>
+          </p:nvPr>
+        </p:nvSpPr>
+        <p:spPr/>
+        <p:txBody>
+          <a:bodyPr/>
+          <a:lstStyle/>
+          <a:p>
+            <a:endParaRPr lang="en-IN" dirty="0"/>
+          </a:p>
+        </p:txBody>
+      </p:sp>
+      <p:sp>
+        <p:nvSpPr>
+          <p:cNvPr id="4" name="Slide Number Placeholder 3"/>
+          <p:cNvSpPr>
+            <a:spLocks noGrp="1"/>
+          </p:cNvSpPr>
+          <p:nvPr>
+            <p:ph type="sldNum" sz="quarter" idx="10"/>
+          </p:nvPr>
+        </p:nvSpPr>
+        <p:spPr/>
+        <p:txBody>
+          <a:bodyPr/>
+          <a:lstStyle/>
+          <a:p>
+            <a:fld id="{8CF18E49-A0E9-49C7-AE9F-4540D6B7E842}" type="slidenum">
+              <a:rPr lang="en-IN" smtClean="0"/>
+              <a:t>21</a:t>
+            </a:fld>
+            <a:endParaRPr lang="en-IN"/>
+          </a:p>
+        </p:txBody>
+      </p:sp>
+    </p:spTree>
+    <p:extLst>
+      <p:ext uri="{BB962C8B-B14F-4D97-AF65-F5344CB8AC3E}">
+        <p14:creationId xmlns:p14="http://schemas.microsoft.com/office/powerpoint/2010/main" val="2634562919"/>
+      </p:ext>
+    </p:extLst>
+  </p:cSld>
+  <p:clrMapOvr>
+    <a:masterClrMapping/>
+  </p:clrMapOvr>
+</p:notes>
+</file>
+
 <file path=ppt/slideLayouts/slideLayout1.xml><?xml version="1.0" encoding="utf-8"?>
 <p:sldLayout xmlns:a="http://schemas.openxmlformats.org/drawingml/2006/main" xmlns:r="http://schemas.openxmlformats.org/officeDocument/2006/relationships" xmlns:p="http://schemas.openxmlformats.org/presentationml/2006/main" type="title" preserve="1">
   <p:cSld name="Title Slide">
@@ -307,7 +747,7 @@
           <a:p>
             <a:fld id="{81D79722-A795-4EB0-A1B6-ECFB98BA3801}" type="datetimeFigureOut">
               <a:rPr lang="en-IN" smtClean="0"/>
-              <a:t>28-03-2024</a:t>
+              <a:t>08-04-2024</a:t>
             </a:fld>
             <a:endParaRPr lang="en-IN"/>
           </a:p>
@@ -477,7 +917,7 @@
           <a:p>
             <a:fld id="{81D79722-A795-4EB0-A1B6-ECFB98BA3801}" type="datetimeFigureOut">
               <a:rPr lang="en-IN" smtClean="0"/>
-              <a:t>28-03-2024</a:t>
+              <a:t>08-04-2024</a:t>
             </a:fld>
             <a:endParaRPr lang="en-IN"/>
           </a:p>
@@ -657,7 +1097,7 @@
           <a:p>
             <a:fld id="{81D79722-A795-4EB0-A1B6-ECFB98BA3801}" type="datetimeFigureOut">
               <a:rPr lang="en-IN" smtClean="0"/>
-              <a:t>28-03-2024</a:t>
+              <a:t>08-04-2024</a:t>
             </a:fld>
             <a:endParaRPr lang="en-IN"/>
           </a:p>
@@ -827,7 +1267,7 @@
           <a:p>
             <a:fld id="{81D79722-A795-4EB0-A1B6-ECFB98BA3801}" type="datetimeFigureOut">
               <a:rPr lang="en-IN" smtClean="0"/>
-              <a:t>28-03-2024</a:t>
+              <a:t>08-04-2024</a:t>
             </a:fld>
             <a:endParaRPr lang="en-IN"/>
           </a:p>
@@ -1073,7 +1513,7 @@
           <a:p>
             <a:fld id="{81D79722-A795-4EB0-A1B6-ECFB98BA3801}" type="datetimeFigureOut">
               <a:rPr lang="en-IN" smtClean="0"/>
-              <a:t>28-03-2024</a:t>
+              <a:t>08-04-2024</a:t>
             </a:fld>
             <a:endParaRPr lang="en-IN"/>
           </a:p>
@@ -1361,7 +1801,7 @@
           <a:p>
             <a:fld id="{81D79722-A795-4EB0-A1B6-ECFB98BA3801}" type="datetimeFigureOut">
               <a:rPr lang="en-IN" smtClean="0"/>
-              <a:t>28-03-2024</a:t>
+              <a:t>08-04-2024</a:t>
             </a:fld>
             <a:endParaRPr lang="en-IN"/>
           </a:p>
@@ -1783,7 +2223,7 @@
           <a:p>
             <a:fld id="{81D79722-A795-4EB0-A1B6-ECFB98BA3801}" type="datetimeFigureOut">
               <a:rPr lang="en-IN" smtClean="0"/>
-              <a:t>28-03-2024</a:t>
+              <a:t>08-04-2024</a:t>
             </a:fld>
             <a:endParaRPr lang="en-IN"/>
           </a:p>
@@ -1901,7 +2341,7 @@
           <a:p>
             <a:fld id="{81D79722-A795-4EB0-A1B6-ECFB98BA3801}" type="datetimeFigureOut">
               <a:rPr lang="en-IN" smtClean="0"/>
-              <a:t>28-03-2024</a:t>
+              <a:t>08-04-2024</a:t>
             </a:fld>
             <a:endParaRPr lang="en-IN"/>
           </a:p>
@@ -1996,7 +2436,7 @@
           <a:p>
             <a:fld id="{81D79722-A795-4EB0-A1B6-ECFB98BA3801}" type="datetimeFigureOut">
               <a:rPr lang="en-IN" smtClean="0"/>
-              <a:t>28-03-2024</a:t>
+              <a:t>08-04-2024</a:t>
             </a:fld>
             <a:endParaRPr lang="en-IN"/>
           </a:p>
@@ -2273,7 +2713,7 @@
           <a:p>
             <a:fld id="{81D79722-A795-4EB0-A1B6-ECFB98BA3801}" type="datetimeFigureOut">
               <a:rPr lang="en-IN" smtClean="0"/>
-              <a:t>28-03-2024</a:t>
+              <a:t>08-04-2024</a:t>
             </a:fld>
             <a:endParaRPr lang="en-IN"/>
           </a:p>
@@ -2526,7 +2966,7 @@
           <a:p>
             <a:fld id="{81D79722-A795-4EB0-A1B6-ECFB98BA3801}" type="datetimeFigureOut">
               <a:rPr lang="en-IN" smtClean="0"/>
-              <a:t>28-03-2024</a:t>
+              <a:t>08-04-2024</a:t>
             </a:fld>
             <a:endParaRPr lang="en-IN"/>
           </a:p>
@@ -2739,7 +3179,7 @@
           <a:p>
             <a:fld id="{81D79722-A795-4EB0-A1B6-ECFB98BA3801}" type="datetimeFigureOut">
               <a:rPr lang="en-IN" smtClean="0"/>
-              <a:t>28-03-2024</a:t>
+              <a:t>08-04-2024</a:t>
             </a:fld>
             <a:endParaRPr lang="en-IN"/>
           </a:p>
@@ -7220,6 +7660,1688 @@
     <p:extLst>
       <p:ext uri="{BB962C8B-B14F-4D97-AF65-F5344CB8AC3E}">
         <p14:creationId xmlns:p14="http://schemas.microsoft.com/office/powerpoint/2010/main" val="386000530"/>
+      </p:ext>
+    </p:extLst>
+  </p:cSld>
+  <p:clrMapOvr>
+    <a:masterClrMapping/>
+  </p:clrMapOvr>
+</p:sld>
+</file>
+
+<file path=ppt/slides/slide21.xml><?xml version="1.0" encoding="utf-8"?>
+<p:sld xmlns:a="http://schemas.openxmlformats.org/drawingml/2006/main" xmlns:r="http://schemas.openxmlformats.org/officeDocument/2006/relationships" xmlns:p="http://schemas.openxmlformats.org/presentationml/2006/main">
+  <p:cSld>
+    <p:spTree>
+      <p:nvGrpSpPr>
+        <p:cNvPr id="1" name=""/>
+        <p:cNvGrpSpPr/>
+        <p:nvPr/>
+      </p:nvGrpSpPr>
+      <p:grpSpPr>
+        <a:xfrm>
+          <a:off x="0" y="0"/>
+          <a:ext cx="0" cy="0"/>
+          <a:chOff x="0" y="0"/>
+          <a:chExt cx="0" cy="0"/>
+        </a:xfrm>
+      </p:grpSpPr>
+      <p:sp>
+        <p:nvSpPr>
+          <p:cNvPr id="2" name="Oval 1"/>
+          <p:cNvSpPr/>
+          <p:nvPr/>
+        </p:nvSpPr>
+        <p:spPr>
+          <a:xfrm>
+            <a:off x="3059832" y="332656"/>
+            <a:ext cx="2520280" cy="936104"/>
+          </a:xfrm>
+          <a:prstGeom prst="ellipse">
+            <a:avLst/>
+          </a:prstGeom>
+        </p:spPr>
+        <p:style>
+          <a:lnRef idx="2">
+            <a:schemeClr val="accent1">
+              <a:shade val="50000"/>
+            </a:schemeClr>
+          </a:lnRef>
+          <a:fillRef idx="1">
+            <a:schemeClr val="accent1"/>
+          </a:fillRef>
+          <a:effectRef idx="0">
+            <a:schemeClr val="accent1"/>
+          </a:effectRef>
+          <a:fontRef idx="minor">
+            <a:schemeClr val="lt1"/>
+          </a:fontRef>
+        </p:style>
+        <p:txBody>
+          <a:bodyPr rtlCol="0" anchor="ctr"/>
+          <a:lstStyle/>
+          <a:p>
+            <a:pPr algn="ctr"/>
+            <a:r>
+              <a:rPr lang="en-US" dirty="0" smtClean="0"/>
+              <a:t>Client(chrome)</a:t>
+            </a:r>
+            <a:endParaRPr lang="en-IN" dirty="0"/>
+          </a:p>
+        </p:txBody>
+      </p:sp>
+      <p:cxnSp>
+        <p:nvCxnSpPr>
+          <p:cNvPr id="4" name="Straight Arrow Connector 3"/>
+          <p:cNvCxnSpPr>
+            <a:stCxn id="2" idx="4"/>
+          </p:cNvCxnSpPr>
+          <p:nvPr/>
+        </p:nvCxnSpPr>
+        <p:spPr>
+          <a:xfrm>
+            <a:off x="4319972" y="1268760"/>
+            <a:ext cx="0" cy="432048"/>
+          </a:xfrm>
+          <a:prstGeom prst="straightConnector1">
+            <a:avLst/>
+          </a:prstGeom>
+          <a:ln>
+            <a:tailEnd type="arrow"/>
+          </a:ln>
+        </p:spPr>
+        <p:style>
+          <a:lnRef idx="1">
+            <a:schemeClr val="accent1"/>
+          </a:lnRef>
+          <a:fillRef idx="0">
+            <a:schemeClr val="accent1"/>
+          </a:fillRef>
+          <a:effectRef idx="0">
+            <a:schemeClr val="accent1"/>
+          </a:effectRef>
+          <a:fontRef idx="minor">
+            <a:schemeClr val="tx1"/>
+          </a:fontRef>
+        </p:style>
+      </p:cxnSp>
+      <p:sp>
+        <p:nvSpPr>
+          <p:cNvPr id="5" name="Oval 4"/>
+          <p:cNvSpPr/>
+          <p:nvPr/>
+        </p:nvSpPr>
+        <p:spPr>
+          <a:xfrm>
+            <a:off x="3311860" y="1721590"/>
+            <a:ext cx="2016224" cy="720080"/>
+          </a:xfrm>
+          <a:prstGeom prst="ellipse">
+            <a:avLst/>
+          </a:prstGeom>
+        </p:spPr>
+        <p:style>
+          <a:lnRef idx="2">
+            <a:schemeClr val="accent1">
+              <a:shade val="50000"/>
+            </a:schemeClr>
+          </a:lnRef>
+          <a:fillRef idx="1">
+            <a:schemeClr val="accent1"/>
+          </a:fillRef>
+          <a:effectRef idx="0">
+            <a:schemeClr val="accent1"/>
+          </a:effectRef>
+          <a:fontRef idx="minor">
+            <a:schemeClr val="lt1"/>
+          </a:fontRef>
+        </p:style>
+        <p:txBody>
+          <a:bodyPr rtlCol="0" anchor="ctr"/>
+          <a:lstStyle/>
+          <a:p>
+            <a:pPr algn="ctr"/>
+            <a:r>
+              <a:rPr lang="en-US" dirty="0" smtClean="0"/>
+              <a:t>Angular FE</a:t>
+            </a:r>
+            <a:endParaRPr lang="en-IN" dirty="0"/>
+          </a:p>
+        </p:txBody>
+      </p:sp>
+      <p:cxnSp>
+        <p:nvCxnSpPr>
+          <p:cNvPr id="6" name="Straight Arrow Connector 5"/>
+          <p:cNvCxnSpPr/>
+          <p:nvPr/>
+        </p:nvCxnSpPr>
+        <p:spPr>
+          <a:xfrm>
+            <a:off x="4319972" y="2441670"/>
+            <a:ext cx="0" cy="432048"/>
+          </a:xfrm>
+          <a:prstGeom prst="straightConnector1">
+            <a:avLst/>
+          </a:prstGeom>
+          <a:ln>
+            <a:tailEnd type="arrow"/>
+          </a:ln>
+        </p:spPr>
+        <p:style>
+          <a:lnRef idx="1">
+            <a:schemeClr val="accent1"/>
+          </a:lnRef>
+          <a:fillRef idx="0">
+            <a:schemeClr val="accent1"/>
+          </a:fillRef>
+          <a:effectRef idx="0">
+            <a:schemeClr val="accent1"/>
+          </a:effectRef>
+          <a:fontRef idx="minor">
+            <a:schemeClr val="tx1"/>
+          </a:fontRef>
+        </p:style>
+      </p:cxnSp>
+      <p:sp>
+        <p:nvSpPr>
+          <p:cNvPr id="7" name="Oval 6"/>
+          <p:cNvSpPr/>
+          <p:nvPr/>
+        </p:nvSpPr>
+        <p:spPr>
+          <a:xfrm>
+            <a:off x="251520" y="4365104"/>
+            <a:ext cx="2016224" cy="720080"/>
+          </a:xfrm>
+          <a:prstGeom prst="ellipse">
+            <a:avLst/>
+          </a:prstGeom>
+        </p:spPr>
+        <p:style>
+          <a:lnRef idx="2">
+            <a:schemeClr val="accent1">
+              <a:shade val="50000"/>
+            </a:schemeClr>
+          </a:lnRef>
+          <a:fillRef idx="1">
+            <a:schemeClr val="accent1"/>
+          </a:fillRef>
+          <a:effectRef idx="0">
+            <a:schemeClr val="accent1"/>
+          </a:effectRef>
+          <a:fontRef idx="minor">
+            <a:schemeClr val="lt1"/>
+          </a:fontRef>
+        </p:style>
+        <p:txBody>
+          <a:bodyPr rtlCol="0" anchor="ctr"/>
+          <a:lstStyle/>
+          <a:p>
+            <a:pPr algn="ctr"/>
+            <a:r>
+              <a:rPr lang="en-US" dirty="0" err="1" smtClean="0"/>
+              <a:t>springBoot</a:t>
+            </a:r>
+            <a:r>
+              <a:rPr lang="en-US" dirty="0" smtClean="0"/>
+              <a:t> BE</a:t>
+            </a:r>
+            <a:endParaRPr lang="en-IN" dirty="0"/>
+          </a:p>
+        </p:txBody>
+      </p:sp>
+      <p:sp>
+        <p:nvSpPr>
+          <p:cNvPr id="8" name="TextBox 7"/>
+          <p:cNvSpPr txBox="1"/>
+          <p:nvPr/>
+        </p:nvSpPr>
+        <p:spPr>
+          <a:xfrm>
+            <a:off x="5595212" y="603050"/>
+            <a:ext cx="2088232" cy="369332"/>
+          </a:xfrm>
+          <a:prstGeom prst="rect">
+            <a:avLst/>
+          </a:prstGeom>
+          <a:noFill/>
+        </p:spPr>
+        <p:txBody>
+          <a:bodyPr wrap="square" rtlCol="0">
+            <a:spAutoFit/>
+          </a:bodyPr>
+          <a:lstStyle/>
+          <a:p>
+            <a:r>
+              <a:rPr lang="en-US" dirty="0" smtClean="0"/>
+              <a:t>400</a:t>
+            </a:r>
+            <a:endParaRPr lang="en-IN" dirty="0"/>
+          </a:p>
+        </p:txBody>
+      </p:sp>
+      <p:sp>
+        <p:nvSpPr>
+          <p:cNvPr id="9" name="TextBox 8"/>
+          <p:cNvSpPr txBox="1"/>
+          <p:nvPr/>
+        </p:nvSpPr>
+        <p:spPr>
+          <a:xfrm>
+            <a:off x="5940152" y="1772816"/>
+            <a:ext cx="2808312" cy="646331"/>
+          </a:xfrm>
+          <a:prstGeom prst="rect">
+            <a:avLst/>
+          </a:prstGeom>
+          <a:noFill/>
+        </p:spPr>
+        <p:txBody>
+          <a:bodyPr wrap="square" rtlCol="0">
+            <a:spAutoFit/>
+          </a:bodyPr>
+          <a:lstStyle/>
+          <a:p>
+            <a:r>
+              <a:rPr lang="en-US" dirty="0" smtClean="0"/>
+              <a:t>It will overload and get crashed.</a:t>
+            </a:r>
+            <a:endParaRPr lang="en-IN" dirty="0"/>
+          </a:p>
+        </p:txBody>
+      </p:sp>
+      <p:sp>
+        <p:nvSpPr>
+          <p:cNvPr id="10" name="Oval 9"/>
+          <p:cNvSpPr/>
+          <p:nvPr/>
+        </p:nvSpPr>
+        <p:spPr>
+          <a:xfrm>
+            <a:off x="3275856" y="2873718"/>
+            <a:ext cx="2016224" cy="720080"/>
+          </a:xfrm>
+          <a:prstGeom prst="ellipse">
+            <a:avLst/>
+          </a:prstGeom>
+        </p:spPr>
+        <p:style>
+          <a:lnRef idx="2">
+            <a:schemeClr val="accent1">
+              <a:shade val="50000"/>
+            </a:schemeClr>
+          </a:lnRef>
+          <a:fillRef idx="1">
+            <a:schemeClr val="accent1"/>
+          </a:fillRef>
+          <a:effectRef idx="0">
+            <a:schemeClr val="accent1"/>
+          </a:effectRef>
+          <a:fontRef idx="minor">
+            <a:schemeClr val="lt1"/>
+          </a:fontRef>
+        </p:style>
+        <p:txBody>
+          <a:bodyPr rtlCol="0" anchor="ctr"/>
+          <a:lstStyle/>
+          <a:p>
+            <a:pPr algn="ctr"/>
+            <a:r>
+              <a:rPr lang="en-US" dirty="0" smtClean="0"/>
+              <a:t>Load balancer</a:t>
+            </a:r>
+            <a:endParaRPr lang="en-IN" dirty="0"/>
+          </a:p>
+        </p:txBody>
+      </p:sp>
+      <p:sp>
+        <p:nvSpPr>
+          <p:cNvPr id="12" name="Oval 11"/>
+          <p:cNvSpPr/>
+          <p:nvPr/>
+        </p:nvSpPr>
+        <p:spPr>
+          <a:xfrm>
+            <a:off x="7130447" y="4337086"/>
+            <a:ext cx="2016224" cy="720080"/>
+          </a:xfrm>
+          <a:prstGeom prst="ellipse">
+            <a:avLst/>
+          </a:prstGeom>
+        </p:spPr>
+        <p:style>
+          <a:lnRef idx="2">
+            <a:schemeClr val="accent1">
+              <a:shade val="50000"/>
+            </a:schemeClr>
+          </a:lnRef>
+          <a:fillRef idx="1">
+            <a:schemeClr val="accent1"/>
+          </a:fillRef>
+          <a:effectRef idx="0">
+            <a:schemeClr val="accent1"/>
+          </a:effectRef>
+          <a:fontRef idx="minor">
+            <a:schemeClr val="lt1"/>
+          </a:fontRef>
+        </p:style>
+        <p:txBody>
+          <a:bodyPr rtlCol="0" anchor="ctr"/>
+          <a:lstStyle/>
+          <a:p>
+            <a:pPr algn="ctr"/>
+            <a:r>
+              <a:rPr lang="en-US" dirty="0" err="1" smtClean="0"/>
+              <a:t>springBoot</a:t>
+            </a:r>
+            <a:r>
+              <a:rPr lang="en-US" dirty="0" smtClean="0"/>
+              <a:t> BE</a:t>
+            </a:r>
+            <a:endParaRPr lang="en-IN" dirty="0"/>
+          </a:p>
+        </p:txBody>
+      </p:sp>
+      <p:sp>
+        <p:nvSpPr>
+          <p:cNvPr id="13" name="Oval 12"/>
+          <p:cNvSpPr/>
+          <p:nvPr/>
+        </p:nvSpPr>
+        <p:spPr>
+          <a:xfrm>
+            <a:off x="4824028" y="4373163"/>
+            <a:ext cx="2016224" cy="720080"/>
+          </a:xfrm>
+          <a:prstGeom prst="ellipse">
+            <a:avLst/>
+          </a:prstGeom>
+        </p:spPr>
+        <p:style>
+          <a:lnRef idx="2">
+            <a:schemeClr val="accent1">
+              <a:shade val="50000"/>
+            </a:schemeClr>
+          </a:lnRef>
+          <a:fillRef idx="1">
+            <a:schemeClr val="accent1"/>
+          </a:fillRef>
+          <a:effectRef idx="0">
+            <a:schemeClr val="accent1"/>
+          </a:effectRef>
+          <a:fontRef idx="minor">
+            <a:schemeClr val="lt1"/>
+          </a:fontRef>
+        </p:style>
+        <p:txBody>
+          <a:bodyPr rtlCol="0" anchor="ctr"/>
+          <a:lstStyle/>
+          <a:p>
+            <a:pPr algn="ctr"/>
+            <a:r>
+              <a:rPr lang="en-US" dirty="0" err="1" smtClean="0"/>
+              <a:t>springBoot</a:t>
+            </a:r>
+            <a:r>
+              <a:rPr lang="en-US" dirty="0" smtClean="0"/>
+              <a:t> BE</a:t>
+            </a:r>
+            <a:endParaRPr lang="en-IN" dirty="0"/>
+          </a:p>
+        </p:txBody>
+      </p:sp>
+      <p:sp>
+        <p:nvSpPr>
+          <p:cNvPr id="14" name="Oval 13"/>
+          <p:cNvSpPr/>
+          <p:nvPr/>
+        </p:nvSpPr>
+        <p:spPr>
+          <a:xfrm>
+            <a:off x="2572544" y="4365104"/>
+            <a:ext cx="2016224" cy="720080"/>
+          </a:xfrm>
+          <a:prstGeom prst="ellipse">
+            <a:avLst/>
+          </a:prstGeom>
+        </p:spPr>
+        <p:style>
+          <a:lnRef idx="2">
+            <a:schemeClr val="accent1">
+              <a:shade val="50000"/>
+            </a:schemeClr>
+          </a:lnRef>
+          <a:fillRef idx="1">
+            <a:schemeClr val="accent1"/>
+          </a:fillRef>
+          <a:effectRef idx="0">
+            <a:schemeClr val="accent1"/>
+          </a:effectRef>
+          <a:fontRef idx="minor">
+            <a:schemeClr val="lt1"/>
+          </a:fontRef>
+        </p:style>
+        <p:txBody>
+          <a:bodyPr rtlCol="0" anchor="ctr"/>
+          <a:lstStyle/>
+          <a:p>
+            <a:pPr algn="ctr"/>
+            <a:r>
+              <a:rPr lang="en-US" dirty="0" err="1" smtClean="0"/>
+              <a:t>springBoot</a:t>
+            </a:r>
+            <a:r>
+              <a:rPr lang="en-US" dirty="0" smtClean="0"/>
+              <a:t> BE</a:t>
+            </a:r>
+            <a:endParaRPr lang="en-IN" dirty="0"/>
+          </a:p>
+        </p:txBody>
+      </p:sp>
+      <p:cxnSp>
+        <p:nvCxnSpPr>
+          <p:cNvPr id="15" name="Straight Arrow Connector 14"/>
+          <p:cNvCxnSpPr/>
+          <p:nvPr/>
+        </p:nvCxnSpPr>
+        <p:spPr>
+          <a:xfrm>
+            <a:off x="3491880" y="4025846"/>
+            <a:ext cx="0" cy="432048"/>
+          </a:xfrm>
+          <a:prstGeom prst="straightConnector1">
+            <a:avLst/>
+          </a:prstGeom>
+          <a:ln>
+            <a:tailEnd type="arrow"/>
+          </a:ln>
+        </p:spPr>
+        <p:style>
+          <a:lnRef idx="1">
+            <a:schemeClr val="accent1"/>
+          </a:lnRef>
+          <a:fillRef idx="0">
+            <a:schemeClr val="accent1"/>
+          </a:fillRef>
+          <a:effectRef idx="0">
+            <a:schemeClr val="accent1"/>
+          </a:effectRef>
+          <a:fontRef idx="minor">
+            <a:schemeClr val="tx1"/>
+          </a:fontRef>
+        </p:style>
+      </p:cxnSp>
+      <p:cxnSp>
+        <p:nvCxnSpPr>
+          <p:cNvPr id="16" name="Straight Arrow Connector 15"/>
+          <p:cNvCxnSpPr/>
+          <p:nvPr/>
+        </p:nvCxnSpPr>
+        <p:spPr>
+          <a:xfrm>
+            <a:off x="1043608" y="3933056"/>
+            <a:ext cx="0" cy="432048"/>
+          </a:xfrm>
+          <a:prstGeom prst="straightConnector1">
+            <a:avLst/>
+          </a:prstGeom>
+          <a:ln>
+            <a:tailEnd type="arrow"/>
+          </a:ln>
+        </p:spPr>
+        <p:style>
+          <a:lnRef idx="1">
+            <a:schemeClr val="accent1"/>
+          </a:lnRef>
+          <a:fillRef idx="0">
+            <a:schemeClr val="accent1"/>
+          </a:fillRef>
+          <a:effectRef idx="0">
+            <a:schemeClr val="accent1"/>
+          </a:effectRef>
+          <a:fontRef idx="minor">
+            <a:schemeClr val="tx1"/>
+          </a:fontRef>
+        </p:style>
+      </p:cxnSp>
+      <p:cxnSp>
+        <p:nvCxnSpPr>
+          <p:cNvPr id="17" name="Straight Arrow Connector 16"/>
+          <p:cNvCxnSpPr/>
+          <p:nvPr/>
+        </p:nvCxnSpPr>
+        <p:spPr>
+          <a:xfrm>
+            <a:off x="4283968" y="3593798"/>
+            <a:ext cx="0" cy="432048"/>
+          </a:xfrm>
+          <a:prstGeom prst="straightConnector1">
+            <a:avLst/>
+          </a:prstGeom>
+          <a:ln>
+            <a:tailEnd type="arrow"/>
+          </a:ln>
+        </p:spPr>
+        <p:style>
+          <a:lnRef idx="1">
+            <a:schemeClr val="accent1"/>
+          </a:lnRef>
+          <a:fillRef idx="0">
+            <a:schemeClr val="accent1"/>
+          </a:fillRef>
+          <a:effectRef idx="0">
+            <a:schemeClr val="accent1"/>
+          </a:effectRef>
+          <a:fontRef idx="minor">
+            <a:schemeClr val="tx1"/>
+          </a:fontRef>
+        </p:style>
+      </p:cxnSp>
+      <p:cxnSp>
+        <p:nvCxnSpPr>
+          <p:cNvPr id="18" name="Straight Arrow Connector 17"/>
+          <p:cNvCxnSpPr/>
+          <p:nvPr/>
+        </p:nvCxnSpPr>
+        <p:spPr>
+          <a:xfrm>
+            <a:off x="5940152" y="4033275"/>
+            <a:ext cx="0" cy="432048"/>
+          </a:xfrm>
+          <a:prstGeom prst="straightConnector1">
+            <a:avLst/>
+          </a:prstGeom>
+          <a:ln>
+            <a:tailEnd type="arrow"/>
+          </a:ln>
+        </p:spPr>
+        <p:style>
+          <a:lnRef idx="1">
+            <a:schemeClr val="accent1"/>
+          </a:lnRef>
+          <a:fillRef idx="0">
+            <a:schemeClr val="accent1"/>
+          </a:fillRef>
+          <a:effectRef idx="0">
+            <a:schemeClr val="accent1"/>
+          </a:effectRef>
+          <a:fontRef idx="minor">
+            <a:schemeClr val="tx1"/>
+          </a:fontRef>
+        </p:style>
+      </p:cxnSp>
+      <p:cxnSp>
+        <p:nvCxnSpPr>
+          <p:cNvPr id="19" name="Straight Arrow Connector 18"/>
+          <p:cNvCxnSpPr/>
+          <p:nvPr/>
+        </p:nvCxnSpPr>
+        <p:spPr>
+          <a:xfrm>
+            <a:off x="8138559" y="3964213"/>
+            <a:ext cx="0" cy="432048"/>
+          </a:xfrm>
+          <a:prstGeom prst="straightConnector1">
+            <a:avLst/>
+          </a:prstGeom>
+          <a:ln>
+            <a:tailEnd type="arrow"/>
+          </a:ln>
+        </p:spPr>
+        <p:style>
+          <a:lnRef idx="1">
+            <a:schemeClr val="accent1"/>
+          </a:lnRef>
+          <a:fillRef idx="0">
+            <a:schemeClr val="accent1"/>
+          </a:fillRef>
+          <a:effectRef idx="0">
+            <a:schemeClr val="accent1"/>
+          </a:effectRef>
+          <a:fontRef idx="minor">
+            <a:schemeClr val="tx1"/>
+          </a:fontRef>
+        </p:style>
+      </p:cxnSp>
+      <p:cxnSp>
+        <p:nvCxnSpPr>
+          <p:cNvPr id="21" name="Straight Connector 20"/>
+          <p:cNvCxnSpPr/>
+          <p:nvPr/>
+        </p:nvCxnSpPr>
+        <p:spPr>
+          <a:xfrm>
+            <a:off x="1043608" y="3933056"/>
+            <a:ext cx="7094951" cy="0"/>
+          </a:xfrm>
+          <a:prstGeom prst="line">
+            <a:avLst/>
+          </a:prstGeom>
+        </p:spPr>
+        <p:style>
+          <a:lnRef idx="1">
+            <a:schemeClr val="accent1"/>
+          </a:lnRef>
+          <a:fillRef idx="0">
+            <a:schemeClr val="accent1"/>
+          </a:fillRef>
+          <a:effectRef idx="0">
+            <a:schemeClr val="accent1"/>
+          </a:effectRef>
+          <a:fontRef idx="minor">
+            <a:schemeClr val="tx1"/>
+          </a:fontRef>
+        </p:style>
+      </p:cxnSp>
+      <p:cxnSp>
+        <p:nvCxnSpPr>
+          <p:cNvPr id="23" name="Straight Arrow Connector 22"/>
+          <p:cNvCxnSpPr/>
+          <p:nvPr/>
+        </p:nvCxnSpPr>
+        <p:spPr>
+          <a:xfrm>
+            <a:off x="4211960" y="5157192"/>
+            <a:ext cx="0" cy="720080"/>
+          </a:xfrm>
+          <a:prstGeom prst="straightConnector1">
+            <a:avLst/>
+          </a:prstGeom>
+          <a:ln>
+            <a:tailEnd type="arrow"/>
+          </a:ln>
+        </p:spPr>
+        <p:style>
+          <a:lnRef idx="1">
+            <a:schemeClr val="accent1"/>
+          </a:lnRef>
+          <a:fillRef idx="0">
+            <a:schemeClr val="accent1"/>
+          </a:fillRef>
+          <a:effectRef idx="0">
+            <a:schemeClr val="accent1"/>
+          </a:effectRef>
+          <a:fontRef idx="minor">
+            <a:schemeClr val="tx1"/>
+          </a:fontRef>
+        </p:style>
+      </p:cxnSp>
+      <p:sp>
+        <p:nvSpPr>
+          <p:cNvPr id="24" name="Oval 23"/>
+          <p:cNvSpPr/>
+          <p:nvPr/>
+        </p:nvSpPr>
+        <p:spPr>
+          <a:xfrm>
+            <a:off x="3131840" y="5877272"/>
+            <a:ext cx="2196244" cy="1080120"/>
+          </a:xfrm>
+          <a:prstGeom prst="ellipse">
+            <a:avLst/>
+          </a:prstGeom>
+        </p:spPr>
+        <p:style>
+          <a:lnRef idx="2">
+            <a:schemeClr val="accent1">
+              <a:shade val="50000"/>
+            </a:schemeClr>
+          </a:lnRef>
+          <a:fillRef idx="1">
+            <a:schemeClr val="accent1"/>
+          </a:fillRef>
+          <a:effectRef idx="0">
+            <a:schemeClr val="accent1"/>
+          </a:effectRef>
+          <a:fontRef idx="minor">
+            <a:schemeClr val="lt1"/>
+          </a:fontRef>
+        </p:style>
+        <p:txBody>
+          <a:bodyPr rtlCol="0" anchor="ctr"/>
+          <a:lstStyle/>
+          <a:p>
+            <a:pPr algn="ctr"/>
+            <a:r>
+              <a:rPr lang="en-US" dirty="0" smtClean="0"/>
+              <a:t>database</a:t>
+            </a:r>
+            <a:endParaRPr lang="en-IN" dirty="0"/>
+          </a:p>
+        </p:txBody>
+      </p:sp>
+    </p:spTree>
+    <p:extLst>
+      <p:ext uri="{BB962C8B-B14F-4D97-AF65-F5344CB8AC3E}">
+        <p14:creationId xmlns:p14="http://schemas.microsoft.com/office/powerpoint/2010/main" val="374294527"/>
+      </p:ext>
+    </p:extLst>
+  </p:cSld>
+  <p:clrMapOvr>
+    <a:masterClrMapping/>
+  </p:clrMapOvr>
+</p:sld>
+</file>
+
+<file path=ppt/slides/slide22.xml><?xml version="1.0" encoding="utf-8"?>
+<p:sld xmlns:a="http://schemas.openxmlformats.org/drawingml/2006/main" xmlns:r="http://schemas.openxmlformats.org/officeDocument/2006/relationships" xmlns:p="http://schemas.openxmlformats.org/presentationml/2006/main">
+  <p:cSld>
+    <p:spTree>
+      <p:nvGrpSpPr>
+        <p:cNvPr id="1" name=""/>
+        <p:cNvGrpSpPr/>
+        <p:nvPr/>
+      </p:nvGrpSpPr>
+      <p:grpSpPr>
+        <a:xfrm>
+          <a:off x="0" y="0"/>
+          <a:ext cx="0" cy="0"/>
+          <a:chOff x="0" y="0"/>
+          <a:chExt cx="0" cy="0"/>
+        </a:xfrm>
+      </p:grpSpPr>
+      <p:cxnSp>
+        <p:nvCxnSpPr>
+          <p:cNvPr id="2" name="Straight Arrow Connector 1"/>
+          <p:cNvCxnSpPr/>
+          <p:nvPr/>
+        </p:nvCxnSpPr>
+        <p:spPr>
+          <a:xfrm>
+            <a:off x="4231196" y="777427"/>
+            <a:ext cx="0" cy="432048"/>
+          </a:xfrm>
+          <a:prstGeom prst="straightConnector1">
+            <a:avLst/>
+          </a:prstGeom>
+          <a:ln>
+            <a:tailEnd type="arrow"/>
+          </a:ln>
+        </p:spPr>
+        <p:style>
+          <a:lnRef idx="1">
+            <a:schemeClr val="accent1"/>
+          </a:lnRef>
+          <a:fillRef idx="0">
+            <a:schemeClr val="accent1"/>
+          </a:fillRef>
+          <a:effectRef idx="0">
+            <a:schemeClr val="accent1"/>
+          </a:effectRef>
+          <a:fontRef idx="minor">
+            <a:schemeClr val="tx1"/>
+          </a:fontRef>
+        </p:style>
+      </p:cxnSp>
+      <p:sp>
+        <p:nvSpPr>
+          <p:cNvPr id="3" name="Oval 2"/>
+          <p:cNvSpPr/>
+          <p:nvPr/>
+        </p:nvSpPr>
+        <p:spPr>
+          <a:xfrm>
+            <a:off x="3182176" y="1209475"/>
+            <a:ext cx="2016224" cy="720080"/>
+          </a:xfrm>
+          <a:prstGeom prst="ellipse">
+            <a:avLst/>
+          </a:prstGeom>
+        </p:spPr>
+        <p:style>
+          <a:lnRef idx="2">
+            <a:schemeClr val="accent1">
+              <a:shade val="50000"/>
+            </a:schemeClr>
+          </a:lnRef>
+          <a:fillRef idx="1">
+            <a:schemeClr val="accent1"/>
+          </a:fillRef>
+          <a:effectRef idx="0">
+            <a:schemeClr val="accent1"/>
+          </a:effectRef>
+          <a:fontRef idx="minor">
+            <a:schemeClr val="lt1"/>
+          </a:fontRef>
+        </p:style>
+        <p:txBody>
+          <a:bodyPr rtlCol="0" anchor="ctr"/>
+          <a:lstStyle/>
+          <a:p>
+            <a:pPr algn="ctr"/>
+            <a:r>
+              <a:rPr lang="en-US" dirty="0" smtClean="0"/>
+              <a:t>Load balancer</a:t>
+            </a:r>
+            <a:endParaRPr lang="en-IN" dirty="0"/>
+          </a:p>
+        </p:txBody>
+      </p:sp>
+      <p:sp>
+        <p:nvSpPr>
+          <p:cNvPr id="5" name="Oval 4"/>
+          <p:cNvSpPr/>
+          <p:nvPr/>
+        </p:nvSpPr>
+        <p:spPr>
+          <a:xfrm>
+            <a:off x="3187080" y="2696977"/>
+            <a:ext cx="2016224" cy="720080"/>
+          </a:xfrm>
+          <a:prstGeom prst="ellipse">
+            <a:avLst/>
+          </a:prstGeom>
+        </p:spPr>
+        <p:style>
+          <a:lnRef idx="2">
+            <a:schemeClr val="accent1">
+              <a:shade val="50000"/>
+            </a:schemeClr>
+          </a:lnRef>
+          <a:fillRef idx="1">
+            <a:schemeClr val="accent1"/>
+          </a:fillRef>
+          <a:effectRef idx="0">
+            <a:schemeClr val="accent1"/>
+          </a:effectRef>
+          <a:fontRef idx="minor">
+            <a:schemeClr val="lt1"/>
+          </a:fontRef>
+        </p:style>
+        <p:txBody>
+          <a:bodyPr rtlCol="0" anchor="ctr"/>
+          <a:lstStyle/>
+          <a:p>
+            <a:pPr algn="ctr"/>
+            <a:r>
+              <a:rPr lang="en-US" dirty="0" err="1" smtClean="0"/>
+              <a:t>springBoot</a:t>
+            </a:r>
+            <a:r>
+              <a:rPr lang="en-US" dirty="0" smtClean="0"/>
+              <a:t> BE</a:t>
+            </a:r>
+            <a:endParaRPr lang="en-IN" dirty="0"/>
+          </a:p>
+        </p:txBody>
+      </p:sp>
+      <p:cxnSp>
+        <p:nvCxnSpPr>
+          <p:cNvPr id="7" name="Straight Arrow Connector 6"/>
+          <p:cNvCxnSpPr>
+            <a:endCxn id="5" idx="0"/>
+          </p:cNvCxnSpPr>
+          <p:nvPr/>
+        </p:nvCxnSpPr>
+        <p:spPr>
+          <a:xfrm>
+            <a:off x="4195192" y="1929555"/>
+            <a:ext cx="0" cy="767422"/>
+          </a:xfrm>
+          <a:prstGeom prst="straightConnector1">
+            <a:avLst/>
+          </a:prstGeom>
+          <a:ln>
+            <a:tailEnd type="arrow"/>
+          </a:ln>
+        </p:spPr>
+        <p:style>
+          <a:lnRef idx="1">
+            <a:schemeClr val="accent1"/>
+          </a:lnRef>
+          <a:fillRef idx="0">
+            <a:schemeClr val="accent1"/>
+          </a:fillRef>
+          <a:effectRef idx="0">
+            <a:schemeClr val="accent1"/>
+          </a:effectRef>
+          <a:fontRef idx="minor">
+            <a:schemeClr val="tx1"/>
+          </a:fontRef>
+        </p:style>
+      </p:cxnSp>
+      <p:cxnSp>
+        <p:nvCxnSpPr>
+          <p:cNvPr id="11" name="Straight Arrow Connector 10"/>
+          <p:cNvCxnSpPr/>
+          <p:nvPr/>
+        </p:nvCxnSpPr>
+        <p:spPr>
+          <a:xfrm flipV="1">
+            <a:off x="4427984" y="1929555"/>
+            <a:ext cx="0" cy="767422"/>
+          </a:xfrm>
+          <a:prstGeom prst="straightConnector1">
+            <a:avLst/>
+          </a:prstGeom>
+          <a:ln>
+            <a:tailEnd type="arrow"/>
+          </a:ln>
+        </p:spPr>
+        <p:style>
+          <a:lnRef idx="1">
+            <a:schemeClr val="accent1"/>
+          </a:lnRef>
+          <a:fillRef idx="0">
+            <a:schemeClr val="accent1"/>
+          </a:fillRef>
+          <a:effectRef idx="0">
+            <a:schemeClr val="accent1"/>
+          </a:effectRef>
+          <a:fontRef idx="minor">
+            <a:schemeClr val="tx1"/>
+          </a:fontRef>
+        </p:style>
+      </p:cxnSp>
+      <p:cxnSp>
+        <p:nvCxnSpPr>
+          <p:cNvPr id="13" name="Straight Arrow Connector 12"/>
+          <p:cNvCxnSpPr/>
+          <p:nvPr/>
+        </p:nvCxnSpPr>
+        <p:spPr>
+          <a:xfrm flipV="1">
+            <a:off x="4427984" y="777427"/>
+            <a:ext cx="0" cy="432048"/>
+          </a:xfrm>
+          <a:prstGeom prst="straightConnector1">
+            <a:avLst/>
+          </a:prstGeom>
+          <a:ln>
+            <a:tailEnd type="arrow"/>
+          </a:ln>
+        </p:spPr>
+        <p:style>
+          <a:lnRef idx="1">
+            <a:schemeClr val="accent1"/>
+          </a:lnRef>
+          <a:fillRef idx="0">
+            <a:schemeClr val="accent1"/>
+          </a:fillRef>
+          <a:effectRef idx="0">
+            <a:schemeClr val="accent1"/>
+          </a:effectRef>
+          <a:fontRef idx="minor">
+            <a:schemeClr val="tx1"/>
+          </a:fontRef>
+        </p:style>
+      </p:cxnSp>
+      <p:sp>
+        <p:nvSpPr>
+          <p:cNvPr id="14" name="TextBox 13"/>
+          <p:cNvSpPr txBox="1"/>
+          <p:nvPr/>
+        </p:nvSpPr>
+        <p:spPr>
+          <a:xfrm>
+            <a:off x="3635896" y="404664"/>
+            <a:ext cx="1656184" cy="369332"/>
+          </a:xfrm>
+          <a:prstGeom prst="rect">
+            <a:avLst/>
+          </a:prstGeom>
+          <a:noFill/>
+        </p:spPr>
+        <p:txBody>
+          <a:bodyPr wrap="square" rtlCol="0">
+            <a:spAutoFit/>
+          </a:bodyPr>
+          <a:lstStyle/>
+          <a:p>
+            <a:r>
+              <a:rPr lang="en-US" dirty="0" smtClean="0"/>
+              <a:t>client</a:t>
+            </a:r>
+            <a:endParaRPr lang="en-IN" dirty="0"/>
+          </a:p>
+        </p:txBody>
+      </p:sp>
+      <p:sp>
+        <p:nvSpPr>
+          <p:cNvPr id="15" name="TextBox 14"/>
+          <p:cNvSpPr txBox="1"/>
+          <p:nvPr/>
+        </p:nvSpPr>
+        <p:spPr>
+          <a:xfrm>
+            <a:off x="5436096" y="2924944"/>
+            <a:ext cx="1512168" cy="369332"/>
+          </a:xfrm>
+          <a:prstGeom prst="rect">
+            <a:avLst/>
+          </a:prstGeom>
+          <a:noFill/>
+        </p:spPr>
+        <p:txBody>
+          <a:bodyPr wrap="square" rtlCol="0">
+            <a:spAutoFit/>
+          </a:bodyPr>
+          <a:lstStyle/>
+          <a:p>
+            <a:r>
+              <a:rPr lang="en-US" dirty="0" smtClean="0"/>
+              <a:t>5 sec</a:t>
+            </a:r>
+            <a:endParaRPr lang="en-IN" dirty="0"/>
+          </a:p>
+        </p:txBody>
+      </p:sp>
+    </p:spTree>
+    <p:extLst>
+      <p:ext uri="{BB962C8B-B14F-4D97-AF65-F5344CB8AC3E}">
+        <p14:creationId xmlns:p14="http://schemas.microsoft.com/office/powerpoint/2010/main" val="1852683972"/>
+      </p:ext>
+    </p:extLst>
+  </p:cSld>
+  <p:clrMapOvr>
+    <a:masterClrMapping/>
+  </p:clrMapOvr>
+</p:sld>
+</file>
+
+<file path=ppt/slides/slide23.xml><?xml version="1.0" encoding="utf-8"?>
+<p:sld xmlns:a="http://schemas.openxmlformats.org/drawingml/2006/main" xmlns:r="http://schemas.openxmlformats.org/officeDocument/2006/relationships" xmlns:p="http://schemas.openxmlformats.org/presentationml/2006/main">
+  <p:cSld>
+    <p:spTree>
+      <p:nvGrpSpPr>
+        <p:cNvPr id="1" name=""/>
+        <p:cNvGrpSpPr/>
+        <p:nvPr/>
+      </p:nvGrpSpPr>
+      <p:grpSpPr>
+        <a:xfrm>
+          <a:off x="0" y="0"/>
+          <a:ext cx="0" cy="0"/>
+          <a:chOff x="0" y="0"/>
+          <a:chExt cx="0" cy="0"/>
+        </a:xfrm>
+      </p:grpSpPr>
+      <p:cxnSp>
+        <p:nvCxnSpPr>
+          <p:cNvPr id="2" name="Straight Arrow Connector 1"/>
+          <p:cNvCxnSpPr/>
+          <p:nvPr/>
+        </p:nvCxnSpPr>
+        <p:spPr>
+          <a:xfrm>
+            <a:off x="4231196" y="777427"/>
+            <a:ext cx="0" cy="432048"/>
+          </a:xfrm>
+          <a:prstGeom prst="straightConnector1">
+            <a:avLst/>
+          </a:prstGeom>
+          <a:ln>
+            <a:tailEnd type="arrow"/>
+          </a:ln>
+        </p:spPr>
+        <p:style>
+          <a:lnRef idx="1">
+            <a:schemeClr val="accent1"/>
+          </a:lnRef>
+          <a:fillRef idx="0">
+            <a:schemeClr val="accent1"/>
+          </a:fillRef>
+          <a:effectRef idx="0">
+            <a:schemeClr val="accent1"/>
+          </a:effectRef>
+          <a:fontRef idx="minor">
+            <a:schemeClr val="tx1"/>
+          </a:fontRef>
+        </p:style>
+      </p:cxnSp>
+      <p:sp>
+        <p:nvSpPr>
+          <p:cNvPr id="3" name="Oval 2"/>
+          <p:cNvSpPr/>
+          <p:nvPr/>
+        </p:nvSpPr>
+        <p:spPr>
+          <a:xfrm>
+            <a:off x="2853426" y="1052078"/>
+            <a:ext cx="2016224" cy="720080"/>
+          </a:xfrm>
+          <a:prstGeom prst="ellipse">
+            <a:avLst/>
+          </a:prstGeom>
+        </p:spPr>
+        <p:style>
+          <a:lnRef idx="2">
+            <a:schemeClr val="accent1">
+              <a:shade val="50000"/>
+            </a:schemeClr>
+          </a:lnRef>
+          <a:fillRef idx="1">
+            <a:schemeClr val="accent1"/>
+          </a:fillRef>
+          <a:effectRef idx="0">
+            <a:schemeClr val="accent1"/>
+          </a:effectRef>
+          <a:fontRef idx="minor">
+            <a:schemeClr val="lt1"/>
+          </a:fontRef>
+        </p:style>
+        <p:txBody>
+          <a:bodyPr rtlCol="0" anchor="ctr"/>
+          <a:lstStyle/>
+          <a:p>
+            <a:pPr algn="ctr"/>
+            <a:r>
+              <a:rPr lang="en-US" dirty="0" smtClean="0"/>
+              <a:t>Service-discovery</a:t>
+            </a:r>
+            <a:endParaRPr lang="en-IN" dirty="0"/>
+          </a:p>
+        </p:txBody>
+      </p:sp>
+      <p:sp>
+        <p:nvSpPr>
+          <p:cNvPr id="4" name="Oval 3"/>
+          <p:cNvSpPr/>
+          <p:nvPr/>
+        </p:nvSpPr>
+        <p:spPr>
+          <a:xfrm>
+            <a:off x="3187080" y="2696977"/>
+            <a:ext cx="2016224" cy="720080"/>
+          </a:xfrm>
+          <a:prstGeom prst="ellipse">
+            <a:avLst/>
+          </a:prstGeom>
+        </p:spPr>
+        <p:style>
+          <a:lnRef idx="2">
+            <a:schemeClr val="accent1">
+              <a:shade val="50000"/>
+            </a:schemeClr>
+          </a:lnRef>
+          <a:fillRef idx="1">
+            <a:schemeClr val="accent1"/>
+          </a:fillRef>
+          <a:effectRef idx="0">
+            <a:schemeClr val="accent1"/>
+          </a:effectRef>
+          <a:fontRef idx="minor">
+            <a:schemeClr val="lt1"/>
+          </a:fontRef>
+        </p:style>
+        <p:txBody>
+          <a:bodyPr rtlCol="0" anchor="ctr"/>
+          <a:lstStyle/>
+          <a:p>
+            <a:pPr algn="ctr"/>
+            <a:r>
+              <a:rPr lang="en-US" dirty="0" err="1" smtClean="0"/>
+              <a:t>springBoot</a:t>
+            </a:r>
+            <a:r>
+              <a:rPr lang="en-US" dirty="0" smtClean="0"/>
+              <a:t> BE</a:t>
+            </a:r>
+            <a:endParaRPr lang="en-IN" dirty="0"/>
+          </a:p>
+        </p:txBody>
+      </p:sp>
+      <p:cxnSp>
+        <p:nvCxnSpPr>
+          <p:cNvPr id="7" name="Straight Arrow Connector 6"/>
+          <p:cNvCxnSpPr/>
+          <p:nvPr/>
+        </p:nvCxnSpPr>
+        <p:spPr>
+          <a:xfrm flipV="1">
+            <a:off x="4427984" y="777427"/>
+            <a:ext cx="0" cy="432048"/>
+          </a:xfrm>
+          <a:prstGeom prst="straightConnector1">
+            <a:avLst/>
+          </a:prstGeom>
+          <a:ln>
+            <a:tailEnd type="arrow"/>
+          </a:ln>
+        </p:spPr>
+        <p:style>
+          <a:lnRef idx="1">
+            <a:schemeClr val="accent1"/>
+          </a:lnRef>
+          <a:fillRef idx="0">
+            <a:schemeClr val="accent1"/>
+          </a:fillRef>
+          <a:effectRef idx="0">
+            <a:schemeClr val="accent1"/>
+          </a:effectRef>
+          <a:fontRef idx="minor">
+            <a:schemeClr val="tx1"/>
+          </a:fontRef>
+        </p:style>
+      </p:cxnSp>
+      <p:sp>
+        <p:nvSpPr>
+          <p:cNvPr id="8" name="TextBox 7"/>
+          <p:cNvSpPr txBox="1"/>
+          <p:nvPr/>
+        </p:nvSpPr>
+        <p:spPr>
+          <a:xfrm>
+            <a:off x="3367100" y="404664"/>
+            <a:ext cx="1656184" cy="369332"/>
+          </a:xfrm>
+          <a:prstGeom prst="rect">
+            <a:avLst/>
+          </a:prstGeom>
+          <a:noFill/>
+        </p:spPr>
+        <p:txBody>
+          <a:bodyPr wrap="square" rtlCol="0">
+            <a:spAutoFit/>
+          </a:bodyPr>
+          <a:lstStyle/>
+          <a:p>
+            <a:r>
+              <a:rPr lang="en-US" dirty="0" smtClean="0"/>
+              <a:t>client</a:t>
+            </a:r>
+            <a:endParaRPr lang="en-IN" dirty="0"/>
+          </a:p>
+        </p:txBody>
+      </p:sp>
+      <p:sp>
+        <p:nvSpPr>
+          <p:cNvPr id="9" name="TextBox 8"/>
+          <p:cNvSpPr txBox="1"/>
+          <p:nvPr/>
+        </p:nvSpPr>
+        <p:spPr>
+          <a:xfrm>
+            <a:off x="5436096" y="2924944"/>
+            <a:ext cx="1512168" cy="369332"/>
+          </a:xfrm>
+          <a:prstGeom prst="rect">
+            <a:avLst/>
+          </a:prstGeom>
+          <a:noFill/>
+        </p:spPr>
+        <p:txBody>
+          <a:bodyPr wrap="square" rtlCol="0">
+            <a:spAutoFit/>
+          </a:bodyPr>
+          <a:lstStyle/>
+          <a:p>
+            <a:r>
+              <a:rPr lang="en-US" dirty="0" smtClean="0"/>
+              <a:t>5 sec</a:t>
+            </a:r>
+            <a:endParaRPr lang="en-IN" dirty="0"/>
+          </a:p>
+        </p:txBody>
+      </p:sp>
+      <p:sp>
+        <p:nvSpPr>
+          <p:cNvPr id="11" name="TextBox 10"/>
+          <p:cNvSpPr txBox="1"/>
+          <p:nvPr/>
+        </p:nvSpPr>
+        <p:spPr>
+          <a:xfrm>
+            <a:off x="4499992" y="841580"/>
+            <a:ext cx="3168352" cy="369332"/>
+          </a:xfrm>
+          <a:prstGeom prst="rect">
+            <a:avLst/>
+          </a:prstGeom>
+          <a:noFill/>
+        </p:spPr>
+        <p:txBody>
+          <a:bodyPr wrap="square" rtlCol="0">
+            <a:spAutoFit/>
+          </a:bodyPr>
+          <a:lstStyle/>
+          <a:p>
+            <a:r>
+              <a:rPr lang="en-US" dirty="0" smtClean="0">
+                <a:hlinkClick r:id="rId2"/>
+              </a:rPr>
+              <a:t>http://sprinboot</a:t>
+            </a:r>
+            <a:r>
+              <a:rPr lang="en-US" dirty="0" smtClean="0"/>
+              <a:t> </a:t>
+            </a:r>
+            <a:r>
+              <a:rPr lang="en-US" dirty="0" err="1" smtClean="0"/>
+              <a:t>url</a:t>
+            </a:r>
+            <a:endParaRPr lang="en-IN" dirty="0"/>
+          </a:p>
+        </p:txBody>
+      </p:sp>
+      <p:cxnSp>
+        <p:nvCxnSpPr>
+          <p:cNvPr id="13" name="Elbow Connector 12"/>
+          <p:cNvCxnSpPr/>
+          <p:nvPr/>
+        </p:nvCxnSpPr>
+        <p:spPr>
+          <a:xfrm rot="16200000" flipH="1">
+            <a:off x="1595472" y="1436976"/>
+            <a:ext cx="2335889" cy="847328"/>
+          </a:xfrm>
+          <a:prstGeom prst="bentConnector3">
+            <a:avLst/>
+          </a:prstGeom>
+          <a:ln>
+            <a:tailEnd type="arrow"/>
+          </a:ln>
+        </p:spPr>
+        <p:style>
+          <a:lnRef idx="1">
+            <a:schemeClr val="accent1"/>
+          </a:lnRef>
+          <a:fillRef idx="0">
+            <a:schemeClr val="accent1"/>
+          </a:fillRef>
+          <a:effectRef idx="0">
+            <a:schemeClr val="accent1"/>
+          </a:effectRef>
+          <a:fontRef idx="minor">
+            <a:schemeClr val="tx1"/>
+          </a:fontRef>
+        </p:style>
+      </p:cxnSp>
+      <p:cxnSp>
+        <p:nvCxnSpPr>
+          <p:cNvPr id="16" name="Straight Arrow Connector 15"/>
+          <p:cNvCxnSpPr>
+            <a:stCxn id="8" idx="1"/>
+          </p:cNvCxnSpPr>
+          <p:nvPr/>
+        </p:nvCxnSpPr>
+        <p:spPr>
+          <a:xfrm flipH="1">
+            <a:off x="2339752" y="589330"/>
+            <a:ext cx="1027348" cy="103365"/>
+          </a:xfrm>
+          <a:prstGeom prst="straightConnector1">
+            <a:avLst/>
+          </a:prstGeom>
+          <a:ln>
+            <a:tailEnd type="arrow"/>
+          </a:ln>
+        </p:spPr>
+        <p:style>
+          <a:lnRef idx="1">
+            <a:schemeClr val="accent1"/>
+          </a:lnRef>
+          <a:fillRef idx="0">
+            <a:schemeClr val="accent1"/>
+          </a:fillRef>
+          <a:effectRef idx="0">
+            <a:schemeClr val="accent1"/>
+          </a:effectRef>
+          <a:fontRef idx="minor">
+            <a:schemeClr val="tx1"/>
+          </a:fontRef>
+        </p:style>
+      </p:cxnSp>
+      <p:cxnSp>
+        <p:nvCxnSpPr>
+          <p:cNvPr id="20" name="Straight Connector 19"/>
+          <p:cNvCxnSpPr>
+            <a:stCxn id="3" idx="4"/>
+            <a:endCxn id="4" idx="0"/>
+          </p:cNvCxnSpPr>
+          <p:nvPr/>
+        </p:nvCxnSpPr>
+        <p:spPr>
+          <a:xfrm>
+            <a:off x="3861538" y="1772158"/>
+            <a:ext cx="333654" cy="924819"/>
+          </a:xfrm>
+          <a:prstGeom prst="line">
+            <a:avLst/>
+          </a:prstGeom>
+        </p:spPr>
+        <p:style>
+          <a:lnRef idx="1">
+            <a:schemeClr val="accent1"/>
+          </a:lnRef>
+          <a:fillRef idx="0">
+            <a:schemeClr val="accent1"/>
+          </a:fillRef>
+          <a:effectRef idx="0">
+            <a:schemeClr val="accent1"/>
+          </a:effectRef>
+          <a:fontRef idx="minor">
+            <a:schemeClr val="tx1"/>
+          </a:fontRef>
+        </p:style>
+      </p:cxnSp>
+      <p:sp>
+        <p:nvSpPr>
+          <p:cNvPr id="21" name="TextBox 20"/>
+          <p:cNvSpPr txBox="1"/>
+          <p:nvPr/>
+        </p:nvSpPr>
+        <p:spPr>
+          <a:xfrm>
+            <a:off x="539552" y="4581128"/>
+            <a:ext cx="5976664" cy="369332"/>
+          </a:xfrm>
+          <a:prstGeom prst="rect">
+            <a:avLst/>
+          </a:prstGeom>
+          <a:noFill/>
+        </p:spPr>
+        <p:txBody>
+          <a:bodyPr wrap="square" rtlCol="0">
+            <a:spAutoFit/>
+          </a:bodyPr>
+          <a:lstStyle/>
+          <a:p>
+            <a:r>
+              <a:rPr lang="en-US" dirty="0" smtClean="0"/>
+              <a:t>Request processing becomes faster</a:t>
+            </a:r>
+            <a:endParaRPr lang="en-IN" dirty="0"/>
+          </a:p>
+        </p:txBody>
+      </p:sp>
+      <p:cxnSp>
+        <p:nvCxnSpPr>
+          <p:cNvPr id="23" name="Straight Arrow Connector 22"/>
+          <p:cNvCxnSpPr>
+            <a:stCxn id="3" idx="6"/>
+          </p:cNvCxnSpPr>
+          <p:nvPr/>
+        </p:nvCxnSpPr>
+        <p:spPr>
+          <a:xfrm>
+            <a:off x="4869650" y="1412118"/>
+            <a:ext cx="952872" cy="131293"/>
+          </a:xfrm>
+          <a:prstGeom prst="straightConnector1">
+            <a:avLst/>
+          </a:prstGeom>
+          <a:ln>
+            <a:tailEnd type="arrow"/>
+          </a:ln>
+        </p:spPr>
+        <p:style>
+          <a:lnRef idx="1">
+            <a:schemeClr val="accent1"/>
+          </a:lnRef>
+          <a:fillRef idx="0">
+            <a:schemeClr val="accent1"/>
+          </a:fillRef>
+          <a:effectRef idx="0">
+            <a:schemeClr val="accent1"/>
+          </a:effectRef>
+          <a:fontRef idx="minor">
+            <a:schemeClr val="tx1"/>
+          </a:fontRef>
+        </p:style>
+      </p:cxnSp>
+      <p:sp>
+        <p:nvSpPr>
+          <p:cNvPr id="24" name="TextBox 23"/>
+          <p:cNvSpPr txBox="1"/>
+          <p:nvPr/>
+        </p:nvSpPr>
+        <p:spPr>
+          <a:xfrm>
+            <a:off x="6300192" y="1569515"/>
+            <a:ext cx="2952328" cy="3139321"/>
+          </a:xfrm>
+          <a:prstGeom prst="rect">
+            <a:avLst/>
+          </a:prstGeom>
+          <a:noFill/>
+        </p:spPr>
+        <p:txBody>
+          <a:bodyPr wrap="square" rtlCol="0">
+            <a:spAutoFit/>
+          </a:bodyPr>
+          <a:lstStyle/>
+          <a:p>
+            <a:r>
+              <a:rPr lang="en-US" dirty="0" smtClean="0"/>
+              <a:t>It can also be created by </a:t>
+            </a:r>
+            <a:r>
+              <a:rPr lang="en-US" dirty="0" err="1" smtClean="0"/>
+              <a:t>springboot</a:t>
+            </a:r>
+            <a:r>
+              <a:rPr lang="en-US" dirty="0" smtClean="0"/>
+              <a:t/>
+            </a:r>
+            <a:br>
+              <a:rPr lang="en-US" dirty="0" smtClean="0"/>
+            </a:br>
+            <a:r>
+              <a:rPr lang="en-US" dirty="0" smtClean="0"/>
+              <a:t/>
+            </a:r>
+            <a:br>
+              <a:rPr lang="en-US" dirty="0" smtClean="0"/>
+            </a:br>
+            <a:r>
+              <a:rPr lang="en-US" dirty="0" smtClean="0"/>
+              <a:t>Login-service</a:t>
+            </a:r>
+            <a:br>
+              <a:rPr lang="en-US" dirty="0" smtClean="0"/>
+            </a:br>
+            <a:r>
+              <a:rPr lang="en-US" dirty="0" smtClean="0"/>
+              <a:t>Register-service</a:t>
+            </a:r>
+          </a:p>
+          <a:p>
+            <a:endParaRPr lang="en-US" dirty="0"/>
+          </a:p>
+          <a:p>
+            <a:r>
+              <a:rPr lang="en-US" dirty="0" smtClean="0"/>
+              <a:t>I should register both service in service discovery</a:t>
+            </a:r>
+          </a:p>
+          <a:p>
+            <a:endParaRPr lang="en-US" dirty="0"/>
+          </a:p>
+          <a:p>
+            <a:endParaRPr lang="en-US" dirty="0" smtClean="0"/>
+          </a:p>
+          <a:p>
+            <a:endParaRPr lang="en-IN" dirty="0"/>
+          </a:p>
+        </p:txBody>
+      </p:sp>
+      <p:sp>
+        <p:nvSpPr>
+          <p:cNvPr id="25" name="Oval 24"/>
+          <p:cNvSpPr/>
+          <p:nvPr/>
+        </p:nvSpPr>
+        <p:spPr>
+          <a:xfrm>
+            <a:off x="6444208" y="4005064"/>
+            <a:ext cx="2699792" cy="2304256"/>
+          </a:xfrm>
+          <a:prstGeom prst="ellipse">
+            <a:avLst/>
+          </a:prstGeom>
+        </p:spPr>
+        <p:style>
+          <a:lnRef idx="2">
+            <a:schemeClr val="accent1">
+              <a:shade val="50000"/>
+            </a:schemeClr>
+          </a:lnRef>
+          <a:fillRef idx="1">
+            <a:schemeClr val="accent1"/>
+          </a:fillRef>
+          <a:effectRef idx="0">
+            <a:schemeClr val="accent1"/>
+          </a:effectRef>
+          <a:fontRef idx="minor">
+            <a:schemeClr val="lt1"/>
+          </a:fontRef>
+        </p:style>
+        <p:txBody>
+          <a:bodyPr rtlCol="0" anchor="ctr"/>
+          <a:lstStyle/>
+          <a:p>
+            <a:pPr algn="ctr"/>
+            <a:r>
+              <a:rPr lang="en-US" dirty="0" smtClean="0"/>
+              <a:t>Login </a:t>
+            </a:r>
+            <a:r>
+              <a:rPr lang="en-US" dirty="0" err="1" smtClean="0"/>
+              <a:t>servce</a:t>
+            </a:r>
+            <a:r>
+              <a:rPr lang="en-US" dirty="0" err="1" smtClean="0">
+                <a:sym typeface="Wingdings" pitchFamily="2" charset="2"/>
+              </a:rPr>
+              <a:t>http:login-sevice</a:t>
+            </a:r>
+            <a:r>
+              <a:rPr lang="en-US" dirty="0" smtClean="0">
+                <a:sym typeface="Wingdings" pitchFamily="2" charset="2"/>
+              </a:rPr>
+              <a:t>/login</a:t>
+            </a:r>
+            <a:br>
+              <a:rPr lang="en-US" dirty="0" smtClean="0">
+                <a:sym typeface="Wingdings" pitchFamily="2" charset="2"/>
+              </a:rPr>
+            </a:br>
+            <a:r>
+              <a:rPr lang="en-US" dirty="0" smtClean="0">
+                <a:sym typeface="Wingdings" pitchFamily="2" charset="2"/>
+              </a:rPr>
+              <a:t/>
+            </a:r>
+            <a:br>
+              <a:rPr lang="en-US" dirty="0" smtClean="0">
+                <a:sym typeface="Wingdings" pitchFamily="2" charset="2"/>
+              </a:rPr>
+            </a:br>
+            <a:r>
+              <a:rPr lang="en-US" dirty="0" smtClean="0">
+                <a:sym typeface="Wingdings" pitchFamily="2" charset="2"/>
+              </a:rPr>
+              <a:t>register………</a:t>
+            </a:r>
+            <a:endParaRPr lang="en-IN" dirty="0"/>
+          </a:p>
+        </p:txBody>
+      </p:sp>
+    </p:spTree>
+    <p:extLst>
+      <p:ext uri="{BB962C8B-B14F-4D97-AF65-F5344CB8AC3E}">
+        <p14:creationId xmlns:p14="http://schemas.microsoft.com/office/powerpoint/2010/main" val="603036689"/>
       </p:ext>
     </p:extLst>
   </p:cSld>
@@ -9055,4 +11177,289 @@
   <a:objectDefaults/>
   <a:extraClrSchemeLst/>
 </a:theme>
+</file>
+
+<file path=ppt/theme/theme2.xml><?xml version="1.0" encoding="utf-8"?>
+<a:theme xmlns:a="http://schemas.openxmlformats.org/drawingml/2006/main" name="Office Theme">
+  <a:themeElements>
+    <a:clrScheme name="Office">
+      <a:dk1>
+        <a:sysClr val="windowText" lastClr="000000"/>
+      </a:dk1>
+      <a:lt1>
+        <a:sysClr val="window" lastClr="FFFFFF"/>
+      </a:lt1>
+      <a:dk2>
+        <a:srgbClr val="1F497D"/>
+      </a:dk2>
+      <a:lt2>
+        <a:srgbClr val="EEECE1"/>
+      </a:lt2>
+      <a:accent1>
+        <a:srgbClr val="4F81BD"/>
+      </a:accent1>
+      <a:accent2>
+        <a:srgbClr val="C0504D"/>
+      </a:accent2>
+      <a:accent3>
+        <a:srgbClr val="9BBB59"/>
+      </a:accent3>
+      <a:accent4>
+        <a:srgbClr val="8064A2"/>
+      </a:accent4>
+      <a:accent5>
+        <a:srgbClr val="4BACC6"/>
+      </a:accent5>
+      <a:accent6>
+        <a:srgbClr val="F79646"/>
+      </a:accent6>
+      <a:hlink>
+        <a:srgbClr val="0000FF"/>
+      </a:hlink>
+      <a:folHlink>
+        <a:srgbClr val="800080"/>
+      </a:folHlink>
+    </a:clrScheme>
+    <a:fontScheme name="Office">
+      <a:majorFont>
+        <a:latin typeface="Calibri"/>
+        <a:ea typeface=""/>
+        <a:cs typeface=""/>
+        <a:font script="Jpan" typeface="ＭＳ Ｐゴシック"/>
+        <a:font script="Hang" typeface="맑은 고딕"/>
+        <a:font script="Hans" typeface="宋体"/>
+        <a:font script="Hant" typeface="新細明體"/>
+        <a:font script="Arab" typeface="Times New Roman"/>
+        <a:font script="Hebr" typeface="Times New Roman"/>
+        <a:font script="Thai" typeface="Angsana New"/>
+        <a:font script="Ethi" typeface="Nyala"/>
+        <a:font script="Beng" typeface="Vrinda"/>
+        <a:font script="Gujr" typeface="Shruti"/>
+        <a:font script="Khmr" typeface="MoolBoran"/>
+        <a:font script="Knda" typeface="Tunga"/>
+        <a:font script="Guru" typeface="Raavi"/>
+        <a:font script="Cans" typeface="Euphemia"/>
+        <a:font script="Cher" typeface="Plantagenet Cherokee"/>
+        <a:font script="Yiii" typeface="Microsoft Yi Baiti"/>
+        <a:font script="Tibt" typeface="Microsoft Himalaya"/>
+        <a:font script="Thaa" typeface="MV Boli"/>
+        <a:font script="Deva" typeface="Mangal"/>
+        <a:font script="Telu" typeface="Gautami"/>
+        <a:font script="Taml" typeface="Latha"/>
+        <a:font script="Syrc" typeface="Estrangelo Edessa"/>
+        <a:font script="Orya" typeface="Kalinga"/>
+        <a:font script="Mlym" typeface="Kartika"/>
+        <a:font script="Laoo" typeface="DokChampa"/>
+        <a:font script="Sinh" typeface="Iskoola Pota"/>
+        <a:font script="Mong" typeface="Mongolian Baiti"/>
+        <a:font script="Viet" typeface="Times New Roman"/>
+        <a:font script="Uigh" typeface="Microsoft Uighur"/>
+        <a:font script="Geor" typeface="Sylfaen"/>
+      </a:majorFont>
+      <a:minorFont>
+        <a:latin typeface="Calibri"/>
+        <a:ea typeface=""/>
+        <a:cs typeface=""/>
+        <a:font script="Jpan" typeface="ＭＳ Ｐゴシック"/>
+        <a:font script="Hang" typeface="맑은 고딕"/>
+        <a:font script="Hans" typeface="宋体"/>
+        <a:font script="Hant" typeface="新細明體"/>
+        <a:font script="Arab" typeface="Arial"/>
+        <a:font script="Hebr" typeface="Arial"/>
+        <a:font script="Thai" typeface="Cordia New"/>
+        <a:font script="Ethi" typeface="Nyala"/>
+        <a:font script="Beng" typeface="Vrinda"/>
+        <a:font script="Gujr" typeface="Shruti"/>
+        <a:font script="Khmr" typeface="DaunPenh"/>
+        <a:font script="Knda" typeface="Tunga"/>
+        <a:font script="Guru" typeface="Raavi"/>
+        <a:font script="Cans" typeface="Euphemia"/>
+        <a:font script="Cher" typeface="Plantagenet Cherokee"/>
+        <a:font script="Yiii" typeface="Microsoft Yi Baiti"/>
+        <a:font script="Tibt" typeface="Microsoft Himalaya"/>
+        <a:font script="Thaa" typeface="MV Boli"/>
+        <a:font script="Deva" typeface="Mangal"/>
+        <a:font script="Telu" typeface="Gautami"/>
+        <a:font script="Taml" typeface="Latha"/>
+        <a:font script="Syrc" typeface="Estrangelo Edessa"/>
+        <a:font script="Orya" typeface="Kalinga"/>
+        <a:font script="Mlym" typeface="Kartika"/>
+        <a:font script="Laoo" typeface="DokChampa"/>
+        <a:font script="Sinh" typeface="Iskoola Pota"/>
+        <a:font script="Mong" typeface="Mongolian Baiti"/>
+        <a:font script="Viet" typeface="Arial"/>
+        <a:font script="Uigh" typeface="Microsoft Uighur"/>
+        <a:font script="Geor" typeface="Sylfaen"/>
+      </a:minorFont>
+    </a:fontScheme>
+    <a:fmtScheme name="Office">
+      <a:fillStyleLst>
+        <a:solidFill>
+          <a:schemeClr val="phClr"/>
+        </a:solidFill>
+        <a:gradFill rotWithShape="1">
+          <a:gsLst>
+            <a:gs pos="0">
+              <a:schemeClr val="phClr">
+                <a:tint val="50000"/>
+                <a:satMod val="300000"/>
+              </a:schemeClr>
+            </a:gs>
+            <a:gs pos="35000">
+              <a:schemeClr val="phClr">
+                <a:tint val="37000"/>
+                <a:satMod val="300000"/>
+              </a:schemeClr>
+            </a:gs>
+            <a:gs pos="100000">
+              <a:schemeClr val="phClr">
+                <a:tint val="15000"/>
+                <a:satMod val="350000"/>
+              </a:schemeClr>
+            </a:gs>
+          </a:gsLst>
+          <a:lin ang="16200000" scaled="1"/>
+        </a:gradFill>
+        <a:gradFill rotWithShape="1">
+          <a:gsLst>
+            <a:gs pos="0">
+              <a:schemeClr val="phClr">
+                <a:shade val="51000"/>
+                <a:satMod val="130000"/>
+              </a:schemeClr>
+            </a:gs>
+            <a:gs pos="80000">
+              <a:schemeClr val="phClr">
+                <a:shade val="93000"/>
+                <a:satMod val="130000"/>
+              </a:schemeClr>
+            </a:gs>
+            <a:gs pos="100000">
+              <a:schemeClr val="phClr">
+                <a:shade val="94000"/>
+                <a:satMod val="135000"/>
+              </a:schemeClr>
+            </a:gs>
+          </a:gsLst>
+          <a:lin ang="16200000" scaled="0"/>
+        </a:gradFill>
+      </a:fillStyleLst>
+      <a:lnStyleLst>
+        <a:ln w="9525" cap="flat" cmpd="sng" algn="ctr">
+          <a:solidFill>
+            <a:schemeClr val="phClr">
+              <a:shade val="95000"/>
+              <a:satMod val="105000"/>
+            </a:schemeClr>
+          </a:solidFill>
+          <a:prstDash val="solid"/>
+        </a:ln>
+        <a:ln w="25400" cap="flat" cmpd="sng" algn="ctr">
+          <a:solidFill>
+            <a:schemeClr val="phClr"/>
+          </a:solidFill>
+          <a:prstDash val="solid"/>
+        </a:ln>
+        <a:ln w="38100" cap="flat" cmpd="sng" algn="ctr">
+          <a:solidFill>
+            <a:schemeClr val="phClr"/>
+          </a:solidFill>
+          <a:prstDash val="solid"/>
+        </a:ln>
+      </a:lnStyleLst>
+      <a:effectStyleLst>
+        <a:effectStyle>
+          <a:effectLst>
+            <a:outerShdw blurRad="40000" dist="20000" dir="5400000" rotWithShape="0">
+              <a:srgbClr val="000000">
+                <a:alpha val="38000"/>
+              </a:srgbClr>
+            </a:outerShdw>
+          </a:effectLst>
+        </a:effectStyle>
+        <a:effectStyle>
+          <a:effectLst>
+            <a:outerShdw blurRad="40000" dist="23000" dir="5400000" rotWithShape="0">
+              <a:srgbClr val="000000">
+                <a:alpha val="35000"/>
+              </a:srgbClr>
+            </a:outerShdw>
+          </a:effectLst>
+        </a:effectStyle>
+        <a:effectStyle>
+          <a:effectLst>
+            <a:outerShdw blurRad="40000" dist="23000" dir="5400000" rotWithShape="0">
+              <a:srgbClr val="000000">
+                <a:alpha val="35000"/>
+              </a:srgbClr>
+            </a:outerShdw>
+          </a:effectLst>
+          <a:scene3d>
+            <a:camera prst="orthographicFront">
+              <a:rot lat="0" lon="0" rev="0"/>
+            </a:camera>
+            <a:lightRig rig="threePt" dir="t">
+              <a:rot lat="0" lon="0" rev="1200000"/>
+            </a:lightRig>
+          </a:scene3d>
+          <a:sp3d>
+            <a:bevelT w="63500" h="25400"/>
+          </a:sp3d>
+        </a:effectStyle>
+      </a:effectStyleLst>
+      <a:bgFillStyleLst>
+        <a:solidFill>
+          <a:schemeClr val="phClr"/>
+        </a:solidFill>
+        <a:gradFill rotWithShape="1">
+          <a:gsLst>
+            <a:gs pos="0">
+              <a:schemeClr val="phClr">
+                <a:tint val="40000"/>
+                <a:satMod val="350000"/>
+              </a:schemeClr>
+            </a:gs>
+            <a:gs pos="40000">
+              <a:schemeClr val="phClr">
+                <a:tint val="45000"/>
+                <a:shade val="99000"/>
+                <a:satMod val="350000"/>
+              </a:schemeClr>
+            </a:gs>
+            <a:gs pos="100000">
+              <a:schemeClr val="phClr">
+                <a:shade val="20000"/>
+                <a:satMod val="255000"/>
+              </a:schemeClr>
+            </a:gs>
+          </a:gsLst>
+          <a:path path="circle">
+            <a:fillToRect l="50000" t="-80000" r="50000" b="180000"/>
+          </a:path>
+        </a:gradFill>
+        <a:gradFill rotWithShape="1">
+          <a:gsLst>
+            <a:gs pos="0">
+              <a:schemeClr val="phClr">
+                <a:tint val="80000"/>
+                <a:satMod val="300000"/>
+              </a:schemeClr>
+            </a:gs>
+            <a:gs pos="100000">
+              <a:schemeClr val="phClr">
+                <a:shade val="30000"/>
+                <a:satMod val="200000"/>
+              </a:schemeClr>
+            </a:gs>
+          </a:gsLst>
+          <a:path path="circle">
+            <a:fillToRect l="50000" t="50000" r="50000" b="50000"/>
+          </a:path>
+        </a:gradFill>
+      </a:bgFillStyleLst>
+    </a:fmtScheme>
+  </a:themeElements>
+  <a:objectDefaults/>
+  <a:extraClrSchemeLst/>
+</a:theme>
 </file>
--- a/notes/SpringbootPPT.pptx
+++ b/notes/SpringbootPPT.pptx
@@ -5,7 +5,7 @@
     <p:sldMasterId id="2147483648" r:id="rId1"/>
   </p:sldMasterIdLst>
   <p:notesMasterIdLst>
-    <p:notesMasterId r:id="rId25"/>
+    <p:notesMasterId r:id="rId26"/>
   </p:notesMasterIdLst>
   <p:sldIdLst>
     <p:sldId id="256" r:id="rId2"/>
@@ -31,6 +31,7 @@
     <p:sldId id="276" r:id="rId22"/>
     <p:sldId id="277" r:id="rId23"/>
     <p:sldId id="278" r:id="rId24"/>
+    <p:sldId id="279" r:id="rId25"/>
   </p:sldIdLst>
   <p:sldSz cx="9144000" cy="6858000" type="screen4x3"/>
   <p:notesSz cx="6858000" cy="9144000"/>
@@ -214,7 +215,7 @@
           <a:p>
             <a:fld id="{EFA52D2B-50BB-4FEA-8A87-C2D9DE81306B}" type="datetimeFigureOut">
               <a:rPr lang="en-IN" smtClean="0"/>
-              <a:t>08-04-2024</a:t>
+              <a:t>09-04-2024</a:t>
             </a:fld>
             <a:endParaRPr lang="en-IN"/>
           </a:p>
@@ -747,7 +748,7 @@
           <a:p>
             <a:fld id="{81D79722-A795-4EB0-A1B6-ECFB98BA3801}" type="datetimeFigureOut">
               <a:rPr lang="en-IN" smtClean="0"/>
-              <a:t>08-04-2024</a:t>
+              <a:t>09-04-2024</a:t>
             </a:fld>
             <a:endParaRPr lang="en-IN"/>
           </a:p>
@@ -917,7 +918,7 @@
           <a:p>
             <a:fld id="{81D79722-A795-4EB0-A1B6-ECFB98BA3801}" type="datetimeFigureOut">
               <a:rPr lang="en-IN" smtClean="0"/>
-              <a:t>08-04-2024</a:t>
+              <a:t>09-04-2024</a:t>
             </a:fld>
             <a:endParaRPr lang="en-IN"/>
           </a:p>
@@ -1097,7 +1098,7 @@
           <a:p>
             <a:fld id="{81D79722-A795-4EB0-A1B6-ECFB98BA3801}" type="datetimeFigureOut">
               <a:rPr lang="en-IN" smtClean="0"/>
-              <a:t>08-04-2024</a:t>
+              <a:t>09-04-2024</a:t>
             </a:fld>
             <a:endParaRPr lang="en-IN"/>
           </a:p>
@@ -1267,7 +1268,7 @@
           <a:p>
             <a:fld id="{81D79722-A795-4EB0-A1B6-ECFB98BA3801}" type="datetimeFigureOut">
               <a:rPr lang="en-IN" smtClean="0"/>
-              <a:t>08-04-2024</a:t>
+              <a:t>09-04-2024</a:t>
             </a:fld>
             <a:endParaRPr lang="en-IN"/>
           </a:p>
@@ -1513,7 +1514,7 @@
           <a:p>
             <a:fld id="{81D79722-A795-4EB0-A1B6-ECFB98BA3801}" type="datetimeFigureOut">
               <a:rPr lang="en-IN" smtClean="0"/>
-              <a:t>08-04-2024</a:t>
+              <a:t>09-04-2024</a:t>
             </a:fld>
             <a:endParaRPr lang="en-IN"/>
           </a:p>
@@ -1801,7 +1802,7 @@
           <a:p>
             <a:fld id="{81D79722-A795-4EB0-A1B6-ECFB98BA3801}" type="datetimeFigureOut">
               <a:rPr lang="en-IN" smtClean="0"/>
-              <a:t>08-04-2024</a:t>
+              <a:t>09-04-2024</a:t>
             </a:fld>
             <a:endParaRPr lang="en-IN"/>
           </a:p>
@@ -2223,7 +2224,7 @@
           <a:p>
             <a:fld id="{81D79722-A795-4EB0-A1B6-ECFB98BA3801}" type="datetimeFigureOut">
               <a:rPr lang="en-IN" smtClean="0"/>
-              <a:t>08-04-2024</a:t>
+              <a:t>09-04-2024</a:t>
             </a:fld>
             <a:endParaRPr lang="en-IN"/>
           </a:p>
@@ -2341,7 +2342,7 @@
           <a:p>
             <a:fld id="{81D79722-A795-4EB0-A1B6-ECFB98BA3801}" type="datetimeFigureOut">
               <a:rPr lang="en-IN" smtClean="0"/>
-              <a:t>08-04-2024</a:t>
+              <a:t>09-04-2024</a:t>
             </a:fld>
             <a:endParaRPr lang="en-IN"/>
           </a:p>
@@ -2436,7 +2437,7 @@
           <a:p>
             <a:fld id="{81D79722-A795-4EB0-A1B6-ECFB98BA3801}" type="datetimeFigureOut">
               <a:rPr lang="en-IN" smtClean="0"/>
-              <a:t>08-04-2024</a:t>
+              <a:t>09-04-2024</a:t>
             </a:fld>
             <a:endParaRPr lang="en-IN"/>
           </a:p>
@@ -2713,7 +2714,7 @@
           <a:p>
             <a:fld id="{81D79722-A795-4EB0-A1B6-ECFB98BA3801}" type="datetimeFigureOut">
               <a:rPr lang="en-IN" smtClean="0"/>
-              <a:t>08-04-2024</a:t>
+              <a:t>09-04-2024</a:t>
             </a:fld>
             <a:endParaRPr lang="en-IN"/>
           </a:p>
@@ -2966,7 +2967,7 @@
           <a:p>
             <a:fld id="{81D79722-A795-4EB0-A1B6-ECFB98BA3801}" type="datetimeFigureOut">
               <a:rPr lang="en-IN" smtClean="0"/>
-              <a:t>08-04-2024</a:t>
+              <a:t>09-04-2024</a:t>
             </a:fld>
             <a:endParaRPr lang="en-IN"/>
           </a:p>
@@ -3179,7 +3180,7 @@
           <a:p>
             <a:fld id="{81D79722-A795-4EB0-A1B6-ECFB98BA3801}" type="datetimeFigureOut">
               <a:rPr lang="en-IN" smtClean="0"/>
-              <a:t>08-04-2024</a:t>
+              <a:t>09-04-2024</a:t>
             </a:fld>
             <a:endParaRPr lang="en-IN"/>
           </a:p>
@@ -7850,7 +7851,7 @@
         </p:nvSpPr>
         <p:spPr>
           <a:xfrm>
-            <a:off x="251520" y="4365104"/>
+            <a:off x="395536" y="4340049"/>
             <a:ext cx="2016224" cy="720080"/>
           </a:xfrm>
           <a:prstGeom prst="ellipse">
@@ -9342,6 +9343,70 @@
     <p:extLst>
       <p:ext uri="{BB962C8B-B14F-4D97-AF65-F5344CB8AC3E}">
         <p14:creationId xmlns:p14="http://schemas.microsoft.com/office/powerpoint/2010/main" val="603036689"/>
+      </p:ext>
+    </p:extLst>
+  </p:cSld>
+  <p:clrMapOvr>
+    <a:masterClrMapping/>
+  </p:clrMapOvr>
+</p:sld>
+</file>
+
+<file path=ppt/slides/slide24.xml><?xml version="1.0" encoding="utf-8"?>
+<p:sld xmlns:a="http://schemas.openxmlformats.org/drawingml/2006/main" xmlns:r="http://schemas.openxmlformats.org/officeDocument/2006/relationships" xmlns:p="http://schemas.openxmlformats.org/presentationml/2006/main">
+  <p:cSld>
+    <p:spTree>
+      <p:nvGrpSpPr>
+        <p:cNvPr id="1" name=""/>
+        <p:cNvGrpSpPr/>
+        <p:nvPr/>
+      </p:nvGrpSpPr>
+      <p:grpSpPr>
+        <a:xfrm>
+          <a:off x="0" y="0"/>
+          <a:ext cx="0" cy="0"/>
+          <a:chOff x="0" y="0"/>
+          <a:chExt cx="0" cy="0"/>
+        </a:xfrm>
+      </p:grpSpPr>
+      <p:sp>
+        <p:nvSpPr>
+          <p:cNvPr id="2" name="TextBox 1"/>
+          <p:cNvSpPr txBox="1"/>
+          <p:nvPr/>
+        </p:nvSpPr>
+        <p:spPr>
+          <a:xfrm>
+            <a:off x="971600" y="692696"/>
+            <a:ext cx="7416824" cy="369332"/>
+          </a:xfrm>
+          <a:prstGeom prst="rect">
+            <a:avLst/>
+          </a:prstGeom>
+          <a:noFill/>
+        </p:spPr>
+        <p:txBody>
+          <a:bodyPr wrap="square" rtlCol="0">
+            <a:spAutoFit/>
+          </a:bodyPr>
+          <a:lstStyle/>
+          <a:p>
+            <a:r>
+              <a:rPr lang="en-US" dirty="0" err="1" smtClean="0"/>
+              <a:t>Api</a:t>
+            </a:r>
+            <a:r>
+              <a:rPr lang="en-US" smtClean="0"/>
+              <a:t> gateway ?????</a:t>
+            </a:r>
+            <a:endParaRPr lang="en-IN"/>
+          </a:p>
+        </p:txBody>
+      </p:sp>
+    </p:spTree>
+    <p:extLst>
+      <p:ext uri="{BB962C8B-B14F-4D97-AF65-F5344CB8AC3E}">
+        <p14:creationId xmlns:p14="http://schemas.microsoft.com/office/powerpoint/2010/main" val="567771634"/>
       </p:ext>
     </p:extLst>
   </p:cSld>

--- a/notes/SpringbootPPT.pptx
+++ b/notes/SpringbootPPT.pptx
@@ -215,7 +215,7 @@
           <a:p>
             <a:fld id="{EFA52D2B-50BB-4FEA-8A87-C2D9DE81306B}" type="datetimeFigureOut">
               <a:rPr lang="en-IN" smtClean="0"/>
-              <a:t>09-04-2024</a:t>
+              <a:t>12-04-2024</a:t>
             </a:fld>
             <a:endParaRPr lang="en-IN"/>
           </a:p>
@@ -748,7 +748,7 @@
           <a:p>
             <a:fld id="{81D79722-A795-4EB0-A1B6-ECFB98BA3801}" type="datetimeFigureOut">
               <a:rPr lang="en-IN" smtClean="0"/>
-              <a:t>09-04-2024</a:t>
+              <a:t>12-04-2024</a:t>
             </a:fld>
             <a:endParaRPr lang="en-IN"/>
           </a:p>
@@ -918,7 +918,7 @@
           <a:p>
             <a:fld id="{81D79722-A795-4EB0-A1B6-ECFB98BA3801}" type="datetimeFigureOut">
               <a:rPr lang="en-IN" smtClean="0"/>
-              <a:t>09-04-2024</a:t>
+              <a:t>12-04-2024</a:t>
             </a:fld>
             <a:endParaRPr lang="en-IN"/>
           </a:p>
@@ -1098,7 +1098,7 @@
           <a:p>
             <a:fld id="{81D79722-A795-4EB0-A1B6-ECFB98BA3801}" type="datetimeFigureOut">
               <a:rPr lang="en-IN" smtClean="0"/>
-              <a:t>09-04-2024</a:t>
+              <a:t>12-04-2024</a:t>
             </a:fld>
             <a:endParaRPr lang="en-IN"/>
           </a:p>
@@ -1268,7 +1268,7 @@
           <a:p>
             <a:fld id="{81D79722-A795-4EB0-A1B6-ECFB98BA3801}" type="datetimeFigureOut">
               <a:rPr lang="en-IN" smtClean="0"/>
-              <a:t>09-04-2024</a:t>
+              <a:t>12-04-2024</a:t>
             </a:fld>
             <a:endParaRPr lang="en-IN"/>
           </a:p>
@@ -1514,7 +1514,7 @@
           <a:p>
             <a:fld id="{81D79722-A795-4EB0-A1B6-ECFB98BA3801}" type="datetimeFigureOut">
               <a:rPr lang="en-IN" smtClean="0"/>
-              <a:t>09-04-2024</a:t>
+              <a:t>12-04-2024</a:t>
             </a:fld>
             <a:endParaRPr lang="en-IN"/>
           </a:p>
@@ -1802,7 +1802,7 @@
           <a:p>
             <a:fld id="{81D79722-A795-4EB0-A1B6-ECFB98BA3801}" type="datetimeFigureOut">
               <a:rPr lang="en-IN" smtClean="0"/>
-              <a:t>09-04-2024</a:t>
+              <a:t>12-04-2024</a:t>
             </a:fld>
             <a:endParaRPr lang="en-IN"/>
           </a:p>
@@ -2224,7 +2224,7 @@
           <a:p>
             <a:fld id="{81D79722-A795-4EB0-A1B6-ECFB98BA3801}" type="datetimeFigureOut">
               <a:rPr lang="en-IN" smtClean="0"/>
-              <a:t>09-04-2024</a:t>
+              <a:t>12-04-2024</a:t>
             </a:fld>
             <a:endParaRPr lang="en-IN"/>
           </a:p>
@@ -2342,7 +2342,7 @@
           <a:p>
             <a:fld id="{81D79722-A795-4EB0-A1B6-ECFB98BA3801}" type="datetimeFigureOut">
               <a:rPr lang="en-IN" smtClean="0"/>
-              <a:t>09-04-2024</a:t>
+              <a:t>12-04-2024</a:t>
             </a:fld>
             <a:endParaRPr lang="en-IN"/>
           </a:p>
@@ -2437,7 +2437,7 @@
           <a:p>
             <a:fld id="{81D79722-A795-4EB0-A1B6-ECFB98BA3801}" type="datetimeFigureOut">
               <a:rPr lang="en-IN" smtClean="0"/>
-              <a:t>09-04-2024</a:t>
+              <a:t>12-04-2024</a:t>
             </a:fld>
             <a:endParaRPr lang="en-IN"/>
           </a:p>
@@ -2714,7 +2714,7 @@
           <a:p>
             <a:fld id="{81D79722-A795-4EB0-A1B6-ECFB98BA3801}" type="datetimeFigureOut">
               <a:rPr lang="en-IN" smtClean="0"/>
-              <a:t>09-04-2024</a:t>
+              <a:t>12-04-2024</a:t>
             </a:fld>
             <a:endParaRPr lang="en-IN"/>
           </a:p>
@@ -2967,7 +2967,7 @@
           <a:p>
             <a:fld id="{81D79722-A795-4EB0-A1B6-ECFB98BA3801}" type="datetimeFigureOut">
               <a:rPr lang="en-IN" smtClean="0"/>
-              <a:t>09-04-2024</a:t>
+              <a:t>12-04-2024</a:t>
             </a:fld>
             <a:endParaRPr lang="en-IN"/>
           </a:p>
@@ -3180,7 +3180,7 @@
           <a:p>
             <a:fld id="{81D79722-A795-4EB0-A1B6-ECFB98BA3801}" type="datetimeFigureOut">
               <a:rPr lang="en-IN" smtClean="0"/>
-              <a:t>09-04-2024</a:t>
+              <a:t>12-04-2024</a:t>
             </a:fld>
             <a:endParaRPr lang="en-IN"/>
           </a:p>
@@ -9400,6 +9400,552 @@
               <a:t> gateway ?????</a:t>
             </a:r>
             <a:endParaRPr lang="en-IN"/>
+          </a:p>
+        </p:txBody>
+      </p:sp>
+      <p:sp>
+        <p:nvSpPr>
+          <p:cNvPr id="3" name="Oval 2"/>
+          <p:cNvSpPr/>
+          <p:nvPr/>
+        </p:nvSpPr>
+        <p:spPr>
+          <a:xfrm>
+            <a:off x="539552" y="1700808"/>
+            <a:ext cx="7416824" cy="5157192"/>
+          </a:xfrm>
+          <a:prstGeom prst="ellipse">
+            <a:avLst/>
+          </a:prstGeom>
+        </p:spPr>
+        <p:style>
+          <a:lnRef idx="2">
+            <a:schemeClr val="accent1">
+              <a:shade val="50000"/>
+            </a:schemeClr>
+          </a:lnRef>
+          <a:fillRef idx="1">
+            <a:schemeClr val="accent1"/>
+          </a:fillRef>
+          <a:effectRef idx="0">
+            <a:schemeClr val="accent1"/>
+          </a:effectRef>
+          <a:fontRef idx="minor">
+            <a:schemeClr val="lt1"/>
+          </a:fontRef>
+        </p:style>
+        <p:txBody>
+          <a:bodyPr rtlCol="0" anchor="ctr"/>
+          <a:lstStyle/>
+          <a:p>
+            <a:pPr algn="ctr"/>
+            <a:endParaRPr lang="en-IN"/>
+          </a:p>
+        </p:txBody>
+      </p:sp>
+      <p:sp>
+        <p:nvSpPr>
+          <p:cNvPr id="4" name="Rectangle 3"/>
+          <p:cNvSpPr/>
+          <p:nvPr/>
+        </p:nvSpPr>
+        <p:spPr>
+          <a:xfrm>
+            <a:off x="1683304" y="2892800"/>
+            <a:ext cx="1296144" cy="648072"/>
+          </a:xfrm>
+          <a:prstGeom prst="rect">
+            <a:avLst/>
+          </a:prstGeom>
+        </p:spPr>
+        <p:style>
+          <a:lnRef idx="2">
+            <a:schemeClr val="accent1">
+              <a:shade val="50000"/>
+            </a:schemeClr>
+          </a:lnRef>
+          <a:fillRef idx="1">
+            <a:schemeClr val="accent1"/>
+          </a:fillRef>
+          <a:effectRef idx="0">
+            <a:schemeClr val="accent1"/>
+          </a:effectRef>
+          <a:fontRef idx="minor">
+            <a:schemeClr val="lt1"/>
+          </a:fontRef>
+        </p:style>
+        <p:txBody>
+          <a:bodyPr rtlCol="0" anchor="ctr"/>
+          <a:lstStyle/>
+          <a:p>
+            <a:pPr algn="ctr"/>
+            <a:r>
+              <a:rPr lang="en-US" dirty="0" smtClean="0"/>
+              <a:t>Login-service</a:t>
+            </a:r>
+            <a:endParaRPr lang="en-IN" dirty="0"/>
+          </a:p>
+        </p:txBody>
+      </p:sp>
+      <p:sp>
+        <p:nvSpPr>
+          <p:cNvPr id="5" name="Rectangle 4"/>
+          <p:cNvSpPr/>
+          <p:nvPr/>
+        </p:nvSpPr>
+        <p:spPr>
+          <a:xfrm>
+            <a:off x="1619672" y="4319042"/>
+            <a:ext cx="1296144" cy="648072"/>
+          </a:xfrm>
+          <a:prstGeom prst="rect">
+            <a:avLst/>
+          </a:prstGeom>
+        </p:spPr>
+        <p:style>
+          <a:lnRef idx="2">
+            <a:schemeClr val="accent1">
+              <a:shade val="50000"/>
+            </a:schemeClr>
+          </a:lnRef>
+          <a:fillRef idx="1">
+            <a:schemeClr val="accent1"/>
+          </a:fillRef>
+          <a:effectRef idx="0">
+            <a:schemeClr val="accent1"/>
+          </a:effectRef>
+          <a:fontRef idx="minor">
+            <a:schemeClr val="lt1"/>
+          </a:fontRef>
+        </p:style>
+        <p:txBody>
+          <a:bodyPr rtlCol="0" anchor="ctr"/>
+          <a:lstStyle/>
+          <a:p>
+            <a:pPr algn="ctr"/>
+            <a:r>
+              <a:rPr lang="en-US" dirty="0" smtClean="0"/>
+              <a:t>home-service</a:t>
+            </a:r>
+            <a:endParaRPr lang="en-IN" dirty="0"/>
+          </a:p>
+        </p:txBody>
+      </p:sp>
+      <p:sp>
+        <p:nvSpPr>
+          <p:cNvPr id="6" name="Rectangle 5"/>
+          <p:cNvSpPr/>
+          <p:nvPr/>
+        </p:nvSpPr>
+        <p:spPr>
+          <a:xfrm>
+            <a:off x="5004048" y="4312317"/>
+            <a:ext cx="1296144" cy="648072"/>
+          </a:xfrm>
+          <a:prstGeom prst="rect">
+            <a:avLst/>
+          </a:prstGeom>
+        </p:spPr>
+        <p:style>
+          <a:lnRef idx="2">
+            <a:schemeClr val="accent1">
+              <a:shade val="50000"/>
+            </a:schemeClr>
+          </a:lnRef>
+          <a:fillRef idx="1">
+            <a:schemeClr val="accent1"/>
+          </a:fillRef>
+          <a:effectRef idx="0">
+            <a:schemeClr val="accent1"/>
+          </a:effectRef>
+          <a:fontRef idx="minor">
+            <a:schemeClr val="lt1"/>
+          </a:fontRef>
+        </p:style>
+        <p:txBody>
+          <a:bodyPr rtlCol="0" anchor="ctr"/>
+          <a:lstStyle/>
+          <a:p>
+            <a:pPr algn="ctr"/>
+            <a:r>
+              <a:rPr lang="en-US" dirty="0" smtClean="0"/>
+              <a:t>dashboard-service</a:t>
+            </a:r>
+            <a:endParaRPr lang="en-IN" dirty="0"/>
+          </a:p>
+        </p:txBody>
+      </p:sp>
+      <p:sp>
+        <p:nvSpPr>
+          <p:cNvPr id="7" name="Rectangle 6"/>
+          <p:cNvSpPr/>
+          <p:nvPr/>
+        </p:nvSpPr>
+        <p:spPr>
+          <a:xfrm>
+            <a:off x="4788024" y="2982070"/>
+            <a:ext cx="1296144" cy="648072"/>
+          </a:xfrm>
+          <a:prstGeom prst="rect">
+            <a:avLst/>
+          </a:prstGeom>
+        </p:spPr>
+        <p:style>
+          <a:lnRef idx="2">
+            <a:schemeClr val="accent1">
+              <a:shade val="50000"/>
+            </a:schemeClr>
+          </a:lnRef>
+          <a:fillRef idx="1">
+            <a:schemeClr val="accent1"/>
+          </a:fillRef>
+          <a:effectRef idx="0">
+            <a:schemeClr val="accent1"/>
+          </a:effectRef>
+          <a:fontRef idx="minor">
+            <a:schemeClr val="lt1"/>
+          </a:fontRef>
+        </p:style>
+        <p:txBody>
+          <a:bodyPr rtlCol="0" anchor="ctr"/>
+          <a:lstStyle/>
+          <a:p>
+            <a:pPr algn="ctr"/>
+            <a:r>
+              <a:rPr lang="en-US" dirty="0" smtClean="0"/>
+              <a:t>register-service</a:t>
+            </a:r>
+            <a:endParaRPr lang="en-IN" dirty="0"/>
+          </a:p>
+        </p:txBody>
+      </p:sp>
+      <p:sp>
+        <p:nvSpPr>
+          <p:cNvPr id="8" name="Oval 7"/>
+          <p:cNvSpPr/>
+          <p:nvPr/>
+        </p:nvSpPr>
+        <p:spPr>
+          <a:xfrm>
+            <a:off x="3319847" y="3599212"/>
+            <a:ext cx="1440160" cy="864096"/>
+          </a:xfrm>
+          <a:prstGeom prst="ellipse">
+            <a:avLst/>
+          </a:prstGeom>
+        </p:spPr>
+        <p:style>
+          <a:lnRef idx="2">
+            <a:schemeClr val="accent1">
+              <a:shade val="50000"/>
+            </a:schemeClr>
+          </a:lnRef>
+          <a:fillRef idx="1">
+            <a:schemeClr val="accent1"/>
+          </a:fillRef>
+          <a:effectRef idx="0">
+            <a:schemeClr val="accent1"/>
+          </a:effectRef>
+          <a:fontRef idx="minor">
+            <a:schemeClr val="lt1"/>
+          </a:fontRef>
+        </p:style>
+        <p:txBody>
+          <a:bodyPr rtlCol="0" anchor="ctr"/>
+          <a:lstStyle/>
+          <a:p>
+            <a:pPr algn="ctr"/>
+            <a:r>
+              <a:rPr lang="en-US" dirty="0" err="1" smtClean="0"/>
+              <a:t>Api</a:t>
+            </a:r>
+            <a:r>
+              <a:rPr lang="en-US" dirty="0" smtClean="0"/>
+              <a:t>-gateway</a:t>
+            </a:r>
+            <a:endParaRPr lang="en-IN" dirty="0"/>
+          </a:p>
+        </p:txBody>
+      </p:sp>
+      <p:cxnSp>
+        <p:nvCxnSpPr>
+          <p:cNvPr id="10" name="Straight Arrow Connector 9"/>
+          <p:cNvCxnSpPr/>
+          <p:nvPr/>
+        </p:nvCxnSpPr>
+        <p:spPr>
+          <a:xfrm>
+            <a:off x="3923928" y="1246694"/>
+            <a:ext cx="57999" cy="2254314"/>
+          </a:xfrm>
+          <a:prstGeom prst="straightConnector1">
+            <a:avLst/>
+          </a:prstGeom>
+          <a:ln>
+            <a:solidFill>
+              <a:schemeClr val="tx1"/>
+            </a:solidFill>
+            <a:tailEnd type="arrow"/>
+          </a:ln>
+        </p:spPr>
+        <p:style>
+          <a:lnRef idx="1">
+            <a:schemeClr val="accent1"/>
+          </a:lnRef>
+          <a:fillRef idx="0">
+            <a:schemeClr val="accent1"/>
+          </a:fillRef>
+          <a:effectRef idx="0">
+            <a:schemeClr val="accent1"/>
+          </a:effectRef>
+          <a:fontRef idx="minor">
+            <a:schemeClr val="tx1"/>
+          </a:fontRef>
+        </p:style>
+      </p:cxnSp>
+      <p:sp>
+        <p:nvSpPr>
+          <p:cNvPr id="11" name="TextBox 10"/>
+          <p:cNvSpPr txBox="1"/>
+          <p:nvPr/>
+        </p:nvSpPr>
+        <p:spPr>
+          <a:xfrm>
+            <a:off x="3563888" y="877362"/>
+            <a:ext cx="1368152" cy="369332"/>
+          </a:xfrm>
+          <a:prstGeom prst="rect">
+            <a:avLst/>
+          </a:prstGeom>
+          <a:noFill/>
+        </p:spPr>
+        <p:txBody>
+          <a:bodyPr wrap="square" rtlCol="0">
+            <a:spAutoFit/>
+          </a:bodyPr>
+          <a:lstStyle/>
+          <a:p>
+            <a:r>
+              <a:rPr lang="en-US" dirty="0" smtClean="0"/>
+              <a:t>Any request</a:t>
+            </a:r>
+            <a:endParaRPr lang="en-IN" dirty="0"/>
+          </a:p>
+        </p:txBody>
+      </p:sp>
+      <p:sp>
+        <p:nvSpPr>
+          <p:cNvPr id="14" name="Cloud Callout 13"/>
+          <p:cNvSpPr/>
+          <p:nvPr/>
+        </p:nvSpPr>
+        <p:spPr>
+          <a:xfrm>
+            <a:off x="3635896" y="1484784"/>
+            <a:ext cx="2160240" cy="1995540"/>
+          </a:xfrm>
+          <a:prstGeom prst="cloudCallout">
+            <a:avLst/>
+          </a:prstGeom>
+          <a:solidFill>
+            <a:schemeClr val="bg1"/>
+          </a:solidFill>
+          <a:ln>
+            <a:solidFill>
+              <a:schemeClr val="tx1"/>
+            </a:solidFill>
+          </a:ln>
+        </p:spPr>
+        <p:style>
+          <a:lnRef idx="2">
+            <a:schemeClr val="accent1">
+              <a:shade val="50000"/>
+            </a:schemeClr>
+          </a:lnRef>
+          <a:fillRef idx="1">
+            <a:schemeClr val="accent1"/>
+          </a:fillRef>
+          <a:effectRef idx="0">
+            <a:schemeClr val="accent1"/>
+          </a:effectRef>
+          <a:fontRef idx="minor">
+            <a:schemeClr val="lt1"/>
+          </a:fontRef>
+        </p:style>
+        <p:txBody>
+          <a:bodyPr rtlCol="0" anchor="ctr"/>
+          <a:lstStyle/>
+          <a:p>
+            <a:pPr algn="ctr"/>
+            <a:r>
+              <a:rPr lang="en-US" dirty="0" smtClean="0">
+                <a:solidFill>
+                  <a:schemeClr val="tx1"/>
+                </a:solidFill>
+              </a:rPr>
+              <a:t>Added security in </a:t>
+            </a:r>
+            <a:r>
+              <a:rPr lang="en-US" dirty="0" err="1" smtClean="0">
+                <a:solidFill>
+                  <a:schemeClr val="tx1"/>
+                </a:solidFill>
+              </a:rPr>
+              <a:t>api</a:t>
+            </a:r>
+            <a:r>
+              <a:rPr lang="en-US" dirty="0" smtClean="0">
+                <a:solidFill>
+                  <a:schemeClr val="tx1"/>
+                </a:solidFill>
+              </a:rPr>
+              <a:t> gateway service</a:t>
+            </a:r>
+            <a:endParaRPr lang="en-IN" dirty="0">
+              <a:solidFill>
+                <a:schemeClr val="tx1"/>
+              </a:solidFill>
+            </a:endParaRPr>
+          </a:p>
+        </p:txBody>
+      </p:sp>
+      <p:cxnSp>
+        <p:nvCxnSpPr>
+          <p:cNvPr id="16" name="Straight Arrow Connector 15"/>
+          <p:cNvCxnSpPr/>
+          <p:nvPr/>
+        </p:nvCxnSpPr>
+        <p:spPr>
+          <a:xfrm>
+            <a:off x="4499992" y="4365104"/>
+            <a:ext cx="504056" cy="360040"/>
+          </a:xfrm>
+          <a:prstGeom prst="straightConnector1">
+            <a:avLst/>
+          </a:prstGeom>
+          <a:ln>
+            <a:solidFill>
+              <a:schemeClr val="tx1"/>
+            </a:solidFill>
+            <a:tailEnd type="arrow"/>
+          </a:ln>
+        </p:spPr>
+        <p:style>
+          <a:lnRef idx="1">
+            <a:schemeClr val="accent1"/>
+          </a:lnRef>
+          <a:fillRef idx="0">
+            <a:schemeClr val="accent1"/>
+          </a:fillRef>
+          <a:effectRef idx="0">
+            <a:schemeClr val="accent1"/>
+          </a:effectRef>
+          <a:fontRef idx="minor">
+            <a:schemeClr val="tx1"/>
+          </a:fontRef>
+        </p:style>
+      </p:cxnSp>
+      <p:cxnSp>
+        <p:nvCxnSpPr>
+          <p:cNvPr id="17" name="Straight Arrow Connector 16"/>
+          <p:cNvCxnSpPr>
+            <a:stCxn id="8" idx="1"/>
+          </p:cNvCxnSpPr>
+          <p:nvPr/>
+        </p:nvCxnSpPr>
+        <p:spPr>
+          <a:xfrm flipH="1" flipV="1">
+            <a:off x="2973815" y="3501008"/>
+            <a:ext cx="556939" cy="224748"/>
+          </a:xfrm>
+          <a:prstGeom prst="straightConnector1">
+            <a:avLst/>
+          </a:prstGeom>
+          <a:ln>
+            <a:solidFill>
+              <a:schemeClr val="tx1"/>
+            </a:solidFill>
+            <a:tailEnd type="arrow"/>
+          </a:ln>
+        </p:spPr>
+        <p:style>
+          <a:lnRef idx="1">
+            <a:schemeClr val="accent1"/>
+          </a:lnRef>
+          <a:fillRef idx="0">
+            <a:schemeClr val="accent1"/>
+          </a:fillRef>
+          <a:effectRef idx="0">
+            <a:schemeClr val="accent1"/>
+          </a:effectRef>
+          <a:fontRef idx="minor">
+            <a:schemeClr val="tx1"/>
+          </a:fontRef>
+        </p:style>
+      </p:cxnSp>
+      <p:cxnSp>
+        <p:nvCxnSpPr>
+          <p:cNvPr id="18" name="Straight Arrow Connector 17"/>
+          <p:cNvCxnSpPr/>
+          <p:nvPr/>
+        </p:nvCxnSpPr>
+        <p:spPr>
+          <a:xfrm flipH="1">
+            <a:off x="2915816" y="4365104"/>
+            <a:ext cx="620055" cy="271249"/>
+          </a:xfrm>
+          <a:prstGeom prst="straightConnector1">
+            <a:avLst/>
+          </a:prstGeom>
+          <a:ln>
+            <a:solidFill>
+              <a:schemeClr val="tx1"/>
+            </a:solidFill>
+            <a:tailEnd type="arrow"/>
+          </a:ln>
+        </p:spPr>
+        <p:style>
+          <a:lnRef idx="1">
+            <a:schemeClr val="accent1"/>
+          </a:lnRef>
+          <a:fillRef idx="0">
+            <a:schemeClr val="accent1"/>
+          </a:fillRef>
+          <a:effectRef idx="0">
+            <a:schemeClr val="accent1"/>
+          </a:effectRef>
+          <a:fontRef idx="minor">
+            <a:schemeClr val="tx1"/>
+          </a:fontRef>
+        </p:style>
+      </p:cxnSp>
+      <p:sp>
+        <p:nvSpPr>
+          <p:cNvPr id="22" name="TextBox 21"/>
+          <p:cNvSpPr txBox="1"/>
+          <p:nvPr/>
+        </p:nvSpPr>
+        <p:spPr>
+          <a:xfrm>
+            <a:off x="1979712" y="5373216"/>
+            <a:ext cx="4104456" cy="369332"/>
+          </a:xfrm>
+          <a:prstGeom prst="rect">
+            <a:avLst/>
+          </a:prstGeom>
+          <a:noFill/>
+        </p:spPr>
+        <p:txBody>
+          <a:bodyPr wrap="square" rtlCol="0">
+            <a:spAutoFit/>
+          </a:bodyPr>
+          <a:lstStyle/>
+          <a:p>
+            <a:r>
+              <a:rPr lang="en-US" dirty="0" smtClean="0"/>
+              <a:t>Service-discovery</a:t>
+            </a:r>
+            <a:endParaRPr lang="en-IN" dirty="0"/>
           </a:p>
         </p:txBody>
       </p:sp>
